--- a/Project/Slides/A2A Wacc.pptx
+++ b/Project/Slides/A2A Wacc.pptx
@@ -11,6 +11,8 @@
     <p:sldId id="261" r:id="rId5"/>
     <p:sldId id="262" r:id="rId6"/>
     <p:sldId id="263" r:id="rId7"/>
+    <p:sldId id="264" r:id="rId8"/>
+    <p:sldId id="265" r:id="rId9"/>
   </p:sldIdLst>
   <p:sldSz cx="12192000" cy="6858000"/>
   <p:notesSz cx="6858000" cy="9144000"/>
@@ -109,7 +111,127 @@
       </a:defRPr>
     </a:lvl9pPr>
   </p:defaultTextStyle>
+  <p:extLst>
+    <p:ext uri="{EFAFB233-063F-42B5-8137-9DF3F51BA10A}">
+      <p15:sldGuideLst xmlns:p15="http://schemas.microsoft.com/office/powerpoint/2012/main"/>
+    </p:ext>
+  </p:extLst>
 </p:presentation>
+</file>
+
+<file path=ppt/revisionInfo.xml><?xml version="1.0" encoding="utf-8"?>
+<p1510:revInfo xmlns:a="http://schemas.openxmlformats.org/drawingml/2006/main" xmlns:r="http://schemas.openxmlformats.org/officeDocument/2006/relationships" xmlns:p1510="http://schemas.microsoft.com/office/powerpoint/2015/10/main">
+  <p1510:revLst>
+    <p1510:client id="{D897ED37-725E-49DE-9889-8289233AA0F9}" v="9" dt="2020-06-07T20:51:47.270"/>
+  </p1510:revLst>
+</p1510:revInfo>
+</file>
+
+<file path=ppt/changesInfos/changesInfo1.xml><?xml version="1.0" encoding="utf-8"?>
+<pc:chgInfo xmlns:a="http://schemas.openxmlformats.org/drawingml/2006/main" xmlns:r="http://schemas.openxmlformats.org/officeDocument/2006/relationships" xmlns:ac="http://schemas.microsoft.com/office/drawing/2013/main/command" xmlns:pc="http://schemas.microsoft.com/office/powerpoint/2013/main/command">
+  <pc:docChgLst>
+    <pc:chgData name="simone.luca.lucchesi@gmail.com" userId="f678740a5a93c0b5" providerId="LiveId" clId="{D897ED37-725E-49DE-9889-8289233AA0F9}"/>
+    <pc:docChg chg="undo custSel addSld modSld">
+      <pc:chgData name="simone.luca.lucchesi@gmail.com" userId="f678740a5a93c0b5" providerId="LiveId" clId="{D897ED37-725E-49DE-9889-8289233AA0F9}" dt="2020-06-07T20:54:07.651" v="2631" actId="20577"/>
+      <pc:docMkLst>
+        <pc:docMk/>
+      </pc:docMkLst>
+      <pc:sldChg chg="modSp">
+        <pc:chgData name="simone.luca.lucchesi@gmail.com" userId="f678740a5a93c0b5" providerId="LiveId" clId="{D897ED37-725E-49DE-9889-8289233AA0F9}" dt="2020-06-07T20:40:42.486" v="1453" actId="113"/>
+        <pc:sldMkLst>
+          <pc:docMk/>
+          <pc:sldMk cId="1288851995" sldId="263"/>
+        </pc:sldMkLst>
+        <pc:spChg chg="mod">
+          <ac:chgData name="simone.luca.lucchesi@gmail.com" userId="f678740a5a93c0b5" providerId="LiveId" clId="{D897ED37-725E-49DE-9889-8289233AA0F9}" dt="2020-06-07T20:40:42.486" v="1453" actId="113"/>
+          <ac:spMkLst>
+            <pc:docMk/>
+            <pc:sldMk cId="1288851995" sldId="263"/>
+            <ac:spMk id="3" creationId="{D66195F7-BE4F-4232-B0D1-744C70914CB9}"/>
+          </ac:spMkLst>
+        </pc:spChg>
+      </pc:sldChg>
+      <pc:sldChg chg="addSp modSp add">
+        <pc:chgData name="simone.luca.lucchesi@gmail.com" userId="f678740a5a93c0b5" providerId="LiveId" clId="{D897ED37-725E-49DE-9889-8289233AA0F9}" dt="2020-06-07T20:49:48.770" v="2207" actId="1076"/>
+        <pc:sldMkLst>
+          <pc:docMk/>
+          <pc:sldMk cId="2225915769" sldId="264"/>
+        </pc:sldMkLst>
+        <pc:spChg chg="mod">
+          <ac:chgData name="simone.luca.lucchesi@gmail.com" userId="f678740a5a93c0b5" providerId="LiveId" clId="{D897ED37-725E-49DE-9889-8289233AA0F9}" dt="2020-06-07T20:41:52.004" v="1549" actId="2711"/>
+          <ac:spMkLst>
+            <pc:docMk/>
+            <pc:sldMk cId="2225915769" sldId="264"/>
+            <ac:spMk id="2" creationId="{2E80777B-08FE-4A2D-9268-C28488F19A1C}"/>
+          </ac:spMkLst>
+        </pc:spChg>
+        <pc:spChg chg="mod">
+          <ac:chgData name="simone.luca.lucchesi@gmail.com" userId="f678740a5a93c0b5" providerId="LiveId" clId="{D897ED37-725E-49DE-9889-8289233AA0F9}" dt="2020-06-07T20:49:09.161" v="2203" actId="255"/>
+          <ac:spMkLst>
+            <pc:docMk/>
+            <pc:sldMk cId="2225915769" sldId="264"/>
+            <ac:spMk id="3" creationId="{AEEFF6AD-D238-41D6-AFA8-4AFE1B603E8C}"/>
+          </ac:spMkLst>
+        </pc:spChg>
+        <pc:graphicFrameChg chg="add mod">
+          <ac:chgData name="simone.luca.lucchesi@gmail.com" userId="f678740a5a93c0b5" providerId="LiveId" clId="{D897ED37-725E-49DE-9889-8289233AA0F9}" dt="2020-06-07T20:49:27.834" v="2205" actId="1076"/>
+          <ac:graphicFrameMkLst>
+            <pc:docMk/>
+            <pc:sldMk cId="2225915769" sldId="264"/>
+            <ac:graphicFrameMk id="4" creationId="{94DFB537-293A-4478-9E97-644EE672AD1C}"/>
+          </ac:graphicFrameMkLst>
+        </pc:graphicFrameChg>
+        <pc:graphicFrameChg chg="add mod modGraphic">
+          <ac:chgData name="simone.luca.lucchesi@gmail.com" userId="f678740a5a93c0b5" providerId="LiveId" clId="{D897ED37-725E-49DE-9889-8289233AA0F9}" dt="2020-06-07T20:49:48.770" v="2207" actId="1076"/>
+          <ac:graphicFrameMkLst>
+            <pc:docMk/>
+            <pc:sldMk cId="2225915769" sldId="264"/>
+            <ac:graphicFrameMk id="5" creationId="{3E029E6A-E635-4991-82FB-0822F5C57DC5}"/>
+          </ac:graphicFrameMkLst>
+        </pc:graphicFrameChg>
+      </pc:sldChg>
+      <pc:sldChg chg="addSp delSp modSp add">
+        <pc:chgData name="simone.luca.lucchesi@gmail.com" userId="f678740a5a93c0b5" providerId="LiveId" clId="{D897ED37-725E-49DE-9889-8289233AA0F9}" dt="2020-06-07T20:54:07.651" v="2631" actId="20577"/>
+        <pc:sldMkLst>
+          <pc:docMk/>
+          <pc:sldMk cId="3486704649" sldId="265"/>
+        </pc:sldMkLst>
+        <pc:spChg chg="mod">
+          <ac:chgData name="simone.luca.lucchesi@gmail.com" userId="f678740a5a93c0b5" providerId="LiveId" clId="{D897ED37-725E-49DE-9889-8289233AA0F9}" dt="2020-06-07T20:50:35.763" v="2259" actId="2711"/>
+          <ac:spMkLst>
+            <pc:docMk/>
+            <pc:sldMk cId="3486704649" sldId="265"/>
+            <ac:spMk id="2" creationId="{08E50049-ED38-4770-9A91-F536DC80DA2F}"/>
+          </ac:spMkLst>
+        </pc:spChg>
+        <pc:spChg chg="del mod">
+          <ac:chgData name="simone.luca.lucchesi@gmail.com" userId="f678740a5a93c0b5" providerId="LiveId" clId="{D897ED37-725E-49DE-9889-8289233AA0F9}" dt="2020-06-07T20:50:51.321" v="2261"/>
+          <ac:spMkLst>
+            <pc:docMk/>
+            <pc:sldMk cId="3486704649" sldId="265"/>
+            <ac:spMk id="3" creationId="{B1CA0348-1A48-4348-9C89-1832CE7B2337}"/>
+          </ac:spMkLst>
+        </pc:spChg>
+        <pc:spChg chg="add mod">
+          <ac:chgData name="simone.luca.lucchesi@gmail.com" userId="f678740a5a93c0b5" providerId="LiveId" clId="{D897ED37-725E-49DE-9889-8289233AA0F9}" dt="2020-06-07T20:54:07.651" v="2631" actId="20577"/>
+          <ac:spMkLst>
+            <pc:docMk/>
+            <pc:sldMk cId="3486704649" sldId="265"/>
+            <ac:spMk id="5" creationId="{187CA0F4-AFF4-4570-AC24-84598EFB0887}"/>
+          </ac:spMkLst>
+        </pc:spChg>
+        <pc:picChg chg="add mod">
+          <ac:chgData name="simone.luca.lucchesi@gmail.com" userId="f678740a5a93c0b5" providerId="LiveId" clId="{D897ED37-725E-49DE-9889-8289233AA0F9}" dt="2020-06-07T20:51:35.867" v="2265" actId="1076"/>
+          <ac:picMkLst>
+            <pc:docMk/>
+            <pc:sldMk cId="3486704649" sldId="265"/>
+            <ac:picMk id="4" creationId="{5A660664-EBEC-4A95-AF10-6EAAC3684F1E}"/>
+          </ac:picMkLst>
+        </pc:picChg>
+      </pc:sldChg>
+    </pc:docChg>
+  </pc:docChgLst>
+</pc:chgInfo>
 </file>
 
 <file path=ppt/slideLayouts/slideLayout1.xml><?xml version="1.0" encoding="utf-8"?>
@@ -4473,8 +4595,8 @@
           </a:p>
         </p:txBody>
       </p:sp>
-      <mc:AlternateContent xmlns:mc="http://schemas.openxmlformats.org/markup-compatibility/2006">
-        <mc:Choice xmlns:a14="http://schemas.microsoft.com/office/drawing/2010/main" Requires="a14">
+      <mc:AlternateContent xmlns:mc="http://schemas.openxmlformats.org/markup-compatibility/2006" xmlns:a14="http://schemas.microsoft.com/office/drawing/2010/main">
+        <mc:Choice Requires="a14">
           <p:sp>
             <p:nvSpPr>
               <p:cNvPr id="3" name="Segnaposto contenuto 2">
@@ -4994,7 +5116,7 @@
             </p:txBody>
           </p:sp>
         </mc:Choice>
-        <mc:Fallback>
+        <mc:Fallback xmlns="">
           <p:sp>
             <p:nvSpPr>
               <p:cNvPr id="3" name="Segnaposto contenuto 2">
@@ -5947,8 +6069,8 @@
           </a:p>
         </p:txBody>
       </p:sp>
-      <mc:AlternateContent xmlns:mc="http://schemas.openxmlformats.org/markup-compatibility/2006">
-        <mc:Choice xmlns:a14="http://schemas.microsoft.com/office/drawing/2010/main" Requires="a14">
+      <mc:AlternateContent xmlns:mc="http://schemas.openxmlformats.org/markup-compatibility/2006" xmlns:a14="http://schemas.microsoft.com/office/drawing/2010/main">
+        <mc:Choice Requires="a14">
           <p:sp>
             <p:nvSpPr>
               <p:cNvPr id="7" name="CasellaDiTesto 6">
@@ -5998,48 +6120,68 @@
                 <a14:m>
                   <m:oMath xmlns:m="http://schemas.openxmlformats.org/officeDocument/2006/math">
                     <m:r>
-                      <a:rPr lang="en-GB" sz="2000" i="1"/>
+                      <a:rPr lang="en-GB" sz="2000" i="1">
+                        <a:latin typeface="Cambria Math" panose="02040503050406030204" pitchFamily="18" charset="0"/>
+                      </a:rPr>
                       <m:t>𝐶𝑅𝑃</m:t>
                     </m:r>
                     <m:r>
-                      <a:rPr lang="en-GB" sz="2000" i="1"/>
+                      <a:rPr lang="en-GB" sz="2000" i="1">
+                        <a:latin typeface="Cambria Math" panose="02040503050406030204" pitchFamily="18" charset="0"/>
+                      </a:rPr>
                       <m:t>=</m:t>
                     </m:r>
                     <m:r>
-                      <a:rPr lang="en-GB" sz="2000" i="1"/>
+                      <a:rPr lang="en-GB" sz="2000" i="1">
+                        <a:latin typeface="Cambria Math" panose="02040503050406030204" pitchFamily="18" charset="0"/>
+                      </a:rPr>
                       <m:t>𝐶𝐷𝑆</m:t>
                     </m:r>
                     <m:r>
-                      <a:rPr lang="en-GB" sz="2000" i="1"/>
+                      <a:rPr lang="en-GB" sz="2000" i="1">
+                        <a:latin typeface="Cambria Math" panose="02040503050406030204" pitchFamily="18" charset="0"/>
+                      </a:rPr>
                       <m:t>∗</m:t>
                     </m:r>
                     <m:f>
                       <m:fPr>
                         <m:ctrlPr>
-                          <a:rPr lang="it-IT" sz="2000" i="1"/>
+                          <a:rPr lang="it-IT" sz="2000" i="1">
+                            <a:latin typeface="Cambria Math" panose="02040503050406030204" pitchFamily="18" charset="0"/>
+                          </a:rPr>
                         </m:ctrlPr>
                       </m:fPr>
                       <m:num>
                         <m:r>
-                          <a:rPr lang="en-GB" sz="2000" i="1"/>
+                          <a:rPr lang="en-GB" sz="2000" i="1">
+                            <a:latin typeface="Cambria Math" panose="02040503050406030204" pitchFamily="18" charset="0"/>
+                          </a:rPr>
                           <m:t>𝜗</m:t>
                         </m:r>
                         <m:r>
-                          <a:rPr lang="en-GB" sz="2000" i="1"/>
+                          <a:rPr lang="en-GB" sz="2000" i="1">
+                            <a:latin typeface="Cambria Math" panose="02040503050406030204" pitchFamily="18" charset="0"/>
+                          </a:rPr>
                           <m:t>𝑠𝑡𝑜𝑐𝑘</m:t>
                         </m:r>
                       </m:num>
                       <m:den>
                         <m:r>
-                          <a:rPr lang="en-GB" sz="2000" i="1"/>
+                          <a:rPr lang="en-GB" sz="2000" i="1">
+                            <a:latin typeface="Cambria Math" panose="02040503050406030204" pitchFamily="18" charset="0"/>
+                          </a:rPr>
                           <m:t>𝜗</m:t>
                         </m:r>
                         <m:r>
-                          <a:rPr lang="en-GB" sz="2000" i="1"/>
+                          <a:rPr lang="en-GB" sz="2000" i="1">
+                            <a:latin typeface="Cambria Math" panose="02040503050406030204" pitchFamily="18" charset="0"/>
+                          </a:rPr>
                           <m:t>𝑏𝑜𝑛𝑑</m:t>
                         </m:r>
                         <m:r>
-                          <a:rPr lang="en-GB" sz="2000" i="1"/>
+                          <a:rPr lang="en-GB" sz="2000" i="1">
+                            <a:latin typeface="Cambria Math" panose="02040503050406030204" pitchFamily="18" charset="0"/>
+                          </a:rPr>
                           <m:t> </m:t>
                         </m:r>
                       </m:den>
@@ -6195,7 +6337,7 @@
             </p:txBody>
           </p:sp>
         </mc:Choice>
-        <mc:Fallback>
+        <mc:Fallback xmlns="">
           <p:sp>
             <p:nvSpPr>
               <p:cNvPr id="7" name="CasellaDiTesto 6">
@@ -7166,14 +7308,271 @@
         <p:spPr>
           <a:xfrm>
             <a:off x="838200" y="870012"/>
-            <a:ext cx="10515600" cy="5306951"/>
+            <a:ext cx="10515600" cy="5699464"/>
           </a:xfrm>
         </p:spPr>
         <p:txBody>
-          <a:bodyPr/>
+          <a:bodyPr>
+            <a:normAutofit/>
+          </a:bodyPr>
           <a:lstStyle/>
           <a:p>
-            <a:endParaRPr lang="it-IT" dirty="0"/>
+            <a:r>
+              <a:rPr lang="it-IT" sz="2200" b="1" dirty="0" err="1"/>
+              <a:t>Workaround</a:t>
+            </a:r>
+            <a:r>
+              <a:rPr lang="it-IT" sz="2200" b="1" dirty="0"/>
+              <a:t> and </a:t>
+            </a:r>
+            <a:r>
+              <a:rPr lang="it-IT" sz="2200" b="1" dirty="0" err="1"/>
+              <a:t>assumptions</a:t>
+            </a:r>
+            <a:r>
+              <a:rPr lang="it-IT" sz="2200" b="1" dirty="0"/>
+              <a:t> </a:t>
+            </a:r>
+          </a:p>
+          <a:p>
+            <a:pPr marL="800100" lvl="1" indent="-342900">
+              <a:buFont typeface="+mj-lt"/>
+              <a:buAutoNum type="arabicPeriod"/>
+            </a:pPr>
+            <a:r>
+              <a:rPr lang="it-IT" sz="1800" dirty="0" err="1"/>
+              <a:t>According</a:t>
+            </a:r>
+            <a:r>
+              <a:rPr lang="it-IT" sz="1800" dirty="0"/>
+              <a:t> to </a:t>
+            </a:r>
+            <a:r>
+              <a:rPr lang="it-IT" sz="1800" dirty="0" err="1"/>
+              <a:t>its</a:t>
+            </a:r>
+            <a:r>
+              <a:rPr lang="it-IT" sz="1800" dirty="0"/>
+              <a:t> </a:t>
+            </a:r>
+            <a:r>
+              <a:rPr lang="it-IT" sz="1800" dirty="0" err="1"/>
+              <a:t>latest</a:t>
+            </a:r>
+            <a:r>
+              <a:rPr lang="it-IT" sz="1800" dirty="0"/>
+              <a:t> </a:t>
+            </a:r>
+            <a:r>
+              <a:rPr lang="it-IT" sz="1800" dirty="0" err="1"/>
+              <a:t>disclosures</a:t>
+            </a:r>
+            <a:r>
+              <a:rPr lang="it-IT" sz="1800" dirty="0"/>
+              <a:t> A2A </a:t>
+            </a:r>
+            <a:r>
+              <a:rPr lang="it-IT" sz="1800" dirty="0" err="1"/>
+              <a:t>operates</a:t>
+            </a:r>
+            <a:r>
+              <a:rPr lang="it-IT" sz="1800" dirty="0"/>
+              <a:t> in </a:t>
+            </a:r>
+            <a:r>
+              <a:rPr lang="it-IT" sz="1800" dirty="0" err="1"/>
+              <a:t>several</a:t>
+            </a:r>
+            <a:r>
+              <a:rPr lang="it-IT" sz="1800" dirty="0"/>
+              <a:t> Business </a:t>
+            </a:r>
+            <a:r>
+              <a:rPr lang="it-IT" sz="1800" dirty="0" err="1"/>
+              <a:t>Units</a:t>
+            </a:r>
+            <a:r>
+              <a:rPr lang="it-IT" sz="1800" dirty="0"/>
+              <a:t>. </a:t>
+            </a:r>
+            <a:r>
+              <a:rPr lang="it-IT" sz="1800" dirty="0" err="1"/>
+              <a:t>Anyway</a:t>
+            </a:r>
+            <a:r>
+              <a:rPr lang="it-IT" sz="1800" dirty="0"/>
+              <a:t>, </a:t>
+            </a:r>
+            <a:r>
+              <a:rPr lang="it-IT" sz="1800" dirty="0" err="1"/>
+              <a:t>most</a:t>
+            </a:r>
+            <a:r>
+              <a:rPr lang="it-IT" sz="1800" dirty="0"/>
+              <a:t> of </a:t>
+            </a:r>
+            <a:r>
+              <a:rPr lang="it-IT" sz="1800" dirty="0" err="1"/>
+              <a:t>its</a:t>
+            </a:r>
+            <a:r>
+              <a:rPr lang="it-IT" sz="1800" dirty="0"/>
+              <a:t> </a:t>
+            </a:r>
+            <a:r>
+              <a:rPr lang="it-IT" sz="1800" dirty="0" err="1"/>
+              <a:t>results</a:t>
+            </a:r>
+            <a:r>
+              <a:rPr lang="it-IT" sz="1800" dirty="0"/>
+              <a:t> come from Generation &amp; Trading, Market, Waste and Networks </a:t>
+            </a:r>
+            <a:r>
+              <a:rPr lang="it-IT" sz="1800" dirty="0" err="1"/>
+              <a:t>which</a:t>
+            </a:r>
+            <a:r>
+              <a:rPr lang="it-IT" sz="1800" dirty="0"/>
+              <a:t> </a:t>
+            </a:r>
+            <a:r>
+              <a:rPr lang="it-IT" sz="1800" dirty="0" err="1"/>
+              <a:t>refer</a:t>
+            </a:r>
+            <a:r>
+              <a:rPr lang="it-IT" sz="1800" dirty="0"/>
+              <a:t> to energy, water, </a:t>
+            </a:r>
+            <a:r>
+              <a:rPr lang="it-IT" sz="1800" dirty="0" err="1"/>
+              <a:t>heat</a:t>
+            </a:r>
+            <a:r>
+              <a:rPr lang="it-IT" sz="1800" dirty="0"/>
+              <a:t> </a:t>
+            </a:r>
+            <a:r>
+              <a:rPr lang="it-IT" sz="1800" dirty="0" err="1"/>
+              <a:t>distribution</a:t>
+            </a:r>
+            <a:r>
+              <a:rPr lang="it-IT" sz="1800" dirty="0"/>
+              <a:t> and </a:t>
+            </a:r>
+            <a:r>
+              <a:rPr lang="it-IT" sz="1800" dirty="0" err="1"/>
+              <a:t>waste</a:t>
+            </a:r>
+            <a:r>
+              <a:rPr lang="it-IT" sz="1800" dirty="0"/>
+              <a:t> </a:t>
+            </a:r>
+            <a:r>
+              <a:rPr lang="it-IT" sz="1800" dirty="0" err="1"/>
+              <a:t>allocation</a:t>
+            </a:r>
+            <a:r>
+              <a:rPr lang="it-IT" sz="1800" dirty="0"/>
+              <a:t>. </a:t>
+            </a:r>
+          </a:p>
+          <a:p>
+            <a:pPr marL="800100" lvl="1" indent="-342900">
+              <a:buFont typeface="+mj-lt"/>
+              <a:buAutoNum type="arabicPeriod"/>
+            </a:pPr>
+            <a:r>
+              <a:rPr lang="en-US" sz="1800" dirty="0"/>
+              <a:t>We used sector averages for unlevered betas adjusted for cash from Damodaran’s dataset. Another big assumption was to consider only 4 main industries where A2A operates in: Renewable energies, waste, gas distribution and water distribution. </a:t>
+            </a:r>
+          </a:p>
+          <a:p>
+            <a:pPr marL="800100" lvl="1" indent="-342900">
+              <a:buFont typeface="+mj-lt"/>
+              <a:buAutoNum type="arabicPeriod"/>
+            </a:pPr>
+            <a:r>
+              <a:rPr lang="en-US" sz="1800" dirty="0"/>
+              <a:t>We took a total of 5 unlevered betas. </a:t>
+            </a:r>
+          </a:p>
+          <a:p>
+            <a:pPr marL="800100" lvl="1" indent="-342900">
+              <a:buFont typeface="+mj-lt"/>
+              <a:buAutoNum type="arabicPeriod"/>
+            </a:pPr>
+            <a:r>
+              <a:rPr lang="en-US" sz="1800" dirty="0"/>
+              <a:t>Strict assumptions were also made about revenues sector allocation:</a:t>
+            </a:r>
+          </a:p>
+          <a:p>
+            <a:pPr lvl="3"/>
+            <a:r>
+              <a:rPr lang="en-US" sz="1200" dirty="0"/>
+              <a:t>25 %  of all energy from renewable production. </a:t>
+            </a:r>
+          </a:p>
+          <a:p>
+            <a:pPr lvl="3"/>
+            <a:r>
+              <a:rPr lang="en-US" sz="1200" dirty="0"/>
+              <a:t>Waste revenues to waste sector.</a:t>
+            </a:r>
+          </a:p>
+          <a:p>
+            <a:pPr lvl="3"/>
+            <a:r>
+              <a:rPr lang="en-US" sz="1200" dirty="0"/>
+              <a:t>Revenues from market, trading and networks  to remaining sectors. </a:t>
+            </a:r>
+          </a:p>
+          <a:p>
+            <a:pPr marL="800100" lvl="1" indent="-342900">
+              <a:buFont typeface="+mj-lt"/>
+              <a:buAutoNum type="arabicPeriod"/>
+            </a:pPr>
+            <a:r>
+              <a:rPr lang="en-US" sz="1800" dirty="0"/>
+              <a:t>We used market debt to equity ratio: this because allows us to reduce bottom up beta towards regression beta we have computed. </a:t>
+            </a:r>
+          </a:p>
+          <a:p>
+            <a:r>
+              <a:rPr lang="en-US" sz="2200" b="1" dirty="0"/>
+              <a:t>Result</a:t>
+            </a:r>
+          </a:p>
+          <a:p>
+            <a:pPr marL="457200" lvl="1" indent="0">
+              <a:buNone/>
+            </a:pPr>
+            <a:r>
+              <a:rPr lang="en-US" sz="1800" dirty="0"/>
+              <a:t>Resulting bottom up beta is 0,83 using market values (0,95 using book values) </a:t>
+            </a:r>
+          </a:p>
+          <a:p>
+            <a:pPr marL="457200" lvl="1" indent="0">
+              <a:buNone/>
+            </a:pPr>
+            <a:endParaRPr lang="en-US" sz="1800" dirty="0"/>
+          </a:p>
+          <a:p>
+            <a:pPr marL="457200" lvl="1" indent="0">
+              <a:buNone/>
+            </a:pPr>
+            <a:r>
+              <a:rPr lang="en-US" sz="1800" dirty="0"/>
+              <a:t>This only to say that given information disclosed from A2A it’s impossible to compute an unbiased fundamental levered beta. All strict assumptions were made in order to align it to previous result. </a:t>
+            </a:r>
+          </a:p>
+          <a:p>
+            <a:pPr marL="800100" lvl="1" indent="-342900">
+              <a:buFont typeface="+mj-lt"/>
+              <a:buAutoNum type="arabicPeriod"/>
+            </a:pPr>
+            <a:endParaRPr lang="it-IT" sz="1800" dirty="0"/>
           </a:p>
         </p:txBody>
       </p:sp>
@@ -7181,6 +7580,4533 @@
     <p:extLst>
       <p:ext uri="{BB962C8B-B14F-4D97-AF65-F5344CB8AC3E}">
         <p14:creationId xmlns:p14="http://schemas.microsoft.com/office/powerpoint/2010/main" val="1288851995"/>
+      </p:ext>
+    </p:extLst>
+  </p:cSld>
+  <p:clrMapOvr>
+    <a:masterClrMapping/>
+  </p:clrMapOvr>
+</p:sld>
+</file>
+
+<file path=ppt/slides/slide7.xml><?xml version="1.0" encoding="utf-8"?>
+<p:sld xmlns:a="http://schemas.openxmlformats.org/drawingml/2006/main" xmlns:r="http://schemas.openxmlformats.org/officeDocument/2006/relationships" xmlns:p="http://schemas.openxmlformats.org/presentationml/2006/main">
+  <p:cSld>
+    <p:spTree>
+      <p:nvGrpSpPr>
+        <p:cNvPr id="1" name=""/>
+        <p:cNvGrpSpPr/>
+        <p:nvPr/>
+      </p:nvGrpSpPr>
+      <p:grpSpPr>
+        <a:xfrm>
+          <a:off x="0" y="0"/>
+          <a:ext cx="0" cy="0"/>
+          <a:chOff x="0" y="0"/>
+          <a:chExt cx="0" cy="0"/>
+        </a:xfrm>
+      </p:grpSpPr>
+      <p:sp>
+        <p:nvSpPr>
+          <p:cNvPr id="2" name="Titolo 1">
+            <a:extLst>
+              <a:ext uri="{FF2B5EF4-FFF2-40B4-BE49-F238E27FC236}">
+                <a16:creationId xmlns:a16="http://schemas.microsoft.com/office/drawing/2014/main" id="{2E80777B-08FE-4A2D-9268-C28488F19A1C}"/>
+              </a:ext>
+            </a:extLst>
+          </p:cNvPr>
+          <p:cNvSpPr>
+            <a:spLocks noGrp="1"/>
+          </p:cNvSpPr>
+          <p:nvPr>
+            <p:ph type="title"/>
+          </p:nvPr>
+        </p:nvSpPr>
+        <p:spPr>
+          <a:xfrm>
+            <a:off x="838200" y="79900"/>
+            <a:ext cx="10515600" cy="381740"/>
+          </a:xfrm>
+        </p:spPr>
+        <p:txBody>
+          <a:bodyPr>
+            <a:noAutofit/>
+          </a:bodyPr>
+          <a:lstStyle/>
+          <a:p>
+            <a:r>
+              <a:rPr lang="it-IT" sz="2800" b="1" dirty="0">
+                <a:latin typeface="Calibri   "/>
+              </a:rPr>
+              <a:t>Cost of equity and cost of capital, </a:t>
+            </a:r>
+            <a:r>
+              <a:rPr lang="it-IT" sz="2800" b="1" dirty="0" err="1">
+                <a:latin typeface="Calibri   "/>
+              </a:rPr>
+              <a:t>analytical</a:t>
+            </a:r>
+            <a:r>
+              <a:rPr lang="it-IT" sz="2800" b="1" dirty="0">
+                <a:latin typeface="Calibri   "/>
+              </a:rPr>
+              <a:t> </a:t>
+            </a:r>
+            <a:r>
+              <a:rPr lang="it-IT" sz="2800" b="1" dirty="0" err="1">
+                <a:latin typeface="Calibri   "/>
+              </a:rPr>
+              <a:t>approach</a:t>
+            </a:r>
+            <a:r>
+              <a:rPr lang="it-IT" sz="2800" b="1" dirty="0">
+                <a:latin typeface="Calibri   "/>
+              </a:rPr>
+              <a:t> </a:t>
+            </a:r>
+            <a:r>
+              <a:rPr lang="it-IT" sz="2800" b="1" dirty="0" err="1">
+                <a:latin typeface="Calibri   "/>
+              </a:rPr>
+              <a:t>results</a:t>
+            </a:r>
+            <a:endParaRPr lang="it-IT" sz="2800" b="1" dirty="0">
+              <a:latin typeface="Calibri   "/>
+            </a:endParaRPr>
+          </a:p>
+        </p:txBody>
+      </p:sp>
+      <p:sp>
+        <p:nvSpPr>
+          <p:cNvPr id="3" name="Segnaposto contenuto 2">
+            <a:extLst>
+              <a:ext uri="{FF2B5EF4-FFF2-40B4-BE49-F238E27FC236}">
+                <a16:creationId xmlns:a16="http://schemas.microsoft.com/office/drawing/2014/main" id="{AEEFF6AD-D238-41D6-AFA8-4AFE1B603E8C}"/>
+              </a:ext>
+            </a:extLst>
+          </p:cNvPr>
+          <p:cNvSpPr>
+            <a:spLocks noGrp="1"/>
+          </p:cNvSpPr>
+          <p:nvPr>
+            <p:ph idx="1"/>
+          </p:nvPr>
+        </p:nvSpPr>
+        <p:spPr>
+          <a:xfrm>
+            <a:off x="838200" y="577050"/>
+            <a:ext cx="10515600" cy="6090080"/>
+          </a:xfrm>
+        </p:spPr>
+        <p:txBody>
+          <a:bodyPr/>
+          <a:lstStyle/>
+          <a:p>
+            <a:r>
+              <a:rPr lang="it-IT" b="1" dirty="0"/>
+              <a:t>(Net) Cost of </a:t>
+            </a:r>
+            <a:r>
+              <a:rPr lang="it-IT" b="1" dirty="0" err="1"/>
+              <a:t>debt</a:t>
+            </a:r>
+            <a:r>
+              <a:rPr lang="it-IT" b="1" dirty="0"/>
+              <a:t>: </a:t>
+            </a:r>
+          </a:p>
+          <a:p>
+            <a:pPr marL="914400" lvl="1" indent="-457200">
+              <a:buFont typeface="+mj-lt"/>
+              <a:buAutoNum type="arabicPeriod"/>
+            </a:pPr>
+            <a:r>
+              <a:rPr lang="it-IT" sz="2000" dirty="0"/>
+              <a:t>Using Risk Free Rate and a default spread (from </a:t>
+            </a:r>
+            <a:r>
+              <a:rPr lang="it-IT" sz="2000" dirty="0" err="1"/>
+              <a:t>Damodaran</a:t>
+            </a:r>
+            <a:r>
+              <a:rPr lang="it-IT" sz="2000" dirty="0"/>
+              <a:t> data set) </a:t>
+            </a:r>
+          </a:p>
+          <a:p>
+            <a:pPr marL="914400" lvl="1" indent="-457200">
+              <a:buFont typeface="+mj-lt"/>
+              <a:buAutoNum type="arabicPeriod"/>
+            </a:pPr>
+            <a:r>
+              <a:rPr lang="it-IT" sz="2000" dirty="0"/>
+              <a:t>Using A2A </a:t>
+            </a:r>
+            <a:r>
+              <a:rPr lang="it-IT" sz="2000" dirty="0" err="1"/>
+              <a:t>Debt</a:t>
+            </a:r>
+            <a:r>
+              <a:rPr lang="it-IT" sz="2000" dirty="0"/>
+              <a:t> </a:t>
+            </a:r>
+            <a:r>
+              <a:rPr lang="it-IT" sz="2000" dirty="0" err="1"/>
+              <a:t>composition</a:t>
+            </a:r>
+            <a:r>
+              <a:rPr lang="it-IT" sz="2000" dirty="0"/>
+              <a:t>, </a:t>
+            </a:r>
+            <a:r>
+              <a:rPr lang="it-IT" sz="2000" dirty="0" err="1"/>
+              <a:t>trying</a:t>
+            </a:r>
+            <a:r>
+              <a:rPr lang="it-IT" sz="2000" dirty="0"/>
+              <a:t> to </a:t>
+            </a:r>
+            <a:r>
+              <a:rPr lang="it-IT" sz="2000" dirty="0" err="1"/>
+              <a:t>obtain</a:t>
+            </a:r>
+            <a:r>
+              <a:rPr lang="it-IT" sz="2000" dirty="0"/>
+              <a:t> a </a:t>
+            </a:r>
+            <a:r>
+              <a:rPr lang="it-IT" sz="2000" dirty="0" err="1"/>
+              <a:t>proper</a:t>
+            </a:r>
+            <a:r>
+              <a:rPr lang="it-IT" sz="2000" dirty="0"/>
+              <a:t> </a:t>
+            </a:r>
+            <a:r>
+              <a:rPr lang="it-IT" sz="2000" dirty="0" err="1"/>
+              <a:t>weighted</a:t>
+            </a:r>
+            <a:r>
+              <a:rPr lang="it-IT" sz="2000" dirty="0"/>
+              <a:t> </a:t>
+            </a:r>
+            <a:r>
+              <a:rPr lang="it-IT" sz="2000" dirty="0" err="1"/>
+              <a:t>average</a:t>
+            </a:r>
+            <a:r>
+              <a:rPr lang="it-IT" sz="2000" dirty="0"/>
+              <a:t> cost of </a:t>
+            </a:r>
+            <a:r>
+              <a:rPr lang="it-IT" sz="2000" dirty="0" err="1"/>
+              <a:t>debt</a:t>
+            </a:r>
+            <a:r>
+              <a:rPr lang="it-IT" sz="2000" dirty="0"/>
+              <a:t>. </a:t>
+            </a:r>
+            <a:r>
+              <a:rPr lang="it-IT" sz="2000" dirty="0" err="1"/>
+              <a:t>This</a:t>
+            </a:r>
+            <a:r>
+              <a:rPr lang="it-IT" sz="2000" dirty="0"/>
+              <a:t> </a:t>
+            </a:r>
+            <a:r>
+              <a:rPr lang="it-IT" sz="2000" dirty="0" err="1"/>
+              <a:t>approach</a:t>
+            </a:r>
+            <a:r>
+              <a:rPr lang="it-IT" sz="2000" dirty="0"/>
+              <a:t> </a:t>
+            </a:r>
+            <a:r>
+              <a:rPr lang="it-IT" sz="2000" dirty="0" err="1"/>
+              <a:t>is</a:t>
+            </a:r>
+            <a:r>
+              <a:rPr lang="it-IT" sz="2000" dirty="0"/>
+              <a:t> </a:t>
+            </a:r>
+            <a:r>
+              <a:rPr lang="it-IT" sz="2000" dirty="0" err="1"/>
+              <a:t>most</a:t>
+            </a:r>
+            <a:r>
+              <a:rPr lang="it-IT" sz="2000" dirty="0"/>
+              <a:t> </a:t>
+            </a:r>
+            <a:r>
+              <a:rPr lang="it-IT" sz="2000" dirty="0" err="1"/>
+              <a:t>appreciated</a:t>
+            </a:r>
+            <a:r>
+              <a:rPr lang="it-IT" sz="2000" dirty="0"/>
+              <a:t> </a:t>
+            </a:r>
+            <a:r>
+              <a:rPr lang="it-IT" sz="2000" dirty="0" err="1"/>
+              <a:t>because</a:t>
+            </a:r>
+            <a:r>
+              <a:rPr lang="it-IT" sz="2000" dirty="0"/>
+              <a:t> </a:t>
+            </a:r>
+            <a:r>
+              <a:rPr lang="it-IT" sz="2000" dirty="0" err="1"/>
+              <a:t>allows</a:t>
+            </a:r>
+            <a:r>
+              <a:rPr lang="it-IT" sz="2000" dirty="0"/>
+              <a:t> </a:t>
+            </a:r>
+            <a:r>
+              <a:rPr lang="it-IT" sz="2000" dirty="0" err="1"/>
+              <a:t>us</a:t>
+            </a:r>
+            <a:r>
+              <a:rPr lang="it-IT" sz="2000" dirty="0"/>
+              <a:t> to </a:t>
+            </a:r>
+            <a:r>
+              <a:rPr lang="it-IT" sz="2000" dirty="0" err="1"/>
+              <a:t>align</a:t>
+            </a:r>
+            <a:r>
+              <a:rPr lang="it-IT" sz="2000" dirty="0"/>
+              <a:t> </a:t>
+            </a:r>
+            <a:r>
+              <a:rPr lang="it-IT" sz="2000" dirty="0" err="1"/>
+              <a:t>our</a:t>
+            </a:r>
+            <a:r>
+              <a:rPr lang="it-IT" sz="2000" dirty="0"/>
+              <a:t> </a:t>
+            </a:r>
+            <a:r>
+              <a:rPr lang="it-IT" sz="2000" dirty="0" err="1"/>
+              <a:t>result</a:t>
+            </a:r>
+            <a:r>
+              <a:rPr lang="it-IT" sz="2000" dirty="0"/>
+              <a:t> to </a:t>
+            </a:r>
+            <a:r>
+              <a:rPr lang="it-IT" sz="2000" dirty="0" err="1"/>
+              <a:t>purpose</a:t>
+            </a:r>
+            <a:r>
+              <a:rPr lang="it-IT" sz="2000" dirty="0"/>
+              <a:t> of cost </a:t>
+            </a:r>
+            <a:r>
+              <a:rPr lang="it-IT" sz="2000" dirty="0" err="1"/>
+              <a:t>reduction</a:t>
+            </a:r>
+            <a:r>
+              <a:rPr lang="it-IT" sz="2000" dirty="0"/>
+              <a:t> . </a:t>
+            </a:r>
+          </a:p>
+          <a:p>
+            <a:pPr marL="914400" lvl="1" indent="-457200">
+              <a:buFont typeface="+mj-lt"/>
+              <a:buAutoNum type="arabicPeriod"/>
+            </a:pPr>
+            <a:r>
+              <a:rPr lang="it-IT" sz="2000" dirty="0"/>
+              <a:t>Net cost of </a:t>
+            </a:r>
+            <a:r>
+              <a:rPr lang="it-IT" sz="2000" dirty="0" err="1"/>
+              <a:t>debt</a:t>
+            </a:r>
+            <a:r>
+              <a:rPr lang="it-IT" sz="2000" dirty="0"/>
+              <a:t>: </a:t>
+            </a:r>
+            <a:r>
+              <a:rPr lang="it-IT" sz="2000" dirty="0" err="1"/>
+              <a:t>we</a:t>
+            </a:r>
+            <a:r>
+              <a:rPr lang="it-IT" sz="2000" dirty="0"/>
+              <a:t> </a:t>
+            </a:r>
+            <a:r>
+              <a:rPr lang="it-IT" sz="2000" dirty="0" err="1"/>
+              <a:t>have</a:t>
+            </a:r>
+            <a:r>
+              <a:rPr lang="it-IT" sz="2000" dirty="0"/>
+              <a:t> </a:t>
+            </a:r>
+            <a:r>
+              <a:rPr lang="it-IT" sz="2000" dirty="0" err="1"/>
+              <a:t>used</a:t>
+            </a:r>
+            <a:r>
+              <a:rPr lang="it-IT" sz="2000" dirty="0"/>
+              <a:t> a </a:t>
+            </a:r>
+            <a:r>
+              <a:rPr lang="it-IT" sz="2000" dirty="0" err="1"/>
+              <a:t>marginal</a:t>
+            </a:r>
+            <a:r>
+              <a:rPr lang="it-IT" sz="2000" dirty="0"/>
+              <a:t> tax rate of 27,9%. </a:t>
+            </a:r>
+          </a:p>
+          <a:p>
+            <a:pPr marL="914400" lvl="1" indent="-457200">
+              <a:buFont typeface="+mj-lt"/>
+              <a:buAutoNum type="arabicPeriod"/>
+            </a:pPr>
+            <a:endParaRPr lang="it-IT" dirty="0"/>
+          </a:p>
+          <a:p>
+            <a:pPr marL="914400" lvl="1" indent="-457200">
+              <a:buFont typeface="+mj-lt"/>
+              <a:buAutoNum type="arabicPeriod"/>
+            </a:pPr>
+            <a:endParaRPr lang="it-IT" dirty="0"/>
+          </a:p>
+          <a:p>
+            <a:pPr marL="914400" lvl="1" indent="-457200">
+              <a:buFont typeface="+mj-lt"/>
+              <a:buAutoNum type="arabicPeriod"/>
+            </a:pPr>
+            <a:endParaRPr lang="it-IT" dirty="0"/>
+          </a:p>
+          <a:p>
+            <a:pPr marL="914400" lvl="1" indent="-457200">
+              <a:buFont typeface="+mj-lt"/>
+              <a:buAutoNum type="arabicPeriod"/>
+            </a:pPr>
+            <a:endParaRPr lang="it-IT" dirty="0"/>
+          </a:p>
+          <a:p>
+            <a:pPr marL="914400" lvl="1" indent="-457200">
+              <a:buFont typeface="+mj-lt"/>
+              <a:buAutoNum type="arabicPeriod"/>
+            </a:pPr>
+            <a:endParaRPr lang="it-IT" dirty="0"/>
+          </a:p>
+          <a:p>
+            <a:pPr marL="914400" lvl="1" indent="-457200">
+              <a:buFont typeface="+mj-lt"/>
+              <a:buAutoNum type="arabicPeriod"/>
+            </a:pPr>
+            <a:r>
+              <a:rPr lang="it-IT" sz="2000" dirty="0"/>
+              <a:t>For </a:t>
+            </a:r>
+            <a:r>
+              <a:rPr lang="it-IT" sz="2000" dirty="0" err="1"/>
+              <a:t>what</a:t>
+            </a:r>
+            <a:r>
+              <a:rPr lang="it-IT" sz="2000" dirty="0"/>
+              <a:t> </a:t>
+            </a:r>
+            <a:r>
+              <a:rPr lang="it-IT" sz="2000" dirty="0" err="1"/>
+              <a:t>about</a:t>
+            </a:r>
+            <a:r>
+              <a:rPr lang="it-IT" sz="2000" dirty="0"/>
+              <a:t> equity to capital and </a:t>
+            </a:r>
+            <a:r>
+              <a:rPr lang="it-IT" sz="2000" dirty="0" err="1"/>
+              <a:t>debt</a:t>
+            </a:r>
+            <a:r>
+              <a:rPr lang="it-IT" sz="2000" dirty="0"/>
+              <a:t> to capital </a:t>
+            </a:r>
+            <a:r>
+              <a:rPr lang="it-IT" sz="2000" dirty="0" err="1"/>
+              <a:t>ratios</a:t>
+            </a:r>
+            <a:r>
+              <a:rPr lang="it-IT" sz="2000" dirty="0"/>
+              <a:t> </a:t>
+            </a:r>
+            <a:r>
+              <a:rPr lang="it-IT" sz="2000" dirty="0" err="1"/>
+              <a:t>we</a:t>
+            </a:r>
+            <a:r>
+              <a:rPr lang="it-IT" sz="2000" dirty="0"/>
+              <a:t> </a:t>
+            </a:r>
+            <a:r>
+              <a:rPr lang="it-IT" sz="2000" dirty="0" err="1"/>
+              <a:t>have</a:t>
+            </a:r>
+            <a:r>
+              <a:rPr lang="it-IT" sz="2000" dirty="0"/>
+              <a:t> </a:t>
+            </a:r>
+            <a:r>
+              <a:rPr lang="it-IT" sz="2000" dirty="0" err="1"/>
+              <a:t>computed</a:t>
+            </a:r>
+            <a:r>
+              <a:rPr lang="it-IT" sz="2000" dirty="0"/>
+              <a:t> </a:t>
+            </a:r>
+            <a:r>
+              <a:rPr lang="it-IT" sz="2000" dirty="0" err="1"/>
+              <a:t>both</a:t>
+            </a:r>
+            <a:r>
+              <a:rPr lang="it-IT" sz="2000" dirty="0"/>
+              <a:t> </a:t>
+            </a:r>
+            <a:r>
+              <a:rPr lang="it-IT" sz="2000" dirty="0" err="1"/>
+              <a:t>types</a:t>
+            </a:r>
+            <a:r>
+              <a:rPr lang="it-IT" sz="2000" dirty="0"/>
+              <a:t>: book-</a:t>
+            </a:r>
+            <a:r>
+              <a:rPr lang="it-IT" sz="2000" dirty="0" err="1"/>
+              <a:t>value</a:t>
+            </a:r>
+            <a:r>
+              <a:rPr lang="it-IT" sz="2000" dirty="0"/>
+              <a:t> and market-</a:t>
+            </a:r>
+            <a:r>
+              <a:rPr lang="it-IT" sz="2000" dirty="0" err="1"/>
+              <a:t>value</a:t>
+            </a:r>
+            <a:r>
+              <a:rPr lang="it-IT" sz="2000" dirty="0"/>
+              <a:t> </a:t>
+            </a:r>
+            <a:r>
+              <a:rPr lang="it-IT" sz="2000" dirty="0" err="1"/>
+              <a:t>ratios</a:t>
+            </a:r>
+            <a:r>
+              <a:rPr lang="it-IT" sz="2000" dirty="0"/>
+              <a:t>. </a:t>
+            </a:r>
+          </a:p>
+        </p:txBody>
+      </p:sp>
+      <p:graphicFrame>
+        <p:nvGraphicFramePr>
+          <p:cNvPr id="4" name="Tabella 3">
+            <a:extLst>
+              <a:ext uri="{FF2B5EF4-FFF2-40B4-BE49-F238E27FC236}">
+                <a16:creationId xmlns:a16="http://schemas.microsoft.com/office/drawing/2014/main" id="{94DFB537-293A-4478-9E97-644EE672AD1C}"/>
+              </a:ext>
+            </a:extLst>
+          </p:cNvPr>
+          <p:cNvGraphicFramePr>
+            <a:graphicFrameLocks noGrp="1"/>
+          </p:cNvGraphicFramePr>
+          <p:nvPr>
+            <p:extLst>
+              <p:ext uri="{D42A27DB-BD31-4B8C-83A1-F6EECF244321}">
+                <p14:modId xmlns:p14="http://schemas.microsoft.com/office/powerpoint/2010/main" val="1279383148"/>
+              </p:ext>
+            </p:extLst>
+          </p:nvPr>
+        </p:nvGraphicFramePr>
+        <p:xfrm>
+          <a:off x="1821587" y="5290796"/>
+          <a:ext cx="4368800" cy="1127760"/>
+        </p:xfrm>
+        <a:graphic>
+          <a:graphicData uri="http://schemas.openxmlformats.org/drawingml/2006/table">
+            <a:tbl>
+              <a:tblPr/>
+              <a:tblGrid>
+                <a:gridCol w="1485900">
+                  <a:extLst>
+                    <a:ext uri="{9D8B030D-6E8A-4147-A177-3AD203B41FA5}">
+                      <a16:colId xmlns:a16="http://schemas.microsoft.com/office/drawing/2014/main" val="1881939761"/>
+                    </a:ext>
+                  </a:extLst>
+                </a:gridCol>
+                <a:gridCol w="1473200">
+                  <a:extLst>
+                    <a:ext uri="{9D8B030D-6E8A-4147-A177-3AD203B41FA5}">
+                      <a16:colId xmlns:a16="http://schemas.microsoft.com/office/drawing/2014/main" val="708525585"/>
+                    </a:ext>
+                  </a:extLst>
+                </a:gridCol>
+                <a:gridCol w="1409700">
+                  <a:extLst>
+                    <a:ext uri="{9D8B030D-6E8A-4147-A177-3AD203B41FA5}">
+                      <a16:colId xmlns:a16="http://schemas.microsoft.com/office/drawing/2014/main" val="1938125270"/>
+                    </a:ext>
+                  </a:extLst>
+                </a:gridCol>
+              </a:tblGrid>
+              <a:tr h="190500">
+                <a:tc>
+                  <a:txBody>
+                    <a:bodyPr/>
+                    <a:lstStyle/>
+                    <a:p>
+                      <a:pPr algn="l" fontAlgn="b"/>
+                      <a:r>
+                        <a:rPr lang="it-IT" sz="1100" b="0" i="0" u="none" strike="noStrike">
+                          <a:solidFill>
+                            <a:srgbClr val="FFFFFF"/>
+                          </a:solidFill>
+                          <a:effectLst/>
+                          <a:latin typeface="Calibri" panose="020F0502020204030204" pitchFamily="34" charset="0"/>
+                        </a:rPr>
+                        <a:t>Capital ratios </a:t>
+                      </a:r>
+                    </a:p>
+                  </a:txBody>
+                  <a:tcPr marL="7620" marR="7620" marT="7620" marB="0" anchor="b">
+                    <a:lnL w="12700" cap="flat" cmpd="sng" algn="ctr">
+                      <a:solidFill>
+                        <a:srgbClr val="000000"/>
+                      </a:solidFill>
+                      <a:prstDash val="solid"/>
+                      <a:round/>
+                      <a:headEnd type="none" w="med" len="med"/>
+                      <a:tailEnd type="none" w="med" len="med"/>
+                    </a:lnL>
+                    <a:lnR w="12700" cap="flat" cmpd="sng" algn="ctr">
+                      <a:solidFill>
+                        <a:srgbClr val="000000"/>
+                      </a:solidFill>
+                      <a:prstDash val="solid"/>
+                      <a:round/>
+                      <a:headEnd type="none" w="med" len="med"/>
+                      <a:tailEnd type="none" w="med" len="med"/>
+                    </a:lnR>
+                    <a:lnT w="12700" cap="flat" cmpd="sng" algn="ctr">
+                      <a:solidFill>
+                        <a:srgbClr val="000000"/>
+                      </a:solidFill>
+                      <a:prstDash val="solid"/>
+                      <a:round/>
+                      <a:headEnd type="none" w="med" len="med"/>
+                      <a:tailEnd type="none" w="med" len="med"/>
+                    </a:lnT>
+                    <a:lnB w="12700" cap="flat" cmpd="sng" algn="ctr">
+                      <a:solidFill>
+                        <a:srgbClr val="000000"/>
+                      </a:solidFill>
+                      <a:prstDash val="solid"/>
+                      <a:round/>
+                      <a:headEnd type="none" w="med" len="med"/>
+                      <a:tailEnd type="none" w="med" len="med"/>
+                    </a:lnB>
+                    <a:solidFill>
+                      <a:srgbClr val="5B9BD5"/>
+                    </a:solidFill>
+                  </a:tcPr>
+                </a:tc>
+                <a:tc>
+                  <a:txBody>
+                    <a:bodyPr/>
+                    <a:lstStyle/>
+                    <a:p>
+                      <a:pPr algn="l" fontAlgn="b"/>
+                      <a:r>
+                        <a:rPr lang="it-IT" sz="1100" b="0" i="0" u="none" strike="noStrike">
+                          <a:solidFill>
+                            <a:srgbClr val="FFFFFF"/>
+                          </a:solidFill>
+                          <a:effectLst/>
+                          <a:latin typeface="Calibri" panose="020F0502020204030204" pitchFamily="34" charset="0"/>
+                        </a:rPr>
+                        <a:t>At 31/12/19</a:t>
+                      </a:r>
+                    </a:p>
+                  </a:txBody>
+                  <a:tcPr marL="7620" marR="7620" marT="7620" marB="0" anchor="b">
+                    <a:lnL w="12700" cap="flat" cmpd="sng" algn="ctr">
+                      <a:solidFill>
+                        <a:srgbClr val="000000"/>
+                      </a:solidFill>
+                      <a:prstDash val="solid"/>
+                      <a:round/>
+                      <a:headEnd type="none" w="med" len="med"/>
+                      <a:tailEnd type="none" w="med" len="med"/>
+                    </a:lnL>
+                    <a:lnR w="12700" cap="flat" cmpd="sng" algn="ctr">
+                      <a:solidFill>
+                        <a:srgbClr val="000000"/>
+                      </a:solidFill>
+                      <a:prstDash val="solid"/>
+                      <a:round/>
+                      <a:headEnd type="none" w="med" len="med"/>
+                      <a:tailEnd type="none" w="med" len="med"/>
+                    </a:lnR>
+                    <a:lnT w="12700" cap="flat" cmpd="sng" algn="ctr">
+                      <a:solidFill>
+                        <a:srgbClr val="000000"/>
+                      </a:solidFill>
+                      <a:prstDash val="solid"/>
+                      <a:round/>
+                      <a:headEnd type="none" w="med" len="med"/>
+                      <a:tailEnd type="none" w="med" len="med"/>
+                    </a:lnT>
+                    <a:lnB w="12700" cap="flat" cmpd="sng" algn="ctr">
+                      <a:solidFill>
+                        <a:srgbClr val="000000"/>
+                      </a:solidFill>
+                      <a:prstDash val="solid"/>
+                      <a:round/>
+                      <a:headEnd type="none" w="med" len="med"/>
+                      <a:tailEnd type="none" w="med" len="med"/>
+                    </a:lnB>
+                    <a:solidFill>
+                      <a:srgbClr val="5B9BD5"/>
+                    </a:solidFill>
+                  </a:tcPr>
+                </a:tc>
+                <a:tc>
+                  <a:txBody>
+                    <a:bodyPr/>
+                    <a:lstStyle/>
+                    <a:p>
+                      <a:pPr algn="l" fontAlgn="b"/>
+                      <a:r>
+                        <a:rPr lang="it-IT" sz="1100" b="0" i="0" u="none" strike="noStrike">
+                          <a:solidFill>
+                            <a:srgbClr val="FFFFFF"/>
+                          </a:solidFill>
+                          <a:effectLst/>
+                          <a:latin typeface="Calibri" panose="020F0502020204030204" pitchFamily="34" charset="0"/>
+                        </a:rPr>
+                        <a:t>Current value (At 01/04) </a:t>
+                      </a:r>
+                    </a:p>
+                  </a:txBody>
+                  <a:tcPr marL="7620" marR="7620" marT="7620" marB="0" anchor="b">
+                    <a:lnL w="12700" cap="flat" cmpd="sng" algn="ctr">
+                      <a:solidFill>
+                        <a:srgbClr val="000000"/>
+                      </a:solidFill>
+                      <a:prstDash val="solid"/>
+                      <a:round/>
+                      <a:headEnd type="none" w="med" len="med"/>
+                      <a:tailEnd type="none" w="med" len="med"/>
+                    </a:lnL>
+                    <a:lnR w="12700" cap="flat" cmpd="sng" algn="ctr">
+                      <a:solidFill>
+                        <a:srgbClr val="000000"/>
+                      </a:solidFill>
+                      <a:prstDash val="solid"/>
+                      <a:round/>
+                      <a:headEnd type="none" w="med" len="med"/>
+                      <a:tailEnd type="none" w="med" len="med"/>
+                    </a:lnR>
+                    <a:lnT w="12700" cap="flat" cmpd="sng" algn="ctr">
+                      <a:solidFill>
+                        <a:srgbClr val="000000"/>
+                      </a:solidFill>
+                      <a:prstDash val="solid"/>
+                      <a:round/>
+                      <a:headEnd type="none" w="med" len="med"/>
+                      <a:tailEnd type="none" w="med" len="med"/>
+                    </a:lnT>
+                    <a:lnB w="12700" cap="flat" cmpd="sng" algn="ctr">
+                      <a:solidFill>
+                        <a:srgbClr val="000000"/>
+                      </a:solidFill>
+                      <a:prstDash val="solid"/>
+                      <a:round/>
+                      <a:headEnd type="none" w="med" len="med"/>
+                      <a:tailEnd type="none" w="med" len="med"/>
+                    </a:lnB>
+                    <a:solidFill>
+                      <a:srgbClr val="5B9BD5"/>
+                    </a:solidFill>
+                  </a:tcPr>
+                </a:tc>
+                <a:extLst>
+                  <a:ext uri="{0D108BD9-81ED-4DB2-BD59-A6C34878D82A}">
+                    <a16:rowId xmlns:a16="http://schemas.microsoft.com/office/drawing/2014/main" val="4212803849"/>
+                  </a:ext>
+                </a:extLst>
+              </a:tr>
+              <a:tr h="182880">
+                <a:tc>
+                  <a:txBody>
+                    <a:bodyPr/>
+                    <a:lstStyle/>
+                    <a:p>
+                      <a:pPr algn="l" fontAlgn="b"/>
+                      <a:r>
+                        <a:rPr lang="it-IT" sz="1100" b="1" i="0" u="none" strike="noStrike">
+                          <a:solidFill>
+                            <a:srgbClr val="000000"/>
+                          </a:solidFill>
+                          <a:effectLst/>
+                          <a:latin typeface="Calibri" panose="020F0502020204030204" pitchFamily="34" charset="0"/>
+                        </a:rPr>
+                        <a:t>Equity to capital (bv) </a:t>
+                      </a:r>
+                    </a:p>
+                  </a:txBody>
+                  <a:tcPr marL="7620" marR="7620" marT="7620" marB="0" anchor="b">
+                    <a:lnL w="12700" cap="flat" cmpd="sng" algn="ctr">
+                      <a:solidFill>
+                        <a:srgbClr val="000000"/>
+                      </a:solidFill>
+                      <a:prstDash val="solid"/>
+                      <a:round/>
+                      <a:headEnd type="none" w="med" len="med"/>
+                      <a:tailEnd type="none" w="med" len="med"/>
+                    </a:lnL>
+                    <a:lnR w="6350" cap="flat" cmpd="sng" algn="ctr">
+                      <a:solidFill>
+                        <a:srgbClr val="000000"/>
+                      </a:solidFill>
+                      <a:prstDash val="solid"/>
+                      <a:round/>
+                      <a:headEnd type="none" w="med" len="med"/>
+                      <a:tailEnd type="none" w="med" len="med"/>
+                    </a:lnR>
+                    <a:lnT w="12700" cap="flat" cmpd="sng" algn="ctr">
+                      <a:solidFill>
+                        <a:srgbClr val="000000"/>
+                      </a:solidFill>
+                      <a:prstDash val="solid"/>
+                      <a:round/>
+                      <a:headEnd type="none" w="med" len="med"/>
+                      <a:tailEnd type="none" w="med" len="med"/>
+                    </a:lnT>
+                    <a:lnB w="6350" cap="flat" cmpd="sng" algn="ctr">
+                      <a:solidFill>
+                        <a:srgbClr val="000000"/>
+                      </a:solidFill>
+                      <a:prstDash val="solid"/>
+                      <a:round/>
+                      <a:headEnd type="none" w="med" len="med"/>
+                      <a:tailEnd type="none" w="med" len="med"/>
+                    </a:lnB>
+                    <a:solidFill>
+                      <a:srgbClr val="FFFFFF"/>
+                    </a:solidFill>
+                  </a:tcPr>
+                </a:tc>
+                <a:tc>
+                  <a:txBody>
+                    <a:bodyPr/>
+                    <a:lstStyle/>
+                    <a:p>
+                      <a:pPr algn="r" fontAlgn="b"/>
+                      <a:r>
+                        <a:rPr lang="it-IT" sz="1100" b="1" i="0" u="none" strike="noStrike">
+                          <a:solidFill>
+                            <a:srgbClr val="000000"/>
+                          </a:solidFill>
+                          <a:effectLst/>
+                          <a:latin typeface="Calibri" panose="020F0502020204030204" pitchFamily="34" charset="0"/>
+                        </a:rPr>
+                        <a:t>0,502754062</a:t>
+                      </a:r>
+                    </a:p>
+                  </a:txBody>
+                  <a:tcPr marL="7620" marR="7620" marT="7620" marB="0" anchor="b">
+                    <a:lnL w="6350" cap="flat" cmpd="sng" algn="ctr">
+                      <a:solidFill>
+                        <a:srgbClr val="000000"/>
+                      </a:solidFill>
+                      <a:prstDash val="solid"/>
+                      <a:round/>
+                      <a:headEnd type="none" w="med" len="med"/>
+                      <a:tailEnd type="none" w="med" len="med"/>
+                    </a:lnL>
+                    <a:lnR w="6350" cap="flat" cmpd="sng" algn="ctr">
+                      <a:solidFill>
+                        <a:srgbClr val="000000"/>
+                      </a:solidFill>
+                      <a:prstDash val="solid"/>
+                      <a:round/>
+                      <a:headEnd type="none" w="med" len="med"/>
+                      <a:tailEnd type="none" w="med" len="med"/>
+                    </a:lnR>
+                    <a:lnT w="12700" cap="flat" cmpd="sng" algn="ctr">
+                      <a:solidFill>
+                        <a:srgbClr val="000000"/>
+                      </a:solidFill>
+                      <a:prstDash val="solid"/>
+                      <a:round/>
+                      <a:headEnd type="none" w="med" len="med"/>
+                      <a:tailEnd type="none" w="med" len="med"/>
+                    </a:lnT>
+                    <a:lnB w="6350" cap="flat" cmpd="sng" algn="ctr">
+                      <a:solidFill>
+                        <a:srgbClr val="000000"/>
+                      </a:solidFill>
+                      <a:prstDash val="solid"/>
+                      <a:round/>
+                      <a:headEnd type="none" w="med" len="med"/>
+                      <a:tailEnd type="none" w="med" len="med"/>
+                    </a:lnB>
+                    <a:solidFill>
+                      <a:srgbClr val="FFFFFF"/>
+                    </a:solidFill>
+                  </a:tcPr>
+                </a:tc>
+                <a:tc>
+                  <a:txBody>
+                    <a:bodyPr/>
+                    <a:lstStyle/>
+                    <a:p>
+                      <a:pPr algn="r" fontAlgn="b"/>
+                      <a:r>
+                        <a:rPr lang="it-IT" sz="1100" b="1" i="0" u="none" strike="noStrike">
+                          <a:solidFill>
+                            <a:srgbClr val="000000"/>
+                          </a:solidFill>
+                          <a:effectLst/>
+                          <a:latin typeface="Calibri" panose="020F0502020204030204" pitchFamily="34" charset="0"/>
+                        </a:rPr>
+                        <a:t>0,509174935</a:t>
+                      </a:r>
+                    </a:p>
+                  </a:txBody>
+                  <a:tcPr marL="7620" marR="7620" marT="7620" marB="0" anchor="b">
+                    <a:lnL w="6350" cap="flat" cmpd="sng" algn="ctr">
+                      <a:solidFill>
+                        <a:srgbClr val="000000"/>
+                      </a:solidFill>
+                      <a:prstDash val="solid"/>
+                      <a:round/>
+                      <a:headEnd type="none" w="med" len="med"/>
+                      <a:tailEnd type="none" w="med" len="med"/>
+                    </a:lnL>
+                    <a:lnR w="12700" cap="flat" cmpd="sng" algn="ctr">
+                      <a:solidFill>
+                        <a:srgbClr val="000000"/>
+                      </a:solidFill>
+                      <a:prstDash val="solid"/>
+                      <a:round/>
+                      <a:headEnd type="none" w="med" len="med"/>
+                      <a:tailEnd type="none" w="med" len="med"/>
+                    </a:lnR>
+                    <a:lnT w="12700" cap="flat" cmpd="sng" algn="ctr">
+                      <a:solidFill>
+                        <a:srgbClr val="000000"/>
+                      </a:solidFill>
+                      <a:prstDash val="solid"/>
+                      <a:round/>
+                      <a:headEnd type="none" w="med" len="med"/>
+                      <a:tailEnd type="none" w="med" len="med"/>
+                    </a:lnT>
+                    <a:lnB w="6350" cap="flat" cmpd="sng" algn="ctr">
+                      <a:solidFill>
+                        <a:srgbClr val="000000"/>
+                      </a:solidFill>
+                      <a:prstDash val="solid"/>
+                      <a:round/>
+                      <a:headEnd type="none" w="med" len="med"/>
+                      <a:tailEnd type="none" w="med" len="med"/>
+                    </a:lnB>
+                    <a:solidFill>
+                      <a:srgbClr val="FFFFFF"/>
+                    </a:solidFill>
+                  </a:tcPr>
+                </a:tc>
+                <a:extLst>
+                  <a:ext uri="{0D108BD9-81ED-4DB2-BD59-A6C34878D82A}">
+                    <a16:rowId xmlns:a16="http://schemas.microsoft.com/office/drawing/2014/main" val="388319980"/>
+                  </a:ext>
+                </a:extLst>
+              </a:tr>
+              <a:tr h="190500">
+                <a:tc>
+                  <a:txBody>
+                    <a:bodyPr/>
+                    <a:lstStyle/>
+                    <a:p>
+                      <a:pPr algn="l" fontAlgn="b"/>
+                      <a:r>
+                        <a:rPr lang="it-IT" sz="1100" b="1" i="0" u="none" strike="noStrike">
+                          <a:solidFill>
+                            <a:srgbClr val="000000"/>
+                          </a:solidFill>
+                          <a:effectLst/>
+                          <a:latin typeface="Calibri" panose="020F0502020204030204" pitchFamily="34" charset="0"/>
+                        </a:rPr>
+                        <a:t>Debt to capital (bv)</a:t>
+                      </a:r>
+                    </a:p>
+                  </a:txBody>
+                  <a:tcPr marL="7620" marR="7620" marT="7620" marB="0" anchor="b">
+                    <a:lnL w="12700" cap="flat" cmpd="sng" algn="ctr">
+                      <a:solidFill>
+                        <a:srgbClr val="000000"/>
+                      </a:solidFill>
+                      <a:prstDash val="solid"/>
+                      <a:round/>
+                      <a:headEnd type="none" w="med" len="med"/>
+                      <a:tailEnd type="none" w="med" len="med"/>
+                    </a:lnL>
+                    <a:lnR w="6350" cap="flat" cmpd="sng" algn="ctr">
+                      <a:solidFill>
+                        <a:srgbClr val="000000"/>
+                      </a:solidFill>
+                      <a:prstDash val="solid"/>
+                      <a:round/>
+                      <a:headEnd type="none" w="med" len="med"/>
+                      <a:tailEnd type="none" w="med" len="med"/>
+                    </a:lnR>
+                    <a:lnT w="6350" cap="flat" cmpd="sng" algn="ctr">
+                      <a:solidFill>
+                        <a:srgbClr val="000000"/>
+                      </a:solidFill>
+                      <a:prstDash val="solid"/>
+                      <a:round/>
+                      <a:headEnd type="none" w="med" len="med"/>
+                      <a:tailEnd type="none" w="med" len="med"/>
+                    </a:lnT>
+                    <a:lnB w="6350" cap="flat" cmpd="sng" algn="ctr">
+                      <a:solidFill>
+                        <a:srgbClr val="000000"/>
+                      </a:solidFill>
+                      <a:prstDash val="solid"/>
+                      <a:round/>
+                      <a:headEnd type="none" w="med" len="med"/>
+                      <a:tailEnd type="none" w="med" len="med"/>
+                    </a:lnB>
+                    <a:solidFill>
+                      <a:srgbClr val="FFFFFF"/>
+                    </a:solidFill>
+                  </a:tcPr>
+                </a:tc>
+                <a:tc>
+                  <a:txBody>
+                    <a:bodyPr/>
+                    <a:lstStyle/>
+                    <a:p>
+                      <a:pPr algn="r" fontAlgn="b"/>
+                      <a:r>
+                        <a:rPr lang="it-IT" sz="1100" b="1" i="0" u="none" strike="noStrike">
+                          <a:solidFill>
+                            <a:srgbClr val="000000"/>
+                          </a:solidFill>
+                          <a:effectLst/>
+                          <a:latin typeface="Calibri" panose="020F0502020204030204" pitchFamily="34" charset="0"/>
+                        </a:rPr>
+                        <a:t>0,497245938</a:t>
+                      </a:r>
+                    </a:p>
+                  </a:txBody>
+                  <a:tcPr marL="7620" marR="7620" marT="7620" marB="0" anchor="b">
+                    <a:lnL w="6350" cap="flat" cmpd="sng" algn="ctr">
+                      <a:solidFill>
+                        <a:srgbClr val="000000"/>
+                      </a:solidFill>
+                      <a:prstDash val="solid"/>
+                      <a:round/>
+                      <a:headEnd type="none" w="med" len="med"/>
+                      <a:tailEnd type="none" w="med" len="med"/>
+                    </a:lnL>
+                    <a:lnR w="6350" cap="flat" cmpd="sng" algn="ctr">
+                      <a:solidFill>
+                        <a:srgbClr val="000000"/>
+                      </a:solidFill>
+                      <a:prstDash val="solid"/>
+                      <a:round/>
+                      <a:headEnd type="none" w="med" len="med"/>
+                      <a:tailEnd type="none" w="med" len="med"/>
+                    </a:lnR>
+                    <a:lnT w="6350" cap="flat" cmpd="sng" algn="ctr">
+                      <a:solidFill>
+                        <a:srgbClr val="000000"/>
+                      </a:solidFill>
+                      <a:prstDash val="solid"/>
+                      <a:round/>
+                      <a:headEnd type="none" w="med" len="med"/>
+                      <a:tailEnd type="none" w="med" len="med"/>
+                    </a:lnT>
+                    <a:lnB w="6350" cap="flat" cmpd="sng" algn="ctr">
+                      <a:solidFill>
+                        <a:srgbClr val="000000"/>
+                      </a:solidFill>
+                      <a:prstDash val="solid"/>
+                      <a:round/>
+                      <a:headEnd type="none" w="med" len="med"/>
+                      <a:tailEnd type="none" w="med" len="med"/>
+                    </a:lnB>
+                    <a:solidFill>
+                      <a:srgbClr val="FFFFFF"/>
+                    </a:solidFill>
+                  </a:tcPr>
+                </a:tc>
+                <a:tc>
+                  <a:txBody>
+                    <a:bodyPr/>
+                    <a:lstStyle/>
+                    <a:p>
+                      <a:pPr algn="r" fontAlgn="b"/>
+                      <a:r>
+                        <a:rPr lang="it-IT" sz="1100" b="1" i="0" u="none" strike="noStrike">
+                          <a:solidFill>
+                            <a:srgbClr val="000000"/>
+                          </a:solidFill>
+                          <a:effectLst/>
+                          <a:latin typeface="Calibri" panose="020F0502020204030204" pitchFamily="34" charset="0"/>
+                        </a:rPr>
+                        <a:t>0,490825065</a:t>
+                      </a:r>
+                    </a:p>
+                  </a:txBody>
+                  <a:tcPr marL="7620" marR="7620" marT="7620" marB="0" anchor="b">
+                    <a:lnL w="6350" cap="flat" cmpd="sng" algn="ctr">
+                      <a:solidFill>
+                        <a:srgbClr val="000000"/>
+                      </a:solidFill>
+                      <a:prstDash val="solid"/>
+                      <a:round/>
+                      <a:headEnd type="none" w="med" len="med"/>
+                      <a:tailEnd type="none" w="med" len="med"/>
+                    </a:lnL>
+                    <a:lnR w="12700" cap="flat" cmpd="sng" algn="ctr">
+                      <a:solidFill>
+                        <a:srgbClr val="000000"/>
+                      </a:solidFill>
+                      <a:prstDash val="solid"/>
+                      <a:round/>
+                      <a:headEnd type="none" w="med" len="med"/>
+                      <a:tailEnd type="none" w="med" len="med"/>
+                    </a:lnR>
+                    <a:lnT w="6350" cap="flat" cmpd="sng" algn="ctr">
+                      <a:solidFill>
+                        <a:srgbClr val="000000"/>
+                      </a:solidFill>
+                      <a:prstDash val="solid"/>
+                      <a:round/>
+                      <a:headEnd type="none" w="med" len="med"/>
+                      <a:tailEnd type="none" w="med" len="med"/>
+                    </a:lnT>
+                    <a:lnB w="6350" cap="flat" cmpd="sng" algn="ctr">
+                      <a:solidFill>
+                        <a:srgbClr val="000000"/>
+                      </a:solidFill>
+                      <a:prstDash val="solid"/>
+                      <a:round/>
+                      <a:headEnd type="none" w="med" len="med"/>
+                      <a:tailEnd type="none" w="med" len="med"/>
+                    </a:lnB>
+                    <a:solidFill>
+                      <a:srgbClr val="FFFFFF"/>
+                    </a:solidFill>
+                  </a:tcPr>
+                </a:tc>
+                <a:extLst>
+                  <a:ext uri="{0D108BD9-81ED-4DB2-BD59-A6C34878D82A}">
+                    <a16:rowId xmlns:a16="http://schemas.microsoft.com/office/drawing/2014/main" val="4040874698"/>
+                  </a:ext>
+                </a:extLst>
+              </a:tr>
+              <a:tr h="182880">
+                <a:tc>
+                  <a:txBody>
+                    <a:bodyPr/>
+                    <a:lstStyle/>
+                    <a:p>
+                      <a:pPr algn="l" fontAlgn="b"/>
+                      <a:r>
+                        <a:rPr lang="it-IT" sz="1100" b="1" i="0" u="none" strike="noStrike">
+                          <a:solidFill>
+                            <a:srgbClr val="000000"/>
+                          </a:solidFill>
+                          <a:effectLst/>
+                          <a:latin typeface="Calibri" panose="020F0502020204030204" pitchFamily="34" charset="0"/>
+                        </a:rPr>
+                        <a:t> </a:t>
+                      </a:r>
+                    </a:p>
+                  </a:txBody>
+                  <a:tcPr marL="7620" marR="7620" marT="7620" marB="0" anchor="b">
+                    <a:lnL w="12700" cap="flat" cmpd="sng" algn="ctr">
+                      <a:solidFill>
+                        <a:srgbClr val="000000"/>
+                      </a:solidFill>
+                      <a:prstDash val="solid"/>
+                      <a:round/>
+                      <a:headEnd type="none" w="med" len="med"/>
+                      <a:tailEnd type="none" w="med" len="med"/>
+                    </a:lnL>
+                    <a:lnR w="6350" cap="flat" cmpd="sng" algn="ctr">
+                      <a:solidFill>
+                        <a:srgbClr val="000000"/>
+                      </a:solidFill>
+                      <a:prstDash val="solid"/>
+                      <a:round/>
+                      <a:headEnd type="none" w="med" len="med"/>
+                      <a:tailEnd type="none" w="med" len="med"/>
+                    </a:lnR>
+                    <a:lnT w="6350" cap="flat" cmpd="sng" algn="ctr">
+                      <a:solidFill>
+                        <a:srgbClr val="000000"/>
+                      </a:solidFill>
+                      <a:prstDash val="solid"/>
+                      <a:round/>
+                      <a:headEnd type="none" w="med" len="med"/>
+                      <a:tailEnd type="none" w="med" len="med"/>
+                    </a:lnT>
+                    <a:lnB w="6350" cap="flat" cmpd="sng" algn="ctr">
+                      <a:solidFill>
+                        <a:srgbClr val="000000"/>
+                      </a:solidFill>
+                      <a:prstDash val="solid"/>
+                      <a:round/>
+                      <a:headEnd type="none" w="med" len="med"/>
+                      <a:tailEnd type="none" w="med" len="med"/>
+                    </a:lnB>
+                    <a:solidFill>
+                      <a:srgbClr val="FFFFFF"/>
+                    </a:solidFill>
+                  </a:tcPr>
+                </a:tc>
+                <a:tc>
+                  <a:txBody>
+                    <a:bodyPr/>
+                    <a:lstStyle/>
+                    <a:p>
+                      <a:pPr algn="l" fontAlgn="b"/>
+                      <a:r>
+                        <a:rPr lang="it-IT" sz="1100" b="0" i="0" u="none" strike="noStrike">
+                          <a:solidFill>
+                            <a:srgbClr val="000000"/>
+                          </a:solidFill>
+                          <a:effectLst/>
+                          <a:latin typeface="Calibri" panose="020F0502020204030204" pitchFamily="34" charset="0"/>
+                        </a:rPr>
+                        <a:t> </a:t>
+                      </a:r>
+                    </a:p>
+                  </a:txBody>
+                  <a:tcPr marL="7620" marR="7620" marT="7620" marB="0" anchor="b">
+                    <a:lnL w="6350" cap="flat" cmpd="sng" algn="ctr">
+                      <a:solidFill>
+                        <a:srgbClr val="000000"/>
+                      </a:solidFill>
+                      <a:prstDash val="solid"/>
+                      <a:round/>
+                      <a:headEnd type="none" w="med" len="med"/>
+                      <a:tailEnd type="none" w="med" len="med"/>
+                    </a:lnL>
+                    <a:lnR w="6350" cap="flat" cmpd="sng" algn="ctr">
+                      <a:solidFill>
+                        <a:srgbClr val="000000"/>
+                      </a:solidFill>
+                      <a:prstDash val="solid"/>
+                      <a:round/>
+                      <a:headEnd type="none" w="med" len="med"/>
+                      <a:tailEnd type="none" w="med" len="med"/>
+                    </a:lnR>
+                    <a:lnT w="6350" cap="flat" cmpd="sng" algn="ctr">
+                      <a:solidFill>
+                        <a:srgbClr val="000000"/>
+                      </a:solidFill>
+                      <a:prstDash val="solid"/>
+                      <a:round/>
+                      <a:headEnd type="none" w="med" len="med"/>
+                      <a:tailEnd type="none" w="med" len="med"/>
+                    </a:lnT>
+                    <a:lnB w="6350" cap="flat" cmpd="sng" algn="ctr">
+                      <a:solidFill>
+                        <a:srgbClr val="000000"/>
+                      </a:solidFill>
+                      <a:prstDash val="solid"/>
+                      <a:round/>
+                      <a:headEnd type="none" w="med" len="med"/>
+                      <a:tailEnd type="none" w="med" len="med"/>
+                    </a:lnB>
+                    <a:solidFill>
+                      <a:srgbClr val="FFFFFF"/>
+                    </a:solidFill>
+                  </a:tcPr>
+                </a:tc>
+                <a:tc>
+                  <a:txBody>
+                    <a:bodyPr/>
+                    <a:lstStyle/>
+                    <a:p>
+                      <a:pPr algn="l" fontAlgn="b"/>
+                      <a:r>
+                        <a:rPr lang="it-IT" sz="1100" b="1" i="0" u="none" strike="noStrike">
+                          <a:solidFill>
+                            <a:srgbClr val="000000"/>
+                          </a:solidFill>
+                          <a:effectLst/>
+                          <a:latin typeface="Calibri" panose="020F0502020204030204" pitchFamily="34" charset="0"/>
+                        </a:rPr>
+                        <a:t> </a:t>
+                      </a:r>
+                    </a:p>
+                  </a:txBody>
+                  <a:tcPr marL="7620" marR="7620" marT="7620" marB="0" anchor="b">
+                    <a:lnL w="6350" cap="flat" cmpd="sng" algn="ctr">
+                      <a:solidFill>
+                        <a:srgbClr val="000000"/>
+                      </a:solidFill>
+                      <a:prstDash val="solid"/>
+                      <a:round/>
+                      <a:headEnd type="none" w="med" len="med"/>
+                      <a:tailEnd type="none" w="med" len="med"/>
+                    </a:lnL>
+                    <a:lnR w="12700" cap="flat" cmpd="sng" algn="ctr">
+                      <a:solidFill>
+                        <a:srgbClr val="000000"/>
+                      </a:solidFill>
+                      <a:prstDash val="solid"/>
+                      <a:round/>
+                      <a:headEnd type="none" w="med" len="med"/>
+                      <a:tailEnd type="none" w="med" len="med"/>
+                    </a:lnR>
+                    <a:lnT w="6350" cap="flat" cmpd="sng" algn="ctr">
+                      <a:solidFill>
+                        <a:srgbClr val="000000"/>
+                      </a:solidFill>
+                      <a:prstDash val="solid"/>
+                      <a:round/>
+                      <a:headEnd type="none" w="med" len="med"/>
+                      <a:tailEnd type="none" w="med" len="med"/>
+                    </a:lnT>
+                    <a:lnB w="6350" cap="flat" cmpd="sng" algn="ctr">
+                      <a:solidFill>
+                        <a:srgbClr val="000000"/>
+                      </a:solidFill>
+                      <a:prstDash val="solid"/>
+                      <a:round/>
+                      <a:headEnd type="none" w="med" len="med"/>
+                      <a:tailEnd type="none" w="med" len="med"/>
+                    </a:lnB>
+                    <a:solidFill>
+                      <a:srgbClr val="FFFFFF"/>
+                    </a:solidFill>
+                  </a:tcPr>
+                </a:tc>
+                <a:extLst>
+                  <a:ext uri="{0D108BD9-81ED-4DB2-BD59-A6C34878D82A}">
+                    <a16:rowId xmlns:a16="http://schemas.microsoft.com/office/drawing/2014/main" val="21438664"/>
+                  </a:ext>
+                </a:extLst>
+              </a:tr>
+              <a:tr h="190500">
+                <a:tc>
+                  <a:txBody>
+                    <a:bodyPr/>
+                    <a:lstStyle/>
+                    <a:p>
+                      <a:pPr algn="l" fontAlgn="b"/>
+                      <a:r>
+                        <a:rPr lang="it-IT" sz="1100" b="1" i="0" u="none" strike="noStrike">
+                          <a:solidFill>
+                            <a:srgbClr val="000000"/>
+                          </a:solidFill>
+                          <a:effectLst/>
+                          <a:latin typeface="Calibri" panose="020F0502020204030204" pitchFamily="34" charset="0"/>
+                        </a:rPr>
+                        <a:t>Equity to capital (mv) </a:t>
+                      </a:r>
+                    </a:p>
+                  </a:txBody>
+                  <a:tcPr marL="7620" marR="7620" marT="7620" marB="0" anchor="b">
+                    <a:lnL w="12700" cap="flat" cmpd="sng" algn="ctr">
+                      <a:solidFill>
+                        <a:srgbClr val="000000"/>
+                      </a:solidFill>
+                      <a:prstDash val="solid"/>
+                      <a:round/>
+                      <a:headEnd type="none" w="med" len="med"/>
+                      <a:tailEnd type="none" w="med" len="med"/>
+                    </a:lnL>
+                    <a:lnR w="6350" cap="flat" cmpd="sng" algn="ctr">
+                      <a:solidFill>
+                        <a:srgbClr val="000000"/>
+                      </a:solidFill>
+                      <a:prstDash val="solid"/>
+                      <a:round/>
+                      <a:headEnd type="none" w="med" len="med"/>
+                      <a:tailEnd type="none" w="med" len="med"/>
+                    </a:lnR>
+                    <a:lnT w="6350" cap="flat" cmpd="sng" algn="ctr">
+                      <a:solidFill>
+                        <a:srgbClr val="000000"/>
+                      </a:solidFill>
+                      <a:prstDash val="solid"/>
+                      <a:round/>
+                      <a:headEnd type="none" w="med" len="med"/>
+                      <a:tailEnd type="none" w="med" len="med"/>
+                    </a:lnT>
+                    <a:lnB w="6350" cap="flat" cmpd="sng" algn="ctr">
+                      <a:solidFill>
+                        <a:srgbClr val="000000"/>
+                      </a:solidFill>
+                      <a:prstDash val="solid"/>
+                      <a:round/>
+                      <a:headEnd type="none" w="med" len="med"/>
+                      <a:tailEnd type="none" w="med" len="med"/>
+                    </a:lnB>
+                    <a:solidFill>
+                      <a:srgbClr val="FFFFFF"/>
+                    </a:solidFill>
+                  </a:tcPr>
+                </a:tc>
+                <a:tc>
+                  <a:txBody>
+                    <a:bodyPr/>
+                    <a:lstStyle/>
+                    <a:p>
+                      <a:pPr algn="r" fontAlgn="b"/>
+                      <a:r>
+                        <a:rPr lang="it-IT" sz="1100" b="1" i="0" u="none" strike="noStrike">
+                          <a:solidFill>
+                            <a:srgbClr val="000000"/>
+                          </a:solidFill>
+                          <a:effectLst/>
+                          <a:latin typeface="Calibri" panose="020F0502020204030204" pitchFamily="34" charset="0"/>
+                        </a:rPr>
+                        <a:t>0,567511521</a:t>
+                      </a:r>
+                    </a:p>
+                  </a:txBody>
+                  <a:tcPr marL="7620" marR="7620" marT="7620" marB="0" anchor="b">
+                    <a:lnL w="6350" cap="flat" cmpd="sng" algn="ctr">
+                      <a:solidFill>
+                        <a:srgbClr val="000000"/>
+                      </a:solidFill>
+                      <a:prstDash val="solid"/>
+                      <a:round/>
+                      <a:headEnd type="none" w="med" len="med"/>
+                      <a:tailEnd type="none" w="med" len="med"/>
+                    </a:lnL>
+                    <a:lnR w="6350" cap="flat" cmpd="sng" algn="ctr">
+                      <a:solidFill>
+                        <a:srgbClr val="000000"/>
+                      </a:solidFill>
+                      <a:prstDash val="solid"/>
+                      <a:round/>
+                      <a:headEnd type="none" w="med" len="med"/>
+                      <a:tailEnd type="none" w="med" len="med"/>
+                    </a:lnR>
+                    <a:lnT w="6350" cap="flat" cmpd="sng" algn="ctr">
+                      <a:solidFill>
+                        <a:srgbClr val="000000"/>
+                      </a:solidFill>
+                      <a:prstDash val="solid"/>
+                      <a:round/>
+                      <a:headEnd type="none" w="med" len="med"/>
+                      <a:tailEnd type="none" w="med" len="med"/>
+                    </a:lnT>
+                    <a:lnB w="6350" cap="flat" cmpd="sng" algn="ctr">
+                      <a:solidFill>
+                        <a:srgbClr val="000000"/>
+                      </a:solidFill>
+                      <a:prstDash val="solid"/>
+                      <a:round/>
+                      <a:headEnd type="none" w="med" len="med"/>
+                      <a:tailEnd type="none" w="med" len="med"/>
+                    </a:lnB>
+                    <a:solidFill>
+                      <a:srgbClr val="FFFFFF"/>
+                    </a:solidFill>
+                  </a:tcPr>
+                </a:tc>
+                <a:tc>
+                  <a:txBody>
+                    <a:bodyPr/>
+                    <a:lstStyle/>
+                    <a:p>
+                      <a:pPr algn="r" fontAlgn="b"/>
+                      <a:r>
+                        <a:rPr lang="it-IT" sz="1100" b="1" i="0" u="none" strike="noStrike">
+                          <a:solidFill>
+                            <a:srgbClr val="000000"/>
+                          </a:solidFill>
+                          <a:effectLst/>
+                          <a:latin typeface="Calibri" panose="020F0502020204030204" pitchFamily="34" charset="0"/>
+                        </a:rPr>
+                        <a:t>0,481225584</a:t>
+                      </a:r>
+                    </a:p>
+                  </a:txBody>
+                  <a:tcPr marL="7620" marR="7620" marT="7620" marB="0" anchor="b">
+                    <a:lnL w="6350" cap="flat" cmpd="sng" algn="ctr">
+                      <a:solidFill>
+                        <a:srgbClr val="000000"/>
+                      </a:solidFill>
+                      <a:prstDash val="solid"/>
+                      <a:round/>
+                      <a:headEnd type="none" w="med" len="med"/>
+                      <a:tailEnd type="none" w="med" len="med"/>
+                    </a:lnL>
+                    <a:lnR w="12700" cap="flat" cmpd="sng" algn="ctr">
+                      <a:solidFill>
+                        <a:srgbClr val="000000"/>
+                      </a:solidFill>
+                      <a:prstDash val="solid"/>
+                      <a:round/>
+                      <a:headEnd type="none" w="med" len="med"/>
+                      <a:tailEnd type="none" w="med" len="med"/>
+                    </a:lnR>
+                    <a:lnT w="6350" cap="flat" cmpd="sng" algn="ctr">
+                      <a:solidFill>
+                        <a:srgbClr val="000000"/>
+                      </a:solidFill>
+                      <a:prstDash val="solid"/>
+                      <a:round/>
+                      <a:headEnd type="none" w="med" len="med"/>
+                      <a:tailEnd type="none" w="med" len="med"/>
+                    </a:lnT>
+                    <a:lnB w="6350" cap="flat" cmpd="sng" algn="ctr">
+                      <a:solidFill>
+                        <a:srgbClr val="000000"/>
+                      </a:solidFill>
+                      <a:prstDash val="solid"/>
+                      <a:round/>
+                      <a:headEnd type="none" w="med" len="med"/>
+                      <a:tailEnd type="none" w="med" len="med"/>
+                    </a:lnB>
+                    <a:solidFill>
+                      <a:srgbClr val="FFFFFF"/>
+                    </a:solidFill>
+                  </a:tcPr>
+                </a:tc>
+                <a:extLst>
+                  <a:ext uri="{0D108BD9-81ED-4DB2-BD59-A6C34878D82A}">
+                    <a16:rowId xmlns:a16="http://schemas.microsoft.com/office/drawing/2014/main" val="2338609732"/>
+                  </a:ext>
+                </a:extLst>
+              </a:tr>
+              <a:tr h="190500">
+                <a:tc>
+                  <a:txBody>
+                    <a:bodyPr/>
+                    <a:lstStyle/>
+                    <a:p>
+                      <a:pPr algn="l" fontAlgn="b"/>
+                      <a:r>
+                        <a:rPr lang="it-IT" sz="1100" b="1" i="0" u="none" strike="noStrike">
+                          <a:solidFill>
+                            <a:srgbClr val="000000"/>
+                          </a:solidFill>
+                          <a:effectLst/>
+                          <a:latin typeface="Calibri" panose="020F0502020204030204" pitchFamily="34" charset="0"/>
+                        </a:rPr>
+                        <a:t>Debt to capital (mv) </a:t>
+                      </a:r>
+                    </a:p>
+                  </a:txBody>
+                  <a:tcPr marL="7620" marR="7620" marT="7620" marB="0" anchor="b">
+                    <a:lnL w="12700" cap="flat" cmpd="sng" algn="ctr">
+                      <a:solidFill>
+                        <a:srgbClr val="000000"/>
+                      </a:solidFill>
+                      <a:prstDash val="solid"/>
+                      <a:round/>
+                      <a:headEnd type="none" w="med" len="med"/>
+                      <a:tailEnd type="none" w="med" len="med"/>
+                    </a:lnL>
+                    <a:lnR w="6350" cap="flat" cmpd="sng" algn="ctr">
+                      <a:solidFill>
+                        <a:srgbClr val="000000"/>
+                      </a:solidFill>
+                      <a:prstDash val="solid"/>
+                      <a:round/>
+                      <a:headEnd type="none" w="med" len="med"/>
+                      <a:tailEnd type="none" w="med" len="med"/>
+                    </a:lnR>
+                    <a:lnT w="6350" cap="flat" cmpd="sng" algn="ctr">
+                      <a:solidFill>
+                        <a:srgbClr val="000000"/>
+                      </a:solidFill>
+                      <a:prstDash val="solid"/>
+                      <a:round/>
+                      <a:headEnd type="none" w="med" len="med"/>
+                      <a:tailEnd type="none" w="med" len="med"/>
+                    </a:lnT>
+                    <a:lnB w="12700" cap="flat" cmpd="sng" algn="ctr">
+                      <a:solidFill>
+                        <a:srgbClr val="000000"/>
+                      </a:solidFill>
+                      <a:prstDash val="solid"/>
+                      <a:round/>
+                      <a:headEnd type="none" w="med" len="med"/>
+                      <a:tailEnd type="none" w="med" len="med"/>
+                    </a:lnB>
+                    <a:solidFill>
+                      <a:srgbClr val="FFFFFF"/>
+                    </a:solidFill>
+                  </a:tcPr>
+                </a:tc>
+                <a:tc>
+                  <a:txBody>
+                    <a:bodyPr/>
+                    <a:lstStyle/>
+                    <a:p>
+                      <a:pPr algn="r" fontAlgn="b"/>
+                      <a:r>
+                        <a:rPr lang="it-IT" sz="1100" b="1" i="0" u="none" strike="noStrike">
+                          <a:solidFill>
+                            <a:srgbClr val="000000"/>
+                          </a:solidFill>
+                          <a:effectLst/>
+                          <a:latin typeface="Calibri" panose="020F0502020204030204" pitchFamily="34" charset="0"/>
+                        </a:rPr>
+                        <a:t>0,432488479</a:t>
+                      </a:r>
+                    </a:p>
+                  </a:txBody>
+                  <a:tcPr marL="7620" marR="7620" marT="7620" marB="0" anchor="b">
+                    <a:lnL w="6350" cap="flat" cmpd="sng" algn="ctr">
+                      <a:solidFill>
+                        <a:srgbClr val="000000"/>
+                      </a:solidFill>
+                      <a:prstDash val="solid"/>
+                      <a:round/>
+                      <a:headEnd type="none" w="med" len="med"/>
+                      <a:tailEnd type="none" w="med" len="med"/>
+                    </a:lnL>
+                    <a:lnR w="6350" cap="flat" cmpd="sng" algn="ctr">
+                      <a:solidFill>
+                        <a:srgbClr val="000000"/>
+                      </a:solidFill>
+                      <a:prstDash val="solid"/>
+                      <a:round/>
+                      <a:headEnd type="none" w="med" len="med"/>
+                      <a:tailEnd type="none" w="med" len="med"/>
+                    </a:lnR>
+                    <a:lnT w="6350" cap="flat" cmpd="sng" algn="ctr">
+                      <a:solidFill>
+                        <a:srgbClr val="000000"/>
+                      </a:solidFill>
+                      <a:prstDash val="solid"/>
+                      <a:round/>
+                      <a:headEnd type="none" w="med" len="med"/>
+                      <a:tailEnd type="none" w="med" len="med"/>
+                    </a:lnT>
+                    <a:lnB w="12700" cap="flat" cmpd="sng" algn="ctr">
+                      <a:solidFill>
+                        <a:srgbClr val="000000"/>
+                      </a:solidFill>
+                      <a:prstDash val="solid"/>
+                      <a:round/>
+                      <a:headEnd type="none" w="med" len="med"/>
+                      <a:tailEnd type="none" w="med" len="med"/>
+                    </a:lnB>
+                    <a:solidFill>
+                      <a:srgbClr val="FFFFFF"/>
+                    </a:solidFill>
+                  </a:tcPr>
+                </a:tc>
+                <a:tc>
+                  <a:txBody>
+                    <a:bodyPr/>
+                    <a:lstStyle/>
+                    <a:p>
+                      <a:pPr algn="r" fontAlgn="b"/>
+                      <a:r>
+                        <a:rPr lang="it-IT" sz="1100" b="1" i="0" u="none" strike="noStrike" dirty="0">
+                          <a:solidFill>
+                            <a:srgbClr val="000000"/>
+                          </a:solidFill>
+                          <a:effectLst/>
+                          <a:latin typeface="Calibri" panose="020F0502020204030204" pitchFamily="34" charset="0"/>
+                        </a:rPr>
+                        <a:t>0,518774416</a:t>
+                      </a:r>
+                    </a:p>
+                  </a:txBody>
+                  <a:tcPr marL="7620" marR="7620" marT="7620" marB="0" anchor="b">
+                    <a:lnL w="6350" cap="flat" cmpd="sng" algn="ctr">
+                      <a:solidFill>
+                        <a:srgbClr val="000000"/>
+                      </a:solidFill>
+                      <a:prstDash val="solid"/>
+                      <a:round/>
+                      <a:headEnd type="none" w="med" len="med"/>
+                      <a:tailEnd type="none" w="med" len="med"/>
+                    </a:lnL>
+                    <a:lnR w="12700" cap="flat" cmpd="sng" algn="ctr">
+                      <a:solidFill>
+                        <a:srgbClr val="000000"/>
+                      </a:solidFill>
+                      <a:prstDash val="solid"/>
+                      <a:round/>
+                      <a:headEnd type="none" w="med" len="med"/>
+                      <a:tailEnd type="none" w="med" len="med"/>
+                    </a:lnR>
+                    <a:lnT w="6350" cap="flat" cmpd="sng" algn="ctr">
+                      <a:solidFill>
+                        <a:srgbClr val="000000"/>
+                      </a:solidFill>
+                      <a:prstDash val="solid"/>
+                      <a:round/>
+                      <a:headEnd type="none" w="med" len="med"/>
+                      <a:tailEnd type="none" w="med" len="med"/>
+                    </a:lnT>
+                    <a:lnB w="12700" cap="flat" cmpd="sng" algn="ctr">
+                      <a:solidFill>
+                        <a:srgbClr val="000000"/>
+                      </a:solidFill>
+                      <a:prstDash val="solid"/>
+                      <a:round/>
+                      <a:headEnd type="none" w="med" len="med"/>
+                      <a:tailEnd type="none" w="med" len="med"/>
+                    </a:lnB>
+                    <a:solidFill>
+                      <a:srgbClr val="FFFFFF"/>
+                    </a:solidFill>
+                  </a:tcPr>
+                </a:tc>
+                <a:extLst>
+                  <a:ext uri="{0D108BD9-81ED-4DB2-BD59-A6C34878D82A}">
+                    <a16:rowId xmlns:a16="http://schemas.microsoft.com/office/drawing/2014/main" val="2073952911"/>
+                  </a:ext>
+                </a:extLst>
+              </a:tr>
+            </a:tbl>
+          </a:graphicData>
+        </a:graphic>
+      </p:graphicFrame>
+      <p:graphicFrame>
+        <p:nvGraphicFramePr>
+          <p:cNvPr id="5" name="Tabella 4">
+            <a:extLst>
+              <a:ext uri="{FF2B5EF4-FFF2-40B4-BE49-F238E27FC236}">
+                <a16:creationId xmlns:a16="http://schemas.microsoft.com/office/drawing/2014/main" id="{3E029E6A-E635-4991-82FB-0822F5C57DC5}"/>
+              </a:ext>
+            </a:extLst>
+          </p:cNvPr>
+          <p:cNvGraphicFramePr>
+            <a:graphicFrameLocks noGrp="1"/>
+          </p:cNvGraphicFramePr>
+          <p:nvPr>
+            <p:extLst>
+              <p:ext uri="{D42A27DB-BD31-4B8C-83A1-F6EECF244321}">
+                <p14:modId xmlns:p14="http://schemas.microsoft.com/office/powerpoint/2010/main" val="1626364675"/>
+              </p:ext>
+            </p:extLst>
+          </p:nvPr>
+        </p:nvGraphicFramePr>
+        <p:xfrm>
+          <a:off x="1821587" y="2604191"/>
+          <a:ext cx="5784850" cy="1752600"/>
+        </p:xfrm>
+        <a:graphic>
+          <a:graphicData uri="http://schemas.openxmlformats.org/drawingml/2006/table">
+            <a:tbl>
+              <a:tblPr/>
+              <a:tblGrid>
+                <a:gridCol w="1281375">
+                  <a:extLst>
+                    <a:ext uri="{9D8B030D-6E8A-4147-A177-3AD203B41FA5}">
+                      <a16:colId xmlns:a16="http://schemas.microsoft.com/office/drawing/2014/main" val="945059732"/>
+                    </a:ext>
+                  </a:extLst>
+                </a:gridCol>
+                <a:gridCol w="2102451">
+                  <a:extLst>
+                    <a:ext uri="{9D8B030D-6E8A-4147-A177-3AD203B41FA5}">
+                      <a16:colId xmlns:a16="http://schemas.microsoft.com/office/drawing/2014/main" val="3232711833"/>
+                    </a:ext>
+                  </a:extLst>
+                </a:gridCol>
+                <a:gridCol w="1032565">
+                  <a:extLst>
+                    <a:ext uri="{9D8B030D-6E8A-4147-A177-3AD203B41FA5}">
+                      <a16:colId xmlns:a16="http://schemas.microsoft.com/office/drawing/2014/main" val="4121054102"/>
+                    </a:ext>
+                  </a:extLst>
+                </a:gridCol>
+                <a:gridCol w="1368459">
+                  <a:extLst>
+                    <a:ext uri="{9D8B030D-6E8A-4147-A177-3AD203B41FA5}">
+                      <a16:colId xmlns:a16="http://schemas.microsoft.com/office/drawing/2014/main" val="2759711460"/>
+                    </a:ext>
+                  </a:extLst>
+                </a:gridCol>
+              </a:tblGrid>
+              <a:tr h="165214">
+                <a:tc>
+                  <a:txBody>
+                    <a:bodyPr/>
+                    <a:lstStyle/>
+                    <a:p>
+                      <a:pPr algn="l" fontAlgn="b"/>
+                      <a:r>
+                        <a:rPr lang="it-IT" sz="1100" b="0" i="0" u="none" strike="noStrike">
+                          <a:solidFill>
+                            <a:srgbClr val="000000"/>
+                          </a:solidFill>
+                          <a:effectLst/>
+                          <a:latin typeface="Calibri" panose="020F0502020204030204" pitchFamily="34" charset="0"/>
+                        </a:rPr>
+                        <a:t>Bond class </a:t>
+                      </a:r>
+                    </a:p>
+                  </a:txBody>
+                  <a:tcPr marL="7620" marR="7620" marT="7620" marB="0" anchor="b">
+                    <a:lnL w="12700" cap="flat" cmpd="sng" algn="ctr">
+                      <a:solidFill>
+                        <a:srgbClr val="000000"/>
+                      </a:solidFill>
+                      <a:prstDash val="solid"/>
+                      <a:round/>
+                      <a:headEnd type="none" w="med" len="med"/>
+                      <a:tailEnd type="none" w="med" len="med"/>
+                    </a:lnL>
+                    <a:lnR w="12700" cap="flat" cmpd="sng" algn="ctr">
+                      <a:solidFill>
+                        <a:srgbClr val="000000"/>
+                      </a:solidFill>
+                      <a:prstDash val="solid"/>
+                      <a:round/>
+                      <a:headEnd type="none" w="med" len="med"/>
+                      <a:tailEnd type="none" w="med" len="med"/>
+                    </a:lnR>
+                    <a:lnT w="12700" cap="flat" cmpd="sng" algn="ctr">
+                      <a:solidFill>
+                        <a:srgbClr val="000000"/>
+                      </a:solidFill>
+                      <a:prstDash val="solid"/>
+                      <a:round/>
+                      <a:headEnd type="none" w="med" len="med"/>
+                      <a:tailEnd type="none" w="med" len="med"/>
+                    </a:lnT>
+                    <a:lnB w="12700" cap="flat" cmpd="sng" algn="ctr">
+                      <a:solidFill>
+                        <a:srgbClr val="000000"/>
+                      </a:solidFill>
+                      <a:prstDash val="solid"/>
+                      <a:round/>
+                      <a:headEnd type="none" w="med" len="med"/>
+                      <a:tailEnd type="none" w="med" len="med"/>
+                    </a:lnB>
+                    <a:solidFill>
+                      <a:srgbClr val="FFFFFF"/>
+                    </a:solidFill>
+                  </a:tcPr>
+                </a:tc>
+                <a:tc>
+                  <a:txBody>
+                    <a:bodyPr/>
+                    <a:lstStyle/>
+                    <a:p>
+                      <a:pPr algn="l" fontAlgn="b"/>
+                      <a:r>
+                        <a:rPr lang="it-IT" sz="1100" b="0" i="0" u="none" strike="noStrike">
+                          <a:solidFill>
+                            <a:srgbClr val="000000"/>
+                          </a:solidFill>
+                          <a:effectLst/>
+                          <a:latin typeface="Calibri" panose="020F0502020204030204" pitchFamily="34" charset="0"/>
+                        </a:rPr>
+                        <a:t>Yield to maturity</a:t>
+                      </a:r>
+                    </a:p>
+                  </a:txBody>
+                  <a:tcPr marL="7620" marR="7620" marT="7620" marB="0" anchor="b">
+                    <a:lnL w="12700" cap="flat" cmpd="sng" algn="ctr">
+                      <a:solidFill>
+                        <a:srgbClr val="000000"/>
+                      </a:solidFill>
+                      <a:prstDash val="solid"/>
+                      <a:round/>
+                      <a:headEnd type="none" w="med" len="med"/>
+                      <a:tailEnd type="none" w="med" len="med"/>
+                    </a:lnL>
+                    <a:lnR w="12700" cap="flat" cmpd="sng" algn="ctr">
+                      <a:solidFill>
+                        <a:srgbClr val="000000"/>
+                      </a:solidFill>
+                      <a:prstDash val="solid"/>
+                      <a:round/>
+                      <a:headEnd type="none" w="med" len="med"/>
+                      <a:tailEnd type="none" w="med" len="med"/>
+                    </a:lnR>
+                    <a:lnT w="12700" cap="flat" cmpd="sng" algn="ctr">
+                      <a:solidFill>
+                        <a:srgbClr val="000000"/>
+                      </a:solidFill>
+                      <a:prstDash val="solid"/>
+                      <a:round/>
+                      <a:headEnd type="none" w="med" len="med"/>
+                      <a:tailEnd type="none" w="med" len="med"/>
+                    </a:lnT>
+                    <a:lnB w="12700" cap="flat" cmpd="sng" algn="ctr">
+                      <a:solidFill>
+                        <a:srgbClr val="000000"/>
+                      </a:solidFill>
+                      <a:prstDash val="solid"/>
+                      <a:round/>
+                      <a:headEnd type="none" w="med" len="med"/>
+                      <a:tailEnd type="none" w="med" len="med"/>
+                    </a:lnB>
+                    <a:solidFill>
+                      <a:srgbClr val="FFFFFF"/>
+                    </a:solidFill>
+                  </a:tcPr>
+                </a:tc>
+                <a:tc>
+                  <a:txBody>
+                    <a:bodyPr/>
+                    <a:lstStyle/>
+                    <a:p>
+                      <a:pPr algn="l" fontAlgn="b"/>
+                      <a:r>
+                        <a:rPr lang="it-IT" sz="1100" b="0" i="0" u="none" strike="noStrike" dirty="0" err="1">
+                          <a:solidFill>
+                            <a:srgbClr val="000000"/>
+                          </a:solidFill>
+                          <a:effectLst/>
+                          <a:latin typeface="Calibri" panose="020F0502020204030204" pitchFamily="34" charset="0"/>
+                        </a:rPr>
+                        <a:t>Residual</a:t>
+                      </a:r>
+                      <a:r>
+                        <a:rPr lang="it-IT" sz="1100" b="0" i="0" u="none" strike="noStrike" dirty="0">
+                          <a:solidFill>
+                            <a:srgbClr val="000000"/>
+                          </a:solidFill>
+                          <a:effectLst/>
+                          <a:latin typeface="Calibri" panose="020F0502020204030204" pitchFamily="34" charset="0"/>
+                        </a:rPr>
+                        <a:t> Coupons</a:t>
+                      </a:r>
+                    </a:p>
+                  </a:txBody>
+                  <a:tcPr marL="7620" marR="7620" marT="7620" marB="0" anchor="b">
+                    <a:lnL w="12700" cap="flat" cmpd="sng" algn="ctr">
+                      <a:solidFill>
+                        <a:srgbClr val="000000"/>
+                      </a:solidFill>
+                      <a:prstDash val="solid"/>
+                      <a:round/>
+                      <a:headEnd type="none" w="med" len="med"/>
+                      <a:tailEnd type="none" w="med" len="med"/>
+                    </a:lnL>
+                    <a:lnR w="12700" cap="flat" cmpd="sng" algn="ctr">
+                      <a:solidFill>
+                        <a:srgbClr val="000000"/>
+                      </a:solidFill>
+                      <a:prstDash val="solid"/>
+                      <a:round/>
+                      <a:headEnd type="none" w="med" len="med"/>
+                      <a:tailEnd type="none" w="med" len="med"/>
+                    </a:lnR>
+                    <a:lnT w="12700" cap="flat" cmpd="sng" algn="ctr">
+                      <a:solidFill>
+                        <a:srgbClr val="000000"/>
+                      </a:solidFill>
+                      <a:prstDash val="solid"/>
+                      <a:round/>
+                      <a:headEnd type="none" w="med" len="med"/>
+                      <a:tailEnd type="none" w="med" len="med"/>
+                    </a:lnT>
+                    <a:lnB w="12700" cap="flat" cmpd="sng" algn="ctr">
+                      <a:solidFill>
+                        <a:srgbClr val="000000"/>
+                      </a:solidFill>
+                      <a:prstDash val="solid"/>
+                      <a:round/>
+                      <a:headEnd type="none" w="med" len="med"/>
+                      <a:tailEnd type="none" w="med" len="med"/>
+                    </a:lnB>
+                    <a:solidFill>
+                      <a:srgbClr val="FFFFFF"/>
+                    </a:solidFill>
+                  </a:tcPr>
+                </a:tc>
+                <a:tc>
+                  <a:txBody>
+                    <a:bodyPr/>
+                    <a:lstStyle/>
+                    <a:p>
+                      <a:pPr algn="l" fontAlgn="b"/>
+                      <a:r>
+                        <a:rPr lang="it-IT" sz="1100" b="0" i="0" u="none" strike="noStrike">
+                          <a:solidFill>
+                            <a:srgbClr val="000000"/>
+                          </a:solidFill>
+                          <a:effectLst/>
+                          <a:latin typeface="Calibri" panose="020F0502020204030204" pitchFamily="34" charset="0"/>
+                        </a:rPr>
+                        <a:t>Outstanding bonds</a:t>
+                      </a:r>
+                    </a:p>
+                  </a:txBody>
+                  <a:tcPr marL="7620" marR="7620" marT="7620" marB="0" anchor="b">
+                    <a:lnL w="12700" cap="flat" cmpd="sng" algn="ctr">
+                      <a:solidFill>
+                        <a:srgbClr val="000000"/>
+                      </a:solidFill>
+                      <a:prstDash val="solid"/>
+                      <a:round/>
+                      <a:headEnd type="none" w="med" len="med"/>
+                      <a:tailEnd type="none" w="med" len="med"/>
+                    </a:lnL>
+                    <a:lnR w="12700" cap="flat" cmpd="sng" algn="ctr">
+                      <a:solidFill>
+                        <a:srgbClr val="000000"/>
+                      </a:solidFill>
+                      <a:prstDash val="solid"/>
+                      <a:round/>
+                      <a:headEnd type="none" w="med" len="med"/>
+                      <a:tailEnd type="none" w="med" len="med"/>
+                    </a:lnR>
+                    <a:lnT w="12700" cap="flat" cmpd="sng" algn="ctr">
+                      <a:solidFill>
+                        <a:srgbClr val="000000"/>
+                      </a:solidFill>
+                      <a:prstDash val="solid"/>
+                      <a:round/>
+                      <a:headEnd type="none" w="med" len="med"/>
+                      <a:tailEnd type="none" w="med" len="med"/>
+                    </a:lnT>
+                    <a:lnB w="12700" cap="flat" cmpd="sng" algn="ctr">
+                      <a:solidFill>
+                        <a:srgbClr val="000000"/>
+                      </a:solidFill>
+                      <a:prstDash val="solid"/>
+                      <a:round/>
+                      <a:headEnd type="none" w="med" len="med"/>
+                      <a:tailEnd type="none" w="med" len="med"/>
+                    </a:lnB>
+                    <a:solidFill>
+                      <a:srgbClr val="FFFFFF"/>
+                    </a:solidFill>
+                  </a:tcPr>
+                </a:tc>
+                <a:extLst>
+                  <a:ext uri="{0D108BD9-81ED-4DB2-BD59-A6C34878D82A}">
+                    <a16:rowId xmlns:a16="http://schemas.microsoft.com/office/drawing/2014/main" val="2815262448"/>
+                  </a:ext>
+                </a:extLst>
+              </a:tr>
+              <a:tr h="158605">
+                <a:tc>
+                  <a:txBody>
+                    <a:bodyPr/>
+                    <a:lstStyle/>
+                    <a:p>
+                      <a:pPr algn="l" fontAlgn="b"/>
+                      <a:r>
+                        <a:rPr lang="it-IT" sz="1100" b="0" i="0" u="none" strike="noStrike">
+                          <a:solidFill>
+                            <a:srgbClr val="000000"/>
+                          </a:solidFill>
+                          <a:effectLst/>
+                          <a:latin typeface="Calibri" panose="020F0502020204030204" pitchFamily="34" charset="0"/>
+                        </a:rPr>
+                        <a:t>Bond 2021 (partial)</a:t>
+                      </a:r>
+                    </a:p>
+                  </a:txBody>
+                  <a:tcPr marL="7620" marR="7620" marT="7620" marB="0" anchor="b">
+                    <a:lnL w="6350" cap="flat" cmpd="sng" algn="ctr">
+                      <a:solidFill>
+                        <a:srgbClr val="000000"/>
+                      </a:solidFill>
+                      <a:prstDash val="solid"/>
+                      <a:round/>
+                      <a:headEnd type="none" w="med" len="med"/>
+                      <a:tailEnd type="none" w="med" len="med"/>
+                    </a:lnL>
+                    <a:lnR w="6350" cap="flat" cmpd="sng" algn="ctr">
+                      <a:solidFill>
+                        <a:srgbClr val="000000"/>
+                      </a:solidFill>
+                      <a:prstDash val="solid"/>
+                      <a:round/>
+                      <a:headEnd type="none" w="med" len="med"/>
+                      <a:tailEnd type="none" w="med" len="med"/>
+                    </a:lnR>
+                    <a:lnT w="12700" cap="flat" cmpd="sng" algn="ctr">
+                      <a:solidFill>
+                        <a:srgbClr val="000000"/>
+                      </a:solidFill>
+                      <a:prstDash val="solid"/>
+                      <a:round/>
+                      <a:headEnd type="none" w="med" len="med"/>
+                      <a:tailEnd type="none" w="med" len="med"/>
+                    </a:lnT>
+                    <a:lnB w="6350" cap="flat" cmpd="sng" algn="ctr">
+                      <a:solidFill>
+                        <a:srgbClr val="000000"/>
+                      </a:solidFill>
+                      <a:prstDash val="solid"/>
+                      <a:round/>
+                      <a:headEnd type="none" w="med" len="med"/>
+                      <a:tailEnd type="none" w="med" len="med"/>
+                    </a:lnB>
+                    <a:solidFill>
+                      <a:srgbClr val="FFFFFF"/>
+                    </a:solidFill>
+                  </a:tcPr>
+                </a:tc>
+                <a:tc>
+                  <a:txBody>
+                    <a:bodyPr/>
+                    <a:lstStyle/>
+                    <a:p>
+                      <a:pPr algn="r" fontAlgn="b"/>
+                      <a:r>
+                        <a:rPr lang="it-IT" sz="1100" b="0" i="0" u="none" strike="noStrike">
+                          <a:solidFill>
+                            <a:srgbClr val="000000"/>
+                          </a:solidFill>
+                          <a:effectLst/>
+                          <a:latin typeface="Calibri" panose="020F0502020204030204" pitchFamily="34" charset="0"/>
+                        </a:rPr>
+                        <a:t>0,04375</a:t>
+                      </a:r>
+                    </a:p>
+                  </a:txBody>
+                  <a:tcPr marL="7620" marR="7620" marT="7620" marB="0" anchor="b">
+                    <a:lnL w="6350" cap="flat" cmpd="sng" algn="ctr">
+                      <a:solidFill>
+                        <a:srgbClr val="000000"/>
+                      </a:solidFill>
+                      <a:prstDash val="solid"/>
+                      <a:round/>
+                      <a:headEnd type="none" w="med" len="med"/>
+                      <a:tailEnd type="none" w="med" len="med"/>
+                    </a:lnL>
+                    <a:lnR w="6350" cap="flat" cmpd="sng" algn="ctr">
+                      <a:solidFill>
+                        <a:srgbClr val="000000"/>
+                      </a:solidFill>
+                      <a:prstDash val="solid"/>
+                      <a:round/>
+                      <a:headEnd type="none" w="med" len="med"/>
+                      <a:tailEnd type="none" w="med" len="med"/>
+                    </a:lnR>
+                    <a:lnT w="12700" cap="flat" cmpd="sng" algn="ctr">
+                      <a:solidFill>
+                        <a:srgbClr val="000000"/>
+                      </a:solidFill>
+                      <a:prstDash val="solid"/>
+                      <a:round/>
+                      <a:headEnd type="none" w="med" len="med"/>
+                      <a:tailEnd type="none" w="med" len="med"/>
+                    </a:lnT>
+                    <a:lnB w="6350" cap="flat" cmpd="sng" algn="ctr">
+                      <a:solidFill>
+                        <a:srgbClr val="000000"/>
+                      </a:solidFill>
+                      <a:prstDash val="solid"/>
+                      <a:round/>
+                      <a:headEnd type="none" w="med" len="med"/>
+                      <a:tailEnd type="none" w="med" len="med"/>
+                    </a:lnB>
+                    <a:solidFill>
+                      <a:srgbClr val="FFFFFF"/>
+                    </a:solidFill>
+                  </a:tcPr>
+                </a:tc>
+                <a:tc>
+                  <a:txBody>
+                    <a:bodyPr/>
+                    <a:lstStyle/>
+                    <a:p>
+                      <a:pPr algn="r" fontAlgn="b"/>
+                      <a:r>
+                        <a:rPr lang="it-IT" sz="1100" b="0" i="0" u="none" strike="noStrike">
+                          <a:solidFill>
+                            <a:srgbClr val="000000"/>
+                          </a:solidFill>
+                          <a:effectLst/>
+                          <a:latin typeface="Calibri" panose="020F0502020204030204" pitchFamily="34" charset="0"/>
+                        </a:rPr>
+                        <a:t>2</a:t>
+                      </a:r>
+                    </a:p>
+                  </a:txBody>
+                  <a:tcPr marL="7620" marR="7620" marT="7620" marB="0" anchor="b">
+                    <a:lnL w="6350" cap="flat" cmpd="sng" algn="ctr">
+                      <a:solidFill>
+                        <a:srgbClr val="000000"/>
+                      </a:solidFill>
+                      <a:prstDash val="solid"/>
+                      <a:round/>
+                      <a:headEnd type="none" w="med" len="med"/>
+                      <a:tailEnd type="none" w="med" len="med"/>
+                    </a:lnL>
+                    <a:lnR w="6350" cap="flat" cmpd="sng" algn="ctr">
+                      <a:solidFill>
+                        <a:srgbClr val="000000"/>
+                      </a:solidFill>
+                      <a:prstDash val="solid"/>
+                      <a:round/>
+                      <a:headEnd type="none" w="med" len="med"/>
+                      <a:tailEnd type="none" w="med" len="med"/>
+                    </a:lnR>
+                    <a:lnT w="12700" cap="flat" cmpd="sng" algn="ctr">
+                      <a:solidFill>
+                        <a:srgbClr val="000000"/>
+                      </a:solidFill>
+                      <a:prstDash val="solid"/>
+                      <a:round/>
+                      <a:headEnd type="none" w="med" len="med"/>
+                      <a:tailEnd type="none" w="med" len="med"/>
+                    </a:lnT>
+                    <a:lnB w="6350" cap="flat" cmpd="sng" algn="ctr">
+                      <a:solidFill>
+                        <a:srgbClr val="000000"/>
+                      </a:solidFill>
+                      <a:prstDash val="solid"/>
+                      <a:round/>
+                      <a:headEnd type="none" w="med" len="med"/>
+                      <a:tailEnd type="none" w="med" len="med"/>
+                    </a:lnB>
+                    <a:solidFill>
+                      <a:srgbClr val="FFFFFF"/>
+                    </a:solidFill>
+                  </a:tcPr>
+                </a:tc>
+                <a:tc>
+                  <a:txBody>
+                    <a:bodyPr/>
+                    <a:lstStyle/>
+                    <a:p>
+                      <a:pPr algn="r" fontAlgn="b"/>
+                      <a:r>
+                        <a:rPr lang="it-IT" sz="1100" b="0" i="0" u="none" strike="noStrike">
+                          <a:solidFill>
+                            <a:srgbClr val="000000"/>
+                          </a:solidFill>
+                          <a:effectLst/>
+                          <a:latin typeface="Calibri" panose="020F0502020204030204" pitchFamily="34" charset="0"/>
+                        </a:rPr>
+                        <a:t>351,457</a:t>
+                      </a:r>
+                    </a:p>
+                  </a:txBody>
+                  <a:tcPr marL="7620" marR="7620" marT="7620" marB="0" anchor="b">
+                    <a:lnL w="6350" cap="flat" cmpd="sng" algn="ctr">
+                      <a:solidFill>
+                        <a:srgbClr val="000000"/>
+                      </a:solidFill>
+                      <a:prstDash val="solid"/>
+                      <a:round/>
+                      <a:headEnd type="none" w="med" len="med"/>
+                      <a:tailEnd type="none" w="med" len="med"/>
+                    </a:lnL>
+                    <a:lnR w="6350" cap="flat" cmpd="sng" algn="ctr">
+                      <a:solidFill>
+                        <a:srgbClr val="000000"/>
+                      </a:solidFill>
+                      <a:prstDash val="solid"/>
+                      <a:round/>
+                      <a:headEnd type="none" w="med" len="med"/>
+                      <a:tailEnd type="none" w="med" len="med"/>
+                    </a:lnR>
+                    <a:lnT w="12700" cap="flat" cmpd="sng" algn="ctr">
+                      <a:solidFill>
+                        <a:srgbClr val="000000"/>
+                      </a:solidFill>
+                      <a:prstDash val="solid"/>
+                      <a:round/>
+                      <a:headEnd type="none" w="med" len="med"/>
+                      <a:tailEnd type="none" w="med" len="med"/>
+                    </a:lnT>
+                    <a:lnB w="6350" cap="flat" cmpd="sng" algn="ctr">
+                      <a:solidFill>
+                        <a:srgbClr val="000000"/>
+                      </a:solidFill>
+                      <a:prstDash val="solid"/>
+                      <a:round/>
+                      <a:headEnd type="none" w="med" len="med"/>
+                      <a:tailEnd type="none" w="med" len="med"/>
+                    </a:lnB>
+                    <a:solidFill>
+                      <a:srgbClr val="FFFFFF"/>
+                    </a:solidFill>
+                  </a:tcPr>
+                </a:tc>
+                <a:extLst>
+                  <a:ext uri="{0D108BD9-81ED-4DB2-BD59-A6C34878D82A}">
+                    <a16:rowId xmlns:a16="http://schemas.microsoft.com/office/drawing/2014/main" val="3657898495"/>
+                  </a:ext>
+                </a:extLst>
+              </a:tr>
+              <a:tr h="158605">
+                <a:tc>
+                  <a:txBody>
+                    <a:bodyPr/>
+                    <a:lstStyle/>
+                    <a:p>
+                      <a:pPr algn="l" fontAlgn="b"/>
+                      <a:r>
+                        <a:rPr lang="it-IT" sz="1100" b="0" i="0" u="none" strike="noStrike">
+                          <a:solidFill>
+                            <a:srgbClr val="000000"/>
+                          </a:solidFill>
+                          <a:effectLst/>
+                          <a:latin typeface="Calibri" panose="020F0502020204030204" pitchFamily="34" charset="0"/>
+                        </a:rPr>
+                        <a:t>Bond2022</a:t>
+                      </a:r>
+                    </a:p>
+                  </a:txBody>
+                  <a:tcPr marL="7620" marR="7620" marT="7620" marB="0" anchor="b">
+                    <a:lnL w="6350" cap="flat" cmpd="sng" algn="ctr">
+                      <a:solidFill>
+                        <a:srgbClr val="000000"/>
+                      </a:solidFill>
+                      <a:prstDash val="solid"/>
+                      <a:round/>
+                      <a:headEnd type="none" w="med" len="med"/>
+                      <a:tailEnd type="none" w="med" len="med"/>
+                    </a:lnL>
+                    <a:lnR w="6350" cap="flat" cmpd="sng" algn="ctr">
+                      <a:solidFill>
+                        <a:srgbClr val="000000"/>
+                      </a:solidFill>
+                      <a:prstDash val="solid"/>
+                      <a:round/>
+                      <a:headEnd type="none" w="med" len="med"/>
+                      <a:tailEnd type="none" w="med" len="med"/>
+                    </a:lnR>
+                    <a:lnT w="6350" cap="flat" cmpd="sng" algn="ctr">
+                      <a:solidFill>
+                        <a:srgbClr val="000000"/>
+                      </a:solidFill>
+                      <a:prstDash val="solid"/>
+                      <a:round/>
+                      <a:headEnd type="none" w="med" len="med"/>
+                      <a:tailEnd type="none" w="med" len="med"/>
+                    </a:lnT>
+                    <a:lnB w="6350" cap="flat" cmpd="sng" algn="ctr">
+                      <a:solidFill>
+                        <a:srgbClr val="000000"/>
+                      </a:solidFill>
+                      <a:prstDash val="solid"/>
+                      <a:round/>
+                      <a:headEnd type="none" w="med" len="med"/>
+                      <a:tailEnd type="none" w="med" len="med"/>
+                    </a:lnB>
+                    <a:solidFill>
+                      <a:srgbClr val="FFFFFF"/>
+                    </a:solidFill>
+                  </a:tcPr>
+                </a:tc>
+                <a:tc>
+                  <a:txBody>
+                    <a:bodyPr/>
+                    <a:lstStyle/>
+                    <a:p>
+                      <a:pPr algn="r" fontAlgn="b"/>
+                      <a:r>
+                        <a:rPr lang="it-IT" sz="1100" b="0" i="0" u="none" strike="noStrike">
+                          <a:solidFill>
+                            <a:srgbClr val="000000"/>
+                          </a:solidFill>
+                          <a:effectLst/>
+                          <a:latin typeface="Calibri" panose="020F0502020204030204" pitchFamily="34" charset="0"/>
+                        </a:rPr>
+                        <a:t>0,03688</a:t>
+                      </a:r>
+                    </a:p>
+                  </a:txBody>
+                  <a:tcPr marL="7620" marR="7620" marT="7620" marB="0" anchor="b">
+                    <a:lnL w="6350" cap="flat" cmpd="sng" algn="ctr">
+                      <a:solidFill>
+                        <a:srgbClr val="000000"/>
+                      </a:solidFill>
+                      <a:prstDash val="solid"/>
+                      <a:round/>
+                      <a:headEnd type="none" w="med" len="med"/>
+                      <a:tailEnd type="none" w="med" len="med"/>
+                    </a:lnL>
+                    <a:lnR w="6350" cap="flat" cmpd="sng" algn="ctr">
+                      <a:solidFill>
+                        <a:srgbClr val="000000"/>
+                      </a:solidFill>
+                      <a:prstDash val="solid"/>
+                      <a:round/>
+                      <a:headEnd type="none" w="med" len="med"/>
+                      <a:tailEnd type="none" w="med" len="med"/>
+                    </a:lnR>
+                    <a:lnT w="6350" cap="flat" cmpd="sng" algn="ctr">
+                      <a:solidFill>
+                        <a:srgbClr val="000000"/>
+                      </a:solidFill>
+                      <a:prstDash val="solid"/>
+                      <a:round/>
+                      <a:headEnd type="none" w="med" len="med"/>
+                      <a:tailEnd type="none" w="med" len="med"/>
+                    </a:lnT>
+                    <a:lnB w="6350" cap="flat" cmpd="sng" algn="ctr">
+                      <a:solidFill>
+                        <a:srgbClr val="000000"/>
+                      </a:solidFill>
+                      <a:prstDash val="solid"/>
+                      <a:round/>
+                      <a:headEnd type="none" w="med" len="med"/>
+                      <a:tailEnd type="none" w="med" len="med"/>
+                    </a:lnB>
+                    <a:solidFill>
+                      <a:srgbClr val="FFFFFF"/>
+                    </a:solidFill>
+                  </a:tcPr>
+                </a:tc>
+                <a:tc>
+                  <a:txBody>
+                    <a:bodyPr/>
+                    <a:lstStyle/>
+                    <a:p>
+                      <a:pPr algn="r" fontAlgn="b"/>
+                      <a:r>
+                        <a:rPr lang="it-IT" sz="1100" b="0" i="0" u="none" strike="noStrike">
+                          <a:solidFill>
+                            <a:srgbClr val="000000"/>
+                          </a:solidFill>
+                          <a:effectLst/>
+                          <a:latin typeface="Calibri" panose="020F0502020204030204" pitchFamily="34" charset="0"/>
+                        </a:rPr>
+                        <a:t>3</a:t>
+                      </a:r>
+                    </a:p>
+                  </a:txBody>
+                  <a:tcPr marL="7620" marR="7620" marT="7620" marB="0" anchor="b">
+                    <a:lnL w="6350" cap="flat" cmpd="sng" algn="ctr">
+                      <a:solidFill>
+                        <a:srgbClr val="000000"/>
+                      </a:solidFill>
+                      <a:prstDash val="solid"/>
+                      <a:round/>
+                      <a:headEnd type="none" w="med" len="med"/>
+                      <a:tailEnd type="none" w="med" len="med"/>
+                    </a:lnL>
+                    <a:lnR w="6350" cap="flat" cmpd="sng" algn="ctr">
+                      <a:solidFill>
+                        <a:srgbClr val="000000"/>
+                      </a:solidFill>
+                      <a:prstDash val="solid"/>
+                      <a:round/>
+                      <a:headEnd type="none" w="med" len="med"/>
+                      <a:tailEnd type="none" w="med" len="med"/>
+                    </a:lnR>
+                    <a:lnT w="6350" cap="flat" cmpd="sng" algn="ctr">
+                      <a:solidFill>
+                        <a:srgbClr val="000000"/>
+                      </a:solidFill>
+                      <a:prstDash val="solid"/>
+                      <a:round/>
+                      <a:headEnd type="none" w="med" len="med"/>
+                      <a:tailEnd type="none" w="med" len="med"/>
+                    </a:lnT>
+                    <a:lnB w="6350" cap="flat" cmpd="sng" algn="ctr">
+                      <a:solidFill>
+                        <a:srgbClr val="000000"/>
+                      </a:solidFill>
+                      <a:prstDash val="solid"/>
+                      <a:round/>
+                      <a:headEnd type="none" w="med" len="med"/>
+                      <a:tailEnd type="none" w="med" len="med"/>
+                    </a:lnB>
+                    <a:solidFill>
+                      <a:srgbClr val="FFFFFF"/>
+                    </a:solidFill>
+                  </a:tcPr>
+                </a:tc>
+                <a:tc>
+                  <a:txBody>
+                    <a:bodyPr/>
+                    <a:lstStyle/>
+                    <a:p>
+                      <a:pPr algn="r" fontAlgn="b"/>
+                      <a:r>
+                        <a:rPr lang="it-IT" sz="1100" b="0" i="0" u="none" strike="noStrike">
+                          <a:solidFill>
+                            <a:srgbClr val="000000"/>
+                          </a:solidFill>
+                          <a:effectLst/>
+                          <a:latin typeface="Calibri" panose="020F0502020204030204" pitchFamily="34" charset="0"/>
+                        </a:rPr>
+                        <a:t>500</a:t>
+                      </a:r>
+                    </a:p>
+                  </a:txBody>
+                  <a:tcPr marL="7620" marR="7620" marT="7620" marB="0" anchor="b">
+                    <a:lnL w="6350" cap="flat" cmpd="sng" algn="ctr">
+                      <a:solidFill>
+                        <a:srgbClr val="000000"/>
+                      </a:solidFill>
+                      <a:prstDash val="solid"/>
+                      <a:round/>
+                      <a:headEnd type="none" w="med" len="med"/>
+                      <a:tailEnd type="none" w="med" len="med"/>
+                    </a:lnL>
+                    <a:lnR w="6350" cap="flat" cmpd="sng" algn="ctr">
+                      <a:solidFill>
+                        <a:srgbClr val="000000"/>
+                      </a:solidFill>
+                      <a:prstDash val="solid"/>
+                      <a:round/>
+                      <a:headEnd type="none" w="med" len="med"/>
+                      <a:tailEnd type="none" w="med" len="med"/>
+                    </a:lnR>
+                    <a:lnT w="6350" cap="flat" cmpd="sng" algn="ctr">
+                      <a:solidFill>
+                        <a:srgbClr val="000000"/>
+                      </a:solidFill>
+                      <a:prstDash val="solid"/>
+                      <a:round/>
+                      <a:headEnd type="none" w="med" len="med"/>
+                      <a:tailEnd type="none" w="med" len="med"/>
+                    </a:lnT>
+                    <a:lnB w="6350" cap="flat" cmpd="sng" algn="ctr">
+                      <a:solidFill>
+                        <a:srgbClr val="000000"/>
+                      </a:solidFill>
+                      <a:prstDash val="solid"/>
+                      <a:round/>
+                      <a:headEnd type="none" w="med" len="med"/>
+                      <a:tailEnd type="none" w="med" len="med"/>
+                    </a:lnB>
+                    <a:solidFill>
+                      <a:srgbClr val="FFFFFF"/>
+                    </a:solidFill>
+                  </a:tcPr>
+                </a:tc>
+                <a:extLst>
+                  <a:ext uri="{0D108BD9-81ED-4DB2-BD59-A6C34878D82A}">
+                    <a16:rowId xmlns:a16="http://schemas.microsoft.com/office/drawing/2014/main" val="445897646"/>
+                  </a:ext>
+                </a:extLst>
+              </a:tr>
+              <a:tr h="158605">
+                <a:tc>
+                  <a:txBody>
+                    <a:bodyPr/>
+                    <a:lstStyle/>
+                    <a:p>
+                      <a:pPr algn="l" fontAlgn="b"/>
+                      <a:r>
+                        <a:rPr lang="it-IT" sz="1100" b="0" i="0" u="none" strike="noStrike">
+                          <a:solidFill>
+                            <a:srgbClr val="000000"/>
+                          </a:solidFill>
+                          <a:effectLst/>
+                          <a:latin typeface="Calibri" panose="020F0502020204030204" pitchFamily="34" charset="0"/>
+                        </a:rPr>
+                        <a:t>Bond2023 private</a:t>
+                      </a:r>
+                    </a:p>
+                  </a:txBody>
+                  <a:tcPr marL="7620" marR="7620" marT="7620" marB="0" anchor="b">
+                    <a:lnL w="6350" cap="flat" cmpd="sng" algn="ctr">
+                      <a:solidFill>
+                        <a:srgbClr val="000000"/>
+                      </a:solidFill>
+                      <a:prstDash val="solid"/>
+                      <a:round/>
+                      <a:headEnd type="none" w="med" len="med"/>
+                      <a:tailEnd type="none" w="med" len="med"/>
+                    </a:lnL>
+                    <a:lnR w="6350" cap="flat" cmpd="sng" algn="ctr">
+                      <a:solidFill>
+                        <a:srgbClr val="000000"/>
+                      </a:solidFill>
+                      <a:prstDash val="solid"/>
+                      <a:round/>
+                      <a:headEnd type="none" w="med" len="med"/>
+                      <a:tailEnd type="none" w="med" len="med"/>
+                    </a:lnR>
+                    <a:lnT w="6350" cap="flat" cmpd="sng" algn="ctr">
+                      <a:solidFill>
+                        <a:srgbClr val="000000"/>
+                      </a:solidFill>
+                      <a:prstDash val="solid"/>
+                      <a:round/>
+                      <a:headEnd type="none" w="med" len="med"/>
+                      <a:tailEnd type="none" w="med" len="med"/>
+                    </a:lnT>
+                    <a:lnB w="6350" cap="flat" cmpd="sng" algn="ctr">
+                      <a:solidFill>
+                        <a:srgbClr val="000000"/>
+                      </a:solidFill>
+                      <a:prstDash val="solid"/>
+                      <a:round/>
+                      <a:headEnd type="none" w="med" len="med"/>
+                      <a:tailEnd type="none" w="med" len="med"/>
+                    </a:lnB>
+                    <a:solidFill>
+                      <a:srgbClr val="FFFFFF"/>
+                    </a:solidFill>
+                  </a:tcPr>
+                </a:tc>
+                <a:tc>
+                  <a:txBody>
+                    <a:bodyPr/>
+                    <a:lstStyle/>
+                    <a:p>
+                      <a:pPr algn="r" fontAlgn="b"/>
+                      <a:r>
+                        <a:rPr lang="it-IT" sz="1100" b="0" i="0" u="none" strike="noStrike">
+                          <a:solidFill>
+                            <a:srgbClr val="000000"/>
+                          </a:solidFill>
+                          <a:effectLst/>
+                          <a:latin typeface="Calibri" panose="020F0502020204030204" pitchFamily="34" charset="0"/>
+                        </a:rPr>
+                        <a:t>0,04057</a:t>
+                      </a:r>
+                    </a:p>
+                  </a:txBody>
+                  <a:tcPr marL="7620" marR="7620" marT="7620" marB="0" anchor="b">
+                    <a:lnL w="6350" cap="flat" cmpd="sng" algn="ctr">
+                      <a:solidFill>
+                        <a:srgbClr val="000000"/>
+                      </a:solidFill>
+                      <a:prstDash val="solid"/>
+                      <a:round/>
+                      <a:headEnd type="none" w="med" len="med"/>
+                      <a:tailEnd type="none" w="med" len="med"/>
+                    </a:lnL>
+                    <a:lnR w="6350" cap="flat" cmpd="sng" algn="ctr">
+                      <a:solidFill>
+                        <a:srgbClr val="000000"/>
+                      </a:solidFill>
+                      <a:prstDash val="solid"/>
+                      <a:round/>
+                      <a:headEnd type="none" w="med" len="med"/>
+                      <a:tailEnd type="none" w="med" len="med"/>
+                    </a:lnR>
+                    <a:lnT w="6350" cap="flat" cmpd="sng" algn="ctr">
+                      <a:solidFill>
+                        <a:srgbClr val="000000"/>
+                      </a:solidFill>
+                      <a:prstDash val="solid"/>
+                      <a:round/>
+                      <a:headEnd type="none" w="med" len="med"/>
+                      <a:tailEnd type="none" w="med" len="med"/>
+                    </a:lnT>
+                    <a:lnB w="6350" cap="flat" cmpd="sng" algn="ctr">
+                      <a:solidFill>
+                        <a:srgbClr val="000000"/>
+                      </a:solidFill>
+                      <a:prstDash val="solid"/>
+                      <a:round/>
+                      <a:headEnd type="none" w="med" len="med"/>
+                      <a:tailEnd type="none" w="med" len="med"/>
+                    </a:lnB>
+                    <a:solidFill>
+                      <a:srgbClr val="FFFFFF"/>
+                    </a:solidFill>
+                  </a:tcPr>
+                </a:tc>
+                <a:tc>
+                  <a:txBody>
+                    <a:bodyPr/>
+                    <a:lstStyle/>
+                    <a:p>
+                      <a:pPr algn="r" fontAlgn="b"/>
+                      <a:r>
+                        <a:rPr lang="it-IT" sz="1100" b="0" i="0" u="none" strike="noStrike">
+                          <a:solidFill>
+                            <a:srgbClr val="000000"/>
+                          </a:solidFill>
+                          <a:effectLst/>
+                          <a:latin typeface="Calibri" panose="020F0502020204030204" pitchFamily="34" charset="0"/>
+                        </a:rPr>
+                        <a:t>4</a:t>
+                      </a:r>
+                    </a:p>
+                  </a:txBody>
+                  <a:tcPr marL="7620" marR="7620" marT="7620" marB="0" anchor="b">
+                    <a:lnL w="6350" cap="flat" cmpd="sng" algn="ctr">
+                      <a:solidFill>
+                        <a:srgbClr val="000000"/>
+                      </a:solidFill>
+                      <a:prstDash val="solid"/>
+                      <a:round/>
+                      <a:headEnd type="none" w="med" len="med"/>
+                      <a:tailEnd type="none" w="med" len="med"/>
+                    </a:lnL>
+                    <a:lnR w="6350" cap="flat" cmpd="sng" algn="ctr">
+                      <a:solidFill>
+                        <a:srgbClr val="000000"/>
+                      </a:solidFill>
+                      <a:prstDash val="solid"/>
+                      <a:round/>
+                      <a:headEnd type="none" w="med" len="med"/>
+                      <a:tailEnd type="none" w="med" len="med"/>
+                    </a:lnR>
+                    <a:lnT w="6350" cap="flat" cmpd="sng" algn="ctr">
+                      <a:solidFill>
+                        <a:srgbClr val="000000"/>
+                      </a:solidFill>
+                      <a:prstDash val="solid"/>
+                      <a:round/>
+                      <a:headEnd type="none" w="med" len="med"/>
+                      <a:tailEnd type="none" w="med" len="med"/>
+                    </a:lnT>
+                    <a:lnB w="6350" cap="flat" cmpd="sng" algn="ctr">
+                      <a:solidFill>
+                        <a:srgbClr val="000000"/>
+                      </a:solidFill>
+                      <a:prstDash val="solid"/>
+                      <a:round/>
+                      <a:headEnd type="none" w="med" len="med"/>
+                      <a:tailEnd type="none" w="med" len="med"/>
+                    </a:lnB>
+                    <a:solidFill>
+                      <a:srgbClr val="FFFFFF"/>
+                    </a:solidFill>
+                  </a:tcPr>
+                </a:tc>
+                <a:tc>
+                  <a:txBody>
+                    <a:bodyPr/>
+                    <a:lstStyle/>
+                    <a:p>
+                      <a:pPr algn="r" fontAlgn="b"/>
+                      <a:r>
+                        <a:rPr lang="it-IT" sz="1100" b="0" i="0" u="none" strike="noStrike">
+                          <a:solidFill>
+                            <a:srgbClr val="000000"/>
+                          </a:solidFill>
+                          <a:effectLst/>
+                          <a:latin typeface="Calibri" panose="020F0502020204030204" pitchFamily="34" charset="0"/>
+                        </a:rPr>
+                        <a:t>300</a:t>
+                      </a:r>
+                    </a:p>
+                  </a:txBody>
+                  <a:tcPr marL="7620" marR="7620" marT="7620" marB="0" anchor="b">
+                    <a:lnL w="6350" cap="flat" cmpd="sng" algn="ctr">
+                      <a:solidFill>
+                        <a:srgbClr val="000000"/>
+                      </a:solidFill>
+                      <a:prstDash val="solid"/>
+                      <a:round/>
+                      <a:headEnd type="none" w="med" len="med"/>
+                      <a:tailEnd type="none" w="med" len="med"/>
+                    </a:lnL>
+                    <a:lnR w="6350" cap="flat" cmpd="sng" algn="ctr">
+                      <a:solidFill>
+                        <a:srgbClr val="000000"/>
+                      </a:solidFill>
+                      <a:prstDash val="solid"/>
+                      <a:round/>
+                      <a:headEnd type="none" w="med" len="med"/>
+                      <a:tailEnd type="none" w="med" len="med"/>
+                    </a:lnR>
+                    <a:lnT w="6350" cap="flat" cmpd="sng" algn="ctr">
+                      <a:solidFill>
+                        <a:srgbClr val="000000"/>
+                      </a:solidFill>
+                      <a:prstDash val="solid"/>
+                      <a:round/>
+                      <a:headEnd type="none" w="med" len="med"/>
+                      <a:tailEnd type="none" w="med" len="med"/>
+                    </a:lnT>
+                    <a:lnB w="6350" cap="flat" cmpd="sng" algn="ctr">
+                      <a:solidFill>
+                        <a:srgbClr val="000000"/>
+                      </a:solidFill>
+                      <a:prstDash val="solid"/>
+                      <a:round/>
+                      <a:headEnd type="none" w="med" len="med"/>
+                      <a:tailEnd type="none" w="med" len="med"/>
+                    </a:lnB>
+                    <a:solidFill>
+                      <a:srgbClr val="FFFFFF"/>
+                    </a:solidFill>
+                  </a:tcPr>
+                </a:tc>
+                <a:extLst>
+                  <a:ext uri="{0D108BD9-81ED-4DB2-BD59-A6C34878D82A}">
+                    <a16:rowId xmlns:a16="http://schemas.microsoft.com/office/drawing/2014/main" val="2733381021"/>
+                  </a:ext>
+                </a:extLst>
+              </a:tr>
+              <a:tr h="158605">
+                <a:tc>
+                  <a:txBody>
+                    <a:bodyPr/>
+                    <a:lstStyle/>
+                    <a:p>
+                      <a:pPr algn="l" fontAlgn="b"/>
+                      <a:r>
+                        <a:rPr lang="it-IT" sz="1100" b="0" i="0" u="none" strike="noStrike">
+                          <a:solidFill>
+                            <a:srgbClr val="000000"/>
+                          </a:solidFill>
+                          <a:effectLst/>
+                          <a:latin typeface="Calibri" panose="020F0502020204030204" pitchFamily="34" charset="0"/>
+                        </a:rPr>
+                        <a:t>Bond2024 private </a:t>
+                      </a:r>
+                    </a:p>
+                  </a:txBody>
+                  <a:tcPr marL="7620" marR="7620" marT="7620" marB="0" anchor="b">
+                    <a:lnL w="6350" cap="flat" cmpd="sng" algn="ctr">
+                      <a:solidFill>
+                        <a:srgbClr val="000000"/>
+                      </a:solidFill>
+                      <a:prstDash val="solid"/>
+                      <a:round/>
+                      <a:headEnd type="none" w="med" len="med"/>
+                      <a:tailEnd type="none" w="med" len="med"/>
+                    </a:lnL>
+                    <a:lnR w="6350" cap="flat" cmpd="sng" algn="ctr">
+                      <a:solidFill>
+                        <a:srgbClr val="000000"/>
+                      </a:solidFill>
+                      <a:prstDash val="solid"/>
+                      <a:round/>
+                      <a:headEnd type="none" w="med" len="med"/>
+                      <a:tailEnd type="none" w="med" len="med"/>
+                    </a:lnR>
+                    <a:lnT w="6350" cap="flat" cmpd="sng" algn="ctr">
+                      <a:solidFill>
+                        <a:srgbClr val="000000"/>
+                      </a:solidFill>
+                      <a:prstDash val="solid"/>
+                      <a:round/>
+                      <a:headEnd type="none" w="med" len="med"/>
+                      <a:tailEnd type="none" w="med" len="med"/>
+                    </a:lnT>
+                    <a:lnB w="6350" cap="flat" cmpd="sng" algn="ctr">
+                      <a:solidFill>
+                        <a:srgbClr val="000000"/>
+                      </a:solidFill>
+                      <a:prstDash val="solid"/>
+                      <a:round/>
+                      <a:headEnd type="none" w="med" len="med"/>
+                      <a:tailEnd type="none" w="med" len="med"/>
+                    </a:lnB>
+                    <a:solidFill>
+                      <a:srgbClr val="FFFFFF"/>
+                    </a:solidFill>
+                  </a:tcPr>
+                </a:tc>
+                <a:tc>
+                  <a:txBody>
+                    <a:bodyPr/>
+                    <a:lstStyle/>
+                    <a:p>
+                      <a:pPr algn="r" fontAlgn="b"/>
+                      <a:r>
+                        <a:rPr lang="it-IT" sz="1100" b="0" i="0" u="none" strike="noStrike" dirty="0">
+                          <a:solidFill>
+                            <a:srgbClr val="000000"/>
+                          </a:solidFill>
+                          <a:effectLst/>
+                          <a:latin typeface="Calibri" panose="020F0502020204030204" pitchFamily="34" charset="0"/>
+                        </a:rPr>
+                        <a:t>0,01284</a:t>
+                      </a:r>
+                    </a:p>
+                  </a:txBody>
+                  <a:tcPr marL="7620" marR="7620" marT="7620" marB="0" anchor="b">
+                    <a:lnL w="6350" cap="flat" cmpd="sng" algn="ctr">
+                      <a:solidFill>
+                        <a:srgbClr val="000000"/>
+                      </a:solidFill>
+                      <a:prstDash val="solid"/>
+                      <a:round/>
+                      <a:headEnd type="none" w="med" len="med"/>
+                      <a:tailEnd type="none" w="med" len="med"/>
+                    </a:lnL>
+                    <a:lnR w="6350" cap="flat" cmpd="sng" algn="ctr">
+                      <a:solidFill>
+                        <a:srgbClr val="000000"/>
+                      </a:solidFill>
+                      <a:prstDash val="solid"/>
+                      <a:round/>
+                      <a:headEnd type="none" w="med" len="med"/>
+                      <a:tailEnd type="none" w="med" len="med"/>
+                    </a:lnR>
+                    <a:lnT w="6350" cap="flat" cmpd="sng" algn="ctr">
+                      <a:solidFill>
+                        <a:srgbClr val="000000"/>
+                      </a:solidFill>
+                      <a:prstDash val="solid"/>
+                      <a:round/>
+                      <a:headEnd type="none" w="med" len="med"/>
+                      <a:tailEnd type="none" w="med" len="med"/>
+                    </a:lnT>
+                    <a:lnB w="6350" cap="flat" cmpd="sng" algn="ctr">
+                      <a:solidFill>
+                        <a:srgbClr val="000000"/>
+                      </a:solidFill>
+                      <a:prstDash val="solid"/>
+                      <a:round/>
+                      <a:headEnd type="none" w="med" len="med"/>
+                      <a:tailEnd type="none" w="med" len="med"/>
+                    </a:lnB>
+                    <a:solidFill>
+                      <a:srgbClr val="FFFFFF"/>
+                    </a:solidFill>
+                  </a:tcPr>
+                </a:tc>
+                <a:tc>
+                  <a:txBody>
+                    <a:bodyPr/>
+                    <a:lstStyle/>
+                    <a:p>
+                      <a:pPr algn="r" fontAlgn="b"/>
+                      <a:r>
+                        <a:rPr lang="it-IT" sz="1100" b="0" i="0" u="none" strike="noStrike">
+                          <a:solidFill>
+                            <a:srgbClr val="000000"/>
+                          </a:solidFill>
+                          <a:effectLst/>
+                          <a:latin typeface="Calibri" panose="020F0502020204030204" pitchFamily="34" charset="0"/>
+                        </a:rPr>
+                        <a:t>5</a:t>
+                      </a:r>
+                    </a:p>
+                  </a:txBody>
+                  <a:tcPr marL="7620" marR="7620" marT="7620" marB="0" anchor="b">
+                    <a:lnL w="6350" cap="flat" cmpd="sng" algn="ctr">
+                      <a:solidFill>
+                        <a:srgbClr val="000000"/>
+                      </a:solidFill>
+                      <a:prstDash val="solid"/>
+                      <a:round/>
+                      <a:headEnd type="none" w="med" len="med"/>
+                      <a:tailEnd type="none" w="med" len="med"/>
+                    </a:lnL>
+                    <a:lnR w="6350" cap="flat" cmpd="sng" algn="ctr">
+                      <a:solidFill>
+                        <a:srgbClr val="000000"/>
+                      </a:solidFill>
+                      <a:prstDash val="solid"/>
+                      <a:round/>
+                      <a:headEnd type="none" w="med" len="med"/>
+                      <a:tailEnd type="none" w="med" len="med"/>
+                    </a:lnR>
+                    <a:lnT w="6350" cap="flat" cmpd="sng" algn="ctr">
+                      <a:solidFill>
+                        <a:srgbClr val="000000"/>
+                      </a:solidFill>
+                      <a:prstDash val="solid"/>
+                      <a:round/>
+                      <a:headEnd type="none" w="med" len="med"/>
+                      <a:tailEnd type="none" w="med" len="med"/>
+                    </a:lnT>
+                    <a:lnB w="6350" cap="flat" cmpd="sng" algn="ctr">
+                      <a:solidFill>
+                        <a:srgbClr val="000000"/>
+                      </a:solidFill>
+                      <a:prstDash val="solid"/>
+                      <a:round/>
+                      <a:headEnd type="none" w="med" len="med"/>
+                      <a:tailEnd type="none" w="med" len="med"/>
+                    </a:lnB>
+                    <a:solidFill>
+                      <a:srgbClr val="FFFFFF"/>
+                    </a:solidFill>
+                  </a:tcPr>
+                </a:tc>
+                <a:tc>
+                  <a:txBody>
+                    <a:bodyPr/>
+                    <a:lstStyle/>
+                    <a:p>
+                      <a:pPr algn="r" fontAlgn="b"/>
+                      <a:r>
+                        <a:rPr lang="it-IT" sz="1100" b="0" i="0" u="none" strike="noStrike">
+                          <a:solidFill>
+                            <a:srgbClr val="000000"/>
+                          </a:solidFill>
+                          <a:effectLst/>
+                          <a:latin typeface="Calibri" panose="020F0502020204030204" pitchFamily="34" charset="0"/>
+                        </a:rPr>
+                        <a:t>300</a:t>
+                      </a:r>
+                    </a:p>
+                  </a:txBody>
+                  <a:tcPr marL="7620" marR="7620" marT="7620" marB="0" anchor="b">
+                    <a:lnL w="6350" cap="flat" cmpd="sng" algn="ctr">
+                      <a:solidFill>
+                        <a:srgbClr val="000000"/>
+                      </a:solidFill>
+                      <a:prstDash val="solid"/>
+                      <a:round/>
+                      <a:headEnd type="none" w="med" len="med"/>
+                      <a:tailEnd type="none" w="med" len="med"/>
+                    </a:lnL>
+                    <a:lnR w="6350" cap="flat" cmpd="sng" algn="ctr">
+                      <a:solidFill>
+                        <a:srgbClr val="000000"/>
+                      </a:solidFill>
+                      <a:prstDash val="solid"/>
+                      <a:round/>
+                      <a:headEnd type="none" w="med" len="med"/>
+                      <a:tailEnd type="none" w="med" len="med"/>
+                    </a:lnR>
+                    <a:lnT w="6350" cap="flat" cmpd="sng" algn="ctr">
+                      <a:solidFill>
+                        <a:srgbClr val="000000"/>
+                      </a:solidFill>
+                      <a:prstDash val="solid"/>
+                      <a:round/>
+                      <a:headEnd type="none" w="med" len="med"/>
+                      <a:tailEnd type="none" w="med" len="med"/>
+                    </a:lnT>
+                    <a:lnB w="6350" cap="flat" cmpd="sng" algn="ctr">
+                      <a:solidFill>
+                        <a:srgbClr val="000000"/>
+                      </a:solidFill>
+                      <a:prstDash val="solid"/>
+                      <a:round/>
+                      <a:headEnd type="none" w="med" len="med"/>
+                      <a:tailEnd type="none" w="med" len="med"/>
+                    </a:lnB>
+                    <a:solidFill>
+                      <a:srgbClr val="FFFFFF"/>
+                    </a:solidFill>
+                  </a:tcPr>
+                </a:tc>
+                <a:extLst>
+                  <a:ext uri="{0D108BD9-81ED-4DB2-BD59-A6C34878D82A}">
+                    <a16:rowId xmlns:a16="http://schemas.microsoft.com/office/drawing/2014/main" val="1237175842"/>
+                  </a:ext>
+                </a:extLst>
+              </a:tr>
+              <a:tr h="158605">
+                <a:tc>
+                  <a:txBody>
+                    <a:bodyPr/>
+                    <a:lstStyle/>
+                    <a:p>
+                      <a:pPr algn="l" fontAlgn="b"/>
+                      <a:r>
+                        <a:rPr lang="it-IT" sz="1100" b="0" i="0" u="none" strike="noStrike">
+                          <a:solidFill>
+                            <a:srgbClr val="000000"/>
+                          </a:solidFill>
+                          <a:effectLst/>
+                          <a:latin typeface="Calibri" panose="020F0502020204030204" pitchFamily="34" charset="0"/>
+                        </a:rPr>
+                        <a:t>Bond2025</a:t>
+                      </a:r>
+                    </a:p>
+                  </a:txBody>
+                  <a:tcPr marL="7620" marR="7620" marT="7620" marB="0" anchor="b">
+                    <a:lnL w="6350" cap="flat" cmpd="sng" algn="ctr">
+                      <a:solidFill>
+                        <a:srgbClr val="000000"/>
+                      </a:solidFill>
+                      <a:prstDash val="solid"/>
+                      <a:round/>
+                      <a:headEnd type="none" w="med" len="med"/>
+                      <a:tailEnd type="none" w="med" len="med"/>
+                    </a:lnL>
+                    <a:lnR w="6350" cap="flat" cmpd="sng" algn="ctr">
+                      <a:solidFill>
+                        <a:srgbClr val="000000"/>
+                      </a:solidFill>
+                      <a:prstDash val="solid"/>
+                      <a:round/>
+                      <a:headEnd type="none" w="med" len="med"/>
+                      <a:tailEnd type="none" w="med" len="med"/>
+                    </a:lnR>
+                    <a:lnT w="6350" cap="flat" cmpd="sng" algn="ctr">
+                      <a:solidFill>
+                        <a:srgbClr val="000000"/>
+                      </a:solidFill>
+                      <a:prstDash val="solid"/>
+                      <a:round/>
+                      <a:headEnd type="none" w="med" len="med"/>
+                      <a:tailEnd type="none" w="med" len="med"/>
+                    </a:lnT>
+                    <a:lnB w="6350" cap="flat" cmpd="sng" algn="ctr">
+                      <a:solidFill>
+                        <a:srgbClr val="000000"/>
+                      </a:solidFill>
+                      <a:prstDash val="solid"/>
+                      <a:round/>
+                      <a:headEnd type="none" w="med" len="med"/>
+                      <a:tailEnd type="none" w="med" len="med"/>
+                    </a:lnB>
+                    <a:solidFill>
+                      <a:srgbClr val="FFFFFF"/>
+                    </a:solidFill>
+                  </a:tcPr>
+                </a:tc>
+                <a:tc>
+                  <a:txBody>
+                    <a:bodyPr/>
+                    <a:lstStyle/>
+                    <a:p>
+                      <a:pPr algn="r" fontAlgn="b"/>
+                      <a:r>
+                        <a:rPr lang="it-IT" sz="1100" b="0" i="0" u="none" strike="noStrike">
+                          <a:solidFill>
+                            <a:srgbClr val="000000"/>
+                          </a:solidFill>
+                          <a:effectLst/>
+                          <a:latin typeface="Calibri" panose="020F0502020204030204" pitchFamily="34" charset="0"/>
+                        </a:rPr>
+                        <a:t>0,01836</a:t>
+                      </a:r>
+                    </a:p>
+                  </a:txBody>
+                  <a:tcPr marL="7620" marR="7620" marT="7620" marB="0" anchor="b">
+                    <a:lnL w="6350" cap="flat" cmpd="sng" algn="ctr">
+                      <a:solidFill>
+                        <a:srgbClr val="000000"/>
+                      </a:solidFill>
+                      <a:prstDash val="solid"/>
+                      <a:round/>
+                      <a:headEnd type="none" w="med" len="med"/>
+                      <a:tailEnd type="none" w="med" len="med"/>
+                    </a:lnL>
+                    <a:lnR w="6350" cap="flat" cmpd="sng" algn="ctr">
+                      <a:solidFill>
+                        <a:srgbClr val="000000"/>
+                      </a:solidFill>
+                      <a:prstDash val="solid"/>
+                      <a:round/>
+                      <a:headEnd type="none" w="med" len="med"/>
+                      <a:tailEnd type="none" w="med" len="med"/>
+                    </a:lnR>
+                    <a:lnT w="6350" cap="flat" cmpd="sng" algn="ctr">
+                      <a:solidFill>
+                        <a:srgbClr val="000000"/>
+                      </a:solidFill>
+                      <a:prstDash val="solid"/>
+                      <a:round/>
+                      <a:headEnd type="none" w="med" len="med"/>
+                      <a:tailEnd type="none" w="med" len="med"/>
+                    </a:lnT>
+                    <a:lnB w="6350" cap="flat" cmpd="sng" algn="ctr">
+                      <a:solidFill>
+                        <a:srgbClr val="000000"/>
+                      </a:solidFill>
+                      <a:prstDash val="solid"/>
+                      <a:round/>
+                      <a:headEnd type="none" w="med" len="med"/>
+                      <a:tailEnd type="none" w="med" len="med"/>
+                    </a:lnB>
+                    <a:solidFill>
+                      <a:srgbClr val="FFFFFF"/>
+                    </a:solidFill>
+                  </a:tcPr>
+                </a:tc>
+                <a:tc>
+                  <a:txBody>
+                    <a:bodyPr/>
+                    <a:lstStyle/>
+                    <a:p>
+                      <a:pPr algn="r" fontAlgn="b"/>
+                      <a:r>
+                        <a:rPr lang="it-IT" sz="1100" b="0" i="0" u="none" strike="noStrike">
+                          <a:solidFill>
+                            <a:srgbClr val="000000"/>
+                          </a:solidFill>
+                          <a:effectLst/>
+                          <a:latin typeface="Calibri" panose="020F0502020204030204" pitchFamily="34" charset="0"/>
+                        </a:rPr>
+                        <a:t>6</a:t>
+                      </a:r>
+                    </a:p>
+                  </a:txBody>
+                  <a:tcPr marL="7620" marR="7620" marT="7620" marB="0" anchor="b">
+                    <a:lnL w="6350" cap="flat" cmpd="sng" algn="ctr">
+                      <a:solidFill>
+                        <a:srgbClr val="000000"/>
+                      </a:solidFill>
+                      <a:prstDash val="solid"/>
+                      <a:round/>
+                      <a:headEnd type="none" w="med" len="med"/>
+                      <a:tailEnd type="none" w="med" len="med"/>
+                    </a:lnL>
+                    <a:lnR w="6350" cap="flat" cmpd="sng" algn="ctr">
+                      <a:solidFill>
+                        <a:srgbClr val="000000"/>
+                      </a:solidFill>
+                      <a:prstDash val="solid"/>
+                      <a:round/>
+                      <a:headEnd type="none" w="med" len="med"/>
+                      <a:tailEnd type="none" w="med" len="med"/>
+                    </a:lnR>
+                    <a:lnT w="6350" cap="flat" cmpd="sng" algn="ctr">
+                      <a:solidFill>
+                        <a:srgbClr val="000000"/>
+                      </a:solidFill>
+                      <a:prstDash val="solid"/>
+                      <a:round/>
+                      <a:headEnd type="none" w="med" len="med"/>
+                      <a:tailEnd type="none" w="med" len="med"/>
+                    </a:lnT>
+                    <a:lnB w="6350" cap="flat" cmpd="sng" algn="ctr">
+                      <a:solidFill>
+                        <a:srgbClr val="000000"/>
+                      </a:solidFill>
+                      <a:prstDash val="solid"/>
+                      <a:round/>
+                      <a:headEnd type="none" w="med" len="med"/>
+                      <a:tailEnd type="none" w="med" len="med"/>
+                    </a:lnB>
+                    <a:solidFill>
+                      <a:srgbClr val="FFFFFF"/>
+                    </a:solidFill>
+                  </a:tcPr>
+                </a:tc>
+                <a:tc>
+                  <a:txBody>
+                    <a:bodyPr/>
+                    <a:lstStyle/>
+                    <a:p>
+                      <a:pPr algn="r" fontAlgn="b"/>
+                      <a:r>
+                        <a:rPr lang="it-IT" sz="1100" b="0" i="0" u="none" strike="noStrike">
+                          <a:solidFill>
+                            <a:srgbClr val="000000"/>
+                          </a:solidFill>
+                          <a:effectLst/>
+                          <a:latin typeface="Calibri" panose="020F0502020204030204" pitchFamily="34" charset="0"/>
+                        </a:rPr>
+                        <a:t>300</a:t>
+                      </a:r>
+                    </a:p>
+                  </a:txBody>
+                  <a:tcPr marL="7620" marR="7620" marT="7620" marB="0" anchor="b">
+                    <a:lnL w="6350" cap="flat" cmpd="sng" algn="ctr">
+                      <a:solidFill>
+                        <a:srgbClr val="000000"/>
+                      </a:solidFill>
+                      <a:prstDash val="solid"/>
+                      <a:round/>
+                      <a:headEnd type="none" w="med" len="med"/>
+                      <a:tailEnd type="none" w="med" len="med"/>
+                    </a:lnL>
+                    <a:lnR w="6350" cap="flat" cmpd="sng" algn="ctr">
+                      <a:solidFill>
+                        <a:srgbClr val="000000"/>
+                      </a:solidFill>
+                      <a:prstDash val="solid"/>
+                      <a:round/>
+                      <a:headEnd type="none" w="med" len="med"/>
+                      <a:tailEnd type="none" w="med" len="med"/>
+                    </a:lnR>
+                    <a:lnT w="6350" cap="flat" cmpd="sng" algn="ctr">
+                      <a:solidFill>
+                        <a:srgbClr val="000000"/>
+                      </a:solidFill>
+                      <a:prstDash val="solid"/>
+                      <a:round/>
+                      <a:headEnd type="none" w="med" len="med"/>
+                      <a:tailEnd type="none" w="med" len="med"/>
+                    </a:lnT>
+                    <a:lnB w="6350" cap="flat" cmpd="sng" algn="ctr">
+                      <a:solidFill>
+                        <a:srgbClr val="000000"/>
+                      </a:solidFill>
+                      <a:prstDash val="solid"/>
+                      <a:round/>
+                      <a:headEnd type="none" w="med" len="med"/>
+                      <a:tailEnd type="none" w="med" len="med"/>
+                    </a:lnB>
+                    <a:solidFill>
+                      <a:srgbClr val="FFFFFF"/>
+                    </a:solidFill>
+                  </a:tcPr>
+                </a:tc>
+                <a:extLst>
+                  <a:ext uri="{0D108BD9-81ED-4DB2-BD59-A6C34878D82A}">
+                    <a16:rowId xmlns:a16="http://schemas.microsoft.com/office/drawing/2014/main" val="3763002579"/>
+                  </a:ext>
+                </a:extLst>
+              </a:tr>
+              <a:tr h="158605">
+                <a:tc>
+                  <a:txBody>
+                    <a:bodyPr/>
+                    <a:lstStyle/>
+                    <a:p>
+                      <a:pPr algn="l" fontAlgn="b"/>
+                      <a:r>
+                        <a:rPr lang="it-IT" sz="1100" b="0" i="0" u="none" strike="noStrike">
+                          <a:solidFill>
+                            <a:srgbClr val="000000"/>
+                          </a:solidFill>
+                          <a:effectLst/>
+                          <a:latin typeface="Calibri" panose="020F0502020204030204" pitchFamily="34" charset="0"/>
+                        </a:rPr>
+                        <a:t>bond2027</a:t>
+                      </a:r>
+                    </a:p>
+                  </a:txBody>
+                  <a:tcPr marL="7620" marR="7620" marT="7620" marB="0" anchor="b">
+                    <a:lnL w="6350" cap="flat" cmpd="sng" algn="ctr">
+                      <a:solidFill>
+                        <a:srgbClr val="000000"/>
+                      </a:solidFill>
+                      <a:prstDash val="solid"/>
+                      <a:round/>
+                      <a:headEnd type="none" w="med" len="med"/>
+                      <a:tailEnd type="none" w="med" len="med"/>
+                    </a:lnL>
+                    <a:lnR w="6350" cap="flat" cmpd="sng" algn="ctr">
+                      <a:solidFill>
+                        <a:srgbClr val="000000"/>
+                      </a:solidFill>
+                      <a:prstDash val="solid"/>
+                      <a:round/>
+                      <a:headEnd type="none" w="med" len="med"/>
+                      <a:tailEnd type="none" w="med" len="med"/>
+                    </a:lnR>
+                    <a:lnT w="6350" cap="flat" cmpd="sng" algn="ctr">
+                      <a:solidFill>
+                        <a:srgbClr val="000000"/>
+                      </a:solidFill>
+                      <a:prstDash val="solid"/>
+                      <a:round/>
+                      <a:headEnd type="none" w="med" len="med"/>
+                      <a:tailEnd type="none" w="med" len="med"/>
+                    </a:lnT>
+                    <a:lnB w="6350" cap="flat" cmpd="sng" algn="ctr">
+                      <a:solidFill>
+                        <a:srgbClr val="000000"/>
+                      </a:solidFill>
+                      <a:prstDash val="solid"/>
+                      <a:round/>
+                      <a:headEnd type="none" w="med" len="med"/>
+                      <a:tailEnd type="none" w="med" len="med"/>
+                    </a:lnB>
+                    <a:solidFill>
+                      <a:srgbClr val="FFFFFF"/>
+                    </a:solidFill>
+                  </a:tcPr>
+                </a:tc>
+                <a:tc>
+                  <a:txBody>
+                    <a:bodyPr/>
+                    <a:lstStyle/>
+                    <a:p>
+                      <a:pPr algn="r" fontAlgn="b"/>
+                      <a:r>
+                        <a:rPr lang="it-IT" sz="1100" b="0" i="0" u="none" strike="noStrike">
+                          <a:solidFill>
+                            <a:srgbClr val="000000"/>
+                          </a:solidFill>
+                          <a:effectLst/>
+                          <a:latin typeface="Calibri" panose="020F0502020204030204" pitchFamily="34" charset="0"/>
+                        </a:rPr>
+                        <a:t>0,01768</a:t>
+                      </a:r>
+                    </a:p>
+                  </a:txBody>
+                  <a:tcPr marL="7620" marR="7620" marT="7620" marB="0" anchor="b">
+                    <a:lnL w="6350" cap="flat" cmpd="sng" algn="ctr">
+                      <a:solidFill>
+                        <a:srgbClr val="000000"/>
+                      </a:solidFill>
+                      <a:prstDash val="solid"/>
+                      <a:round/>
+                      <a:headEnd type="none" w="med" len="med"/>
+                      <a:tailEnd type="none" w="med" len="med"/>
+                    </a:lnL>
+                    <a:lnR w="6350" cap="flat" cmpd="sng" algn="ctr">
+                      <a:solidFill>
+                        <a:srgbClr val="000000"/>
+                      </a:solidFill>
+                      <a:prstDash val="solid"/>
+                      <a:round/>
+                      <a:headEnd type="none" w="med" len="med"/>
+                      <a:tailEnd type="none" w="med" len="med"/>
+                    </a:lnR>
+                    <a:lnT w="6350" cap="flat" cmpd="sng" algn="ctr">
+                      <a:solidFill>
+                        <a:srgbClr val="000000"/>
+                      </a:solidFill>
+                      <a:prstDash val="solid"/>
+                      <a:round/>
+                      <a:headEnd type="none" w="med" len="med"/>
+                      <a:tailEnd type="none" w="med" len="med"/>
+                    </a:lnT>
+                    <a:lnB w="6350" cap="flat" cmpd="sng" algn="ctr">
+                      <a:solidFill>
+                        <a:srgbClr val="000000"/>
+                      </a:solidFill>
+                      <a:prstDash val="solid"/>
+                      <a:round/>
+                      <a:headEnd type="none" w="med" len="med"/>
+                      <a:tailEnd type="none" w="med" len="med"/>
+                    </a:lnB>
+                    <a:solidFill>
+                      <a:srgbClr val="FFFFFF"/>
+                    </a:solidFill>
+                  </a:tcPr>
+                </a:tc>
+                <a:tc>
+                  <a:txBody>
+                    <a:bodyPr/>
+                    <a:lstStyle/>
+                    <a:p>
+                      <a:pPr algn="r" fontAlgn="b"/>
+                      <a:r>
+                        <a:rPr lang="it-IT" sz="1100" b="0" i="0" u="none" strike="noStrike">
+                          <a:solidFill>
+                            <a:srgbClr val="000000"/>
+                          </a:solidFill>
+                          <a:effectLst/>
+                          <a:latin typeface="Calibri" panose="020F0502020204030204" pitchFamily="34" charset="0"/>
+                        </a:rPr>
+                        <a:t>8</a:t>
+                      </a:r>
+                    </a:p>
+                  </a:txBody>
+                  <a:tcPr marL="7620" marR="7620" marT="7620" marB="0" anchor="b">
+                    <a:lnL w="6350" cap="flat" cmpd="sng" algn="ctr">
+                      <a:solidFill>
+                        <a:srgbClr val="000000"/>
+                      </a:solidFill>
+                      <a:prstDash val="solid"/>
+                      <a:round/>
+                      <a:headEnd type="none" w="med" len="med"/>
+                      <a:tailEnd type="none" w="med" len="med"/>
+                    </a:lnL>
+                    <a:lnR w="6350" cap="flat" cmpd="sng" algn="ctr">
+                      <a:solidFill>
+                        <a:srgbClr val="000000"/>
+                      </a:solidFill>
+                      <a:prstDash val="solid"/>
+                      <a:round/>
+                      <a:headEnd type="none" w="med" len="med"/>
+                      <a:tailEnd type="none" w="med" len="med"/>
+                    </a:lnR>
+                    <a:lnT w="6350" cap="flat" cmpd="sng" algn="ctr">
+                      <a:solidFill>
+                        <a:srgbClr val="000000"/>
+                      </a:solidFill>
+                      <a:prstDash val="solid"/>
+                      <a:round/>
+                      <a:headEnd type="none" w="med" len="med"/>
+                      <a:tailEnd type="none" w="med" len="med"/>
+                    </a:lnT>
+                    <a:lnB w="6350" cap="flat" cmpd="sng" algn="ctr">
+                      <a:solidFill>
+                        <a:srgbClr val="000000"/>
+                      </a:solidFill>
+                      <a:prstDash val="solid"/>
+                      <a:round/>
+                      <a:headEnd type="none" w="med" len="med"/>
+                      <a:tailEnd type="none" w="med" len="med"/>
+                    </a:lnB>
+                    <a:solidFill>
+                      <a:srgbClr val="FFFFFF"/>
+                    </a:solidFill>
+                  </a:tcPr>
+                </a:tc>
+                <a:tc>
+                  <a:txBody>
+                    <a:bodyPr/>
+                    <a:lstStyle/>
+                    <a:p>
+                      <a:pPr algn="r" fontAlgn="b"/>
+                      <a:r>
+                        <a:rPr lang="it-IT" sz="1100" b="0" i="0" u="none" strike="noStrike">
+                          <a:solidFill>
+                            <a:srgbClr val="000000"/>
+                          </a:solidFill>
+                          <a:effectLst/>
+                          <a:latin typeface="Calibri" panose="020F0502020204030204" pitchFamily="34" charset="0"/>
+                        </a:rPr>
+                        <a:t>300</a:t>
+                      </a:r>
+                    </a:p>
+                  </a:txBody>
+                  <a:tcPr marL="7620" marR="7620" marT="7620" marB="0" anchor="b">
+                    <a:lnL w="6350" cap="flat" cmpd="sng" algn="ctr">
+                      <a:solidFill>
+                        <a:srgbClr val="000000"/>
+                      </a:solidFill>
+                      <a:prstDash val="solid"/>
+                      <a:round/>
+                      <a:headEnd type="none" w="med" len="med"/>
+                      <a:tailEnd type="none" w="med" len="med"/>
+                    </a:lnL>
+                    <a:lnR w="6350" cap="flat" cmpd="sng" algn="ctr">
+                      <a:solidFill>
+                        <a:srgbClr val="000000"/>
+                      </a:solidFill>
+                      <a:prstDash val="solid"/>
+                      <a:round/>
+                      <a:headEnd type="none" w="med" len="med"/>
+                      <a:tailEnd type="none" w="med" len="med"/>
+                    </a:lnR>
+                    <a:lnT w="6350" cap="flat" cmpd="sng" algn="ctr">
+                      <a:solidFill>
+                        <a:srgbClr val="000000"/>
+                      </a:solidFill>
+                      <a:prstDash val="solid"/>
+                      <a:round/>
+                      <a:headEnd type="none" w="med" len="med"/>
+                      <a:tailEnd type="none" w="med" len="med"/>
+                    </a:lnT>
+                    <a:lnB w="6350" cap="flat" cmpd="sng" algn="ctr">
+                      <a:solidFill>
+                        <a:srgbClr val="000000"/>
+                      </a:solidFill>
+                      <a:prstDash val="solid"/>
+                      <a:round/>
+                      <a:headEnd type="none" w="med" len="med"/>
+                      <a:tailEnd type="none" w="med" len="med"/>
+                    </a:lnB>
+                    <a:solidFill>
+                      <a:srgbClr val="FFFFFF"/>
+                    </a:solidFill>
+                  </a:tcPr>
+                </a:tc>
+                <a:extLst>
+                  <a:ext uri="{0D108BD9-81ED-4DB2-BD59-A6C34878D82A}">
+                    <a16:rowId xmlns:a16="http://schemas.microsoft.com/office/drawing/2014/main" val="1726746720"/>
+                  </a:ext>
+                </a:extLst>
+              </a:tr>
+              <a:tr h="158605">
+                <a:tc>
+                  <a:txBody>
+                    <a:bodyPr/>
+                    <a:lstStyle/>
+                    <a:p>
+                      <a:pPr algn="l" fontAlgn="b"/>
+                      <a:r>
+                        <a:rPr lang="it-IT" sz="1100" b="0" i="0" u="none" strike="noStrike">
+                          <a:solidFill>
+                            <a:srgbClr val="000000"/>
+                          </a:solidFill>
+                          <a:effectLst/>
+                          <a:latin typeface="Calibri" panose="020F0502020204030204" pitchFamily="34" charset="0"/>
+                        </a:rPr>
+                        <a:t>bond2029</a:t>
+                      </a:r>
+                    </a:p>
+                  </a:txBody>
+                  <a:tcPr marL="7620" marR="7620" marT="7620" marB="0" anchor="b">
+                    <a:lnL w="6350" cap="flat" cmpd="sng" algn="ctr">
+                      <a:solidFill>
+                        <a:srgbClr val="000000"/>
+                      </a:solidFill>
+                      <a:prstDash val="solid"/>
+                      <a:round/>
+                      <a:headEnd type="none" w="med" len="med"/>
+                      <a:tailEnd type="none" w="med" len="med"/>
+                    </a:lnL>
+                    <a:lnR w="6350" cap="flat" cmpd="sng" algn="ctr">
+                      <a:solidFill>
+                        <a:srgbClr val="000000"/>
+                      </a:solidFill>
+                      <a:prstDash val="solid"/>
+                      <a:round/>
+                      <a:headEnd type="none" w="med" len="med"/>
+                      <a:tailEnd type="none" w="med" len="med"/>
+                    </a:lnR>
+                    <a:lnT w="6350" cap="flat" cmpd="sng" algn="ctr">
+                      <a:solidFill>
+                        <a:srgbClr val="000000"/>
+                      </a:solidFill>
+                      <a:prstDash val="solid"/>
+                      <a:round/>
+                      <a:headEnd type="none" w="med" len="med"/>
+                      <a:tailEnd type="none" w="med" len="med"/>
+                    </a:lnT>
+                    <a:lnB w="6350" cap="flat" cmpd="sng" algn="ctr">
+                      <a:solidFill>
+                        <a:srgbClr val="000000"/>
+                      </a:solidFill>
+                      <a:prstDash val="solid"/>
+                      <a:round/>
+                      <a:headEnd type="none" w="med" len="med"/>
+                      <a:tailEnd type="none" w="med" len="med"/>
+                    </a:lnB>
+                    <a:solidFill>
+                      <a:srgbClr val="FFFFFF"/>
+                    </a:solidFill>
+                  </a:tcPr>
+                </a:tc>
+                <a:tc>
+                  <a:txBody>
+                    <a:bodyPr/>
+                    <a:lstStyle/>
+                    <a:p>
+                      <a:pPr algn="r" fontAlgn="b"/>
+                      <a:r>
+                        <a:rPr lang="it-IT" sz="1100" b="0" i="0" u="none" strike="noStrike">
+                          <a:solidFill>
+                            <a:srgbClr val="000000"/>
+                          </a:solidFill>
+                          <a:effectLst/>
+                          <a:latin typeface="Calibri" panose="020F0502020204030204" pitchFamily="34" charset="0"/>
+                        </a:rPr>
+                        <a:t>0,0139</a:t>
+                      </a:r>
+                    </a:p>
+                  </a:txBody>
+                  <a:tcPr marL="7620" marR="7620" marT="7620" marB="0" anchor="b">
+                    <a:lnL w="6350" cap="flat" cmpd="sng" algn="ctr">
+                      <a:solidFill>
+                        <a:srgbClr val="000000"/>
+                      </a:solidFill>
+                      <a:prstDash val="solid"/>
+                      <a:round/>
+                      <a:headEnd type="none" w="med" len="med"/>
+                      <a:tailEnd type="none" w="med" len="med"/>
+                    </a:lnL>
+                    <a:lnR w="6350" cap="flat" cmpd="sng" algn="ctr">
+                      <a:solidFill>
+                        <a:srgbClr val="000000"/>
+                      </a:solidFill>
+                      <a:prstDash val="solid"/>
+                      <a:round/>
+                      <a:headEnd type="none" w="med" len="med"/>
+                      <a:tailEnd type="none" w="med" len="med"/>
+                    </a:lnR>
+                    <a:lnT w="6350" cap="flat" cmpd="sng" algn="ctr">
+                      <a:solidFill>
+                        <a:srgbClr val="000000"/>
+                      </a:solidFill>
+                      <a:prstDash val="solid"/>
+                      <a:round/>
+                      <a:headEnd type="none" w="med" len="med"/>
+                      <a:tailEnd type="none" w="med" len="med"/>
+                    </a:lnT>
+                    <a:lnB w="6350" cap="flat" cmpd="sng" algn="ctr">
+                      <a:solidFill>
+                        <a:srgbClr val="000000"/>
+                      </a:solidFill>
+                      <a:prstDash val="solid"/>
+                      <a:round/>
+                      <a:headEnd type="none" w="med" len="med"/>
+                      <a:tailEnd type="none" w="med" len="med"/>
+                    </a:lnB>
+                    <a:solidFill>
+                      <a:srgbClr val="FFFFFF"/>
+                    </a:solidFill>
+                  </a:tcPr>
+                </a:tc>
+                <a:tc>
+                  <a:txBody>
+                    <a:bodyPr/>
+                    <a:lstStyle/>
+                    <a:p>
+                      <a:pPr algn="r" fontAlgn="b"/>
+                      <a:r>
+                        <a:rPr lang="it-IT" sz="1100" b="0" i="0" u="none" strike="noStrike">
+                          <a:solidFill>
+                            <a:srgbClr val="000000"/>
+                          </a:solidFill>
+                          <a:effectLst/>
+                          <a:latin typeface="Calibri" panose="020F0502020204030204" pitchFamily="34" charset="0"/>
+                        </a:rPr>
+                        <a:t>10</a:t>
+                      </a:r>
+                    </a:p>
+                  </a:txBody>
+                  <a:tcPr marL="7620" marR="7620" marT="7620" marB="0" anchor="b">
+                    <a:lnL w="6350" cap="flat" cmpd="sng" algn="ctr">
+                      <a:solidFill>
+                        <a:srgbClr val="000000"/>
+                      </a:solidFill>
+                      <a:prstDash val="solid"/>
+                      <a:round/>
+                      <a:headEnd type="none" w="med" len="med"/>
+                      <a:tailEnd type="none" w="med" len="med"/>
+                    </a:lnL>
+                    <a:lnR w="6350" cap="flat" cmpd="sng" algn="ctr">
+                      <a:solidFill>
+                        <a:srgbClr val="000000"/>
+                      </a:solidFill>
+                      <a:prstDash val="solid"/>
+                      <a:round/>
+                      <a:headEnd type="none" w="med" len="med"/>
+                      <a:tailEnd type="none" w="med" len="med"/>
+                    </a:lnR>
+                    <a:lnT w="6350" cap="flat" cmpd="sng" algn="ctr">
+                      <a:solidFill>
+                        <a:srgbClr val="000000"/>
+                      </a:solidFill>
+                      <a:prstDash val="solid"/>
+                      <a:round/>
+                      <a:headEnd type="none" w="med" len="med"/>
+                      <a:tailEnd type="none" w="med" len="med"/>
+                    </a:lnT>
+                    <a:lnB w="6350" cap="flat" cmpd="sng" algn="ctr">
+                      <a:solidFill>
+                        <a:srgbClr val="000000"/>
+                      </a:solidFill>
+                      <a:prstDash val="solid"/>
+                      <a:round/>
+                      <a:headEnd type="none" w="med" len="med"/>
+                      <a:tailEnd type="none" w="med" len="med"/>
+                    </a:lnB>
+                    <a:solidFill>
+                      <a:srgbClr val="FFFFFF"/>
+                    </a:solidFill>
+                  </a:tcPr>
+                </a:tc>
+                <a:tc>
+                  <a:txBody>
+                    <a:bodyPr/>
+                    <a:lstStyle/>
+                    <a:p>
+                      <a:pPr algn="r" fontAlgn="b"/>
+                      <a:r>
+                        <a:rPr lang="it-IT" sz="1100" b="0" i="0" u="none" strike="noStrike">
+                          <a:solidFill>
+                            <a:srgbClr val="000000"/>
+                          </a:solidFill>
+                          <a:effectLst/>
+                          <a:latin typeface="Calibri" panose="020F0502020204030204" pitchFamily="34" charset="0"/>
+                        </a:rPr>
+                        <a:t>400</a:t>
+                      </a:r>
+                    </a:p>
+                  </a:txBody>
+                  <a:tcPr marL="7620" marR="7620" marT="7620" marB="0" anchor="b">
+                    <a:lnL w="6350" cap="flat" cmpd="sng" algn="ctr">
+                      <a:solidFill>
+                        <a:srgbClr val="000000"/>
+                      </a:solidFill>
+                      <a:prstDash val="solid"/>
+                      <a:round/>
+                      <a:headEnd type="none" w="med" len="med"/>
+                      <a:tailEnd type="none" w="med" len="med"/>
+                    </a:lnL>
+                    <a:lnR w="6350" cap="flat" cmpd="sng" algn="ctr">
+                      <a:solidFill>
+                        <a:srgbClr val="000000"/>
+                      </a:solidFill>
+                      <a:prstDash val="solid"/>
+                      <a:round/>
+                      <a:headEnd type="none" w="med" len="med"/>
+                      <a:tailEnd type="none" w="med" len="med"/>
+                    </a:lnR>
+                    <a:lnT w="6350" cap="flat" cmpd="sng" algn="ctr">
+                      <a:solidFill>
+                        <a:srgbClr val="000000"/>
+                      </a:solidFill>
+                      <a:prstDash val="solid"/>
+                      <a:round/>
+                      <a:headEnd type="none" w="med" len="med"/>
+                      <a:tailEnd type="none" w="med" len="med"/>
+                    </a:lnT>
+                    <a:lnB w="6350" cap="flat" cmpd="sng" algn="ctr">
+                      <a:solidFill>
+                        <a:srgbClr val="000000"/>
+                      </a:solidFill>
+                      <a:prstDash val="solid"/>
+                      <a:round/>
+                      <a:headEnd type="none" w="med" len="med"/>
+                      <a:tailEnd type="none" w="med" len="med"/>
+                    </a:lnB>
+                    <a:solidFill>
+                      <a:srgbClr val="FFFFFF"/>
+                    </a:solidFill>
+                  </a:tcPr>
+                </a:tc>
+                <a:extLst>
+                  <a:ext uri="{0D108BD9-81ED-4DB2-BD59-A6C34878D82A}">
+                    <a16:rowId xmlns:a16="http://schemas.microsoft.com/office/drawing/2014/main" val="4277010188"/>
+                  </a:ext>
+                </a:extLst>
+              </a:tr>
+              <a:tr h="165214">
+                <a:tc>
+                  <a:txBody>
+                    <a:bodyPr/>
+                    <a:lstStyle/>
+                    <a:p>
+                      <a:pPr algn="l" fontAlgn="b"/>
+                      <a:r>
+                        <a:rPr lang="it-IT" sz="1100" b="0" i="0" u="none" strike="noStrike">
+                          <a:solidFill>
+                            <a:srgbClr val="000000"/>
+                          </a:solidFill>
+                          <a:effectLst/>
+                          <a:latin typeface="Calibri" panose="020F0502020204030204" pitchFamily="34" charset="0"/>
+                        </a:rPr>
+                        <a:t> </a:t>
+                      </a:r>
+                    </a:p>
+                  </a:txBody>
+                  <a:tcPr marL="7620" marR="7620" marT="7620" marB="0" anchor="b">
+                    <a:lnL>
+                      <a:noFill/>
+                    </a:lnL>
+                    <a:lnR>
+                      <a:noFill/>
+                    </a:lnR>
+                    <a:lnT w="6350" cap="flat" cmpd="sng" algn="ctr">
+                      <a:solidFill>
+                        <a:srgbClr val="000000"/>
+                      </a:solidFill>
+                      <a:prstDash val="solid"/>
+                      <a:round/>
+                      <a:headEnd type="none" w="med" len="med"/>
+                      <a:tailEnd type="none" w="med" len="med"/>
+                    </a:lnT>
+                    <a:lnB w="12700" cap="flat" cmpd="sng" algn="ctr">
+                      <a:solidFill>
+                        <a:srgbClr val="000000"/>
+                      </a:solidFill>
+                      <a:prstDash val="solid"/>
+                      <a:round/>
+                      <a:headEnd type="none" w="med" len="med"/>
+                      <a:tailEnd type="none" w="med" len="med"/>
+                    </a:lnB>
+                    <a:solidFill>
+                      <a:srgbClr val="FFFFFF"/>
+                    </a:solidFill>
+                  </a:tcPr>
+                </a:tc>
+                <a:tc>
+                  <a:txBody>
+                    <a:bodyPr/>
+                    <a:lstStyle/>
+                    <a:p>
+                      <a:pPr algn="l" fontAlgn="b"/>
+                      <a:r>
+                        <a:rPr lang="it-IT" sz="1100" b="0" i="0" u="none" strike="noStrike">
+                          <a:solidFill>
+                            <a:srgbClr val="000000"/>
+                          </a:solidFill>
+                          <a:effectLst/>
+                          <a:latin typeface="Calibri" panose="020F0502020204030204" pitchFamily="34" charset="0"/>
+                        </a:rPr>
+                        <a:t> </a:t>
+                      </a:r>
+                    </a:p>
+                  </a:txBody>
+                  <a:tcPr marL="7620" marR="7620" marT="7620" marB="0" anchor="b">
+                    <a:lnL>
+                      <a:noFill/>
+                    </a:lnL>
+                    <a:lnR>
+                      <a:noFill/>
+                    </a:lnR>
+                    <a:lnT w="6350" cap="flat" cmpd="sng" algn="ctr">
+                      <a:solidFill>
+                        <a:srgbClr val="000000"/>
+                      </a:solidFill>
+                      <a:prstDash val="solid"/>
+                      <a:round/>
+                      <a:headEnd type="none" w="med" len="med"/>
+                      <a:tailEnd type="none" w="med" len="med"/>
+                    </a:lnT>
+                    <a:lnB w="12700" cap="flat" cmpd="sng" algn="ctr">
+                      <a:solidFill>
+                        <a:srgbClr val="000000"/>
+                      </a:solidFill>
+                      <a:prstDash val="solid"/>
+                      <a:round/>
+                      <a:headEnd type="none" w="med" len="med"/>
+                      <a:tailEnd type="none" w="med" len="med"/>
+                    </a:lnB>
+                    <a:solidFill>
+                      <a:srgbClr val="FFFFFF"/>
+                    </a:solidFill>
+                  </a:tcPr>
+                </a:tc>
+                <a:tc>
+                  <a:txBody>
+                    <a:bodyPr/>
+                    <a:lstStyle/>
+                    <a:p>
+                      <a:pPr algn="l" fontAlgn="b"/>
+                      <a:r>
+                        <a:rPr lang="it-IT" sz="1100" b="0" i="0" u="none" strike="noStrike">
+                          <a:solidFill>
+                            <a:srgbClr val="000000"/>
+                          </a:solidFill>
+                          <a:effectLst/>
+                          <a:latin typeface="Calibri" panose="020F0502020204030204" pitchFamily="34" charset="0"/>
+                        </a:rPr>
+                        <a:t> </a:t>
+                      </a:r>
+                    </a:p>
+                  </a:txBody>
+                  <a:tcPr marL="7620" marR="7620" marT="7620" marB="0" anchor="b">
+                    <a:lnL>
+                      <a:noFill/>
+                    </a:lnL>
+                    <a:lnR>
+                      <a:noFill/>
+                    </a:lnR>
+                    <a:lnT w="6350" cap="flat" cmpd="sng" algn="ctr">
+                      <a:solidFill>
+                        <a:srgbClr val="000000"/>
+                      </a:solidFill>
+                      <a:prstDash val="solid"/>
+                      <a:round/>
+                      <a:headEnd type="none" w="med" len="med"/>
+                      <a:tailEnd type="none" w="med" len="med"/>
+                    </a:lnT>
+                    <a:lnB>
+                      <a:noFill/>
+                    </a:lnB>
+                    <a:solidFill>
+                      <a:srgbClr val="FFFFFF"/>
+                    </a:solidFill>
+                  </a:tcPr>
+                </a:tc>
+                <a:tc>
+                  <a:txBody>
+                    <a:bodyPr/>
+                    <a:lstStyle/>
+                    <a:p>
+                      <a:pPr algn="l" fontAlgn="b"/>
+                      <a:r>
+                        <a:rPr lang="it-IT" sz="1100" b="0" i="0" u="none" strike="noStrike">
+                          <a:solidFill>
+                            <a:srgbClr val="000000"/>
+                          </a:solidFill>
+                          <a:effectLst/>
+                          <a:latin typeface="Calibri" panose="020F0502020204030204" pitchFamily="34" charset="0"/>
+                        </a:rPr>
+                        <a:t> </a:t>
+                      </a:r>
+                    </a:p>
+                  </a:txBody>
+                  <a:tcPr marL="7620" marR="7620" marT="7620" marB="0" anchor="b">
+                    <a:lnL>
+                      <a:noFill/>
+                    </a:lnL>
+                    <a:lnR>
+                      <a:noFill/>
+                    </a:lnR>
+                    <a:lnT w="6350" cap="flat" cmpd="sng" algn="ctr">
+                      <a:solidFill>
+                        <a:srgbClr val="000000"/>
+                      </a:solidFill>
+                      <a:prstDash val="solid"/>
+                      <a:round/>
+                      <a:headEnd type="none" w="med" len="med"/>
+                      <a:tailEnd type="none" w="med" len="med"/>
+                    </a:lnT>
+                    <a:lnB>
+                      <a:noFill/>
+                    </a:lnB>
+                    <a:solidFill>
+                      <a:srgbClr val="FFFFFF"/>
+                    </a:solidFill>
+                  </a:tcPr>
+                </a:tc>
+                <a:extLst>
+                  <a:ext uri="{0D108BD9-81ED-4DB2-BD59-A6C34878D82A}">
+                    <a16:rowId xmlns:a16="http://schemas.microsoft.com/office/drawing/2014/main" val="468796184"/>
+                  </a:ext>
+                </a:extLst>
+              </a:tr>
+              <a:tr h="165214">
+                <a:tc>
+                  <a:txBody>
+                    <a:bodyPr/>
+                    <a:lstStyle/>
+                    <a:p>
+                      <a:pPr algn="l" fontAlgn="b"/>
+                      <a:r>
+                        <a:rPr lang="it-IT" sz="1100" b="0" i="0" u="none" strike="noStrike">
+                          <a:solidFill>
+                            <a:srgbClr val="FFFFFF"/>
+                          </a:solidFill>
+                          <a:effectLst/>
+                          <a:latin typeface="Calibri" panose="020F0502020204030204" pitchFamily="34" charset="0"/>
+                        </a:rPr>
+                        <a:t>Average Cost of debt </a:t>
+                      </a:r>
+                    </a:p>
+                  </a:txBody>
+                  <a:tcPr marL="7620" marR="7620" marT="7620" marB="0" anchor="b">
+                    <a:lnL w="12700" cap="flat" cmpd="sng" algn="ctr">
+                      <a:solidFill>
+                        <a:srgbClr val="000000"/>
+                      </a:solidFill>
+                      <a:prstDash val="solid"/>
+                      <a:round/>
+                      <a:headEnd type="none" w="med" len="med"/>
+                      <a:tailEnd type="none" w="med" len="med"/>
+                    </a:lnL>
+                    <a:lnR>
+                      <a:noFill/>
+                    </a:lnR>
+                    <a:lnT w="12700" cap="flat" cmpd="sng" algn="ctr">
+                      <a:solidFill>
+                        <a:srgbClr val="000000"/>
+                      </a:solidFill>
+                      <a:prstDash val="solid"/>
+                      <a:round/>
+                      <a:headEnd type="none" w="med" len="med"/>
+                      <a:tailEnd type="none" w="med" len="med"/>
+                    </a:lnT>
+                    <a:lnB w="12700" cap="flat" cmpd="sng" algn="ctr">
+                      <a:solidFill>
+                        <a:srgbClr val="000000"/>
+                      </a:solidFill>
+                      <a:prstDash val="solid"/>
+                      <a:round/>
+                      <a:headEnd type="none" w="med" len="med"/>
+                      <a:tailEnd type="none" w="med" len="med"/>
+                    </a:lnB>
+                    <a:solidFill>
+                      <a:srgbClr val="00B0F0"/>
+                    </a:solidFill>
+                  </a:tcPr>
+                </a:tc>
+                <a:tc>
+                  <a:txBody>
+                    <a:bodyPr/>
+                    <a:lstStyle/>
+                    <a:p>
+                      <a:pPr algn="r" fontAlgn="b"/>
+                      <a:r>
+                        <a:rPr lang="it-IT" sz="1100" b="0" i="0" u="none" strike="noStrike">
+                          <a:solidFill>
+                            <a:srgbClr val="FFFFFF"/>
+                          </a:solidFill>
+                          <a:effectLst/>
+                          <a:latin typeface="Calibri" panose="020F0502020204030204" pitchFamily="34" charset="0"/>
+                        </a:rPr>
+                        <a:t>2,17583%</a:t>
+                      </a:r>
+                    </a:p>
+                  </a:txBody>
+                  <a:tcPr marL="7620" marR="7620" marT="7620" marB="0" anchor="b">
+                    <a:lnL>
+                      <a:noFill/>
+                    </a:lnL>
+                    <a:lnR w="12700" cap="flat" cmpd="sng" algn="ctr">
+                      <a:solidFill>
+                        <a:srgbClr val="000000"/>
+                      </a:solidFill>
+                      <a:prstDash val="solid"/>
+                      <a:round/>
+                      <a:headEnd type="none" w="med" len="med"/>
+                      <a:tailEnd type="none" w="med" len="med"/>
+                    </a:lnR>
+                    <a:lnT w="12700" cap="flat" cmpd="sng" algn="ctr">
+                      <a:solidFill>
+                        <a:srgbClr val="000000"/>
+                      </a:solidFill>
+                      <a:prstDash val="solid"/>
+                      <a:round/>
+                      <a:headEnd type="none" w="med" len="med"/>
+                      <a:tailEnd type="none" w="med" len="med"/>
+                    </a:lnT>
+                    <a:lnB w="12700" cap="flat" cmpd="sng" algn="ctr">
+                      <a:solidFill>
+                        <a:srgbClr val="000000"/>
+                      </a:solidFill>
+                      <a:prstDash val="solid"/>
+                      <a:round/>
+                      <a:headEnd type="none" w="med" len="med"/>
+                      <a:tailEnd type="none" w="med" len="med"/>
+                    </a:lnB>
+                    <a:solidFill>
+                      <a:srgbClr val="00B0F0"/>
+                    </a:solidFill>
+                  </a:tcPr>
+                </a:tc>
+                <a:tc>
+                  <a:txBody>
+                    <a:bodyPr/>
+                    <a:lstStyle/>
+                    <a:p>
+                      <a:pPr algn="l" fontAlgn="b"/>
+                      <a:r>
+                        <a:rPr lang="it-IT" sz="1100" b="0" i="0" u="none" strike="noStrike">
+                          <a:solidFill>
+                            <a:srgbClr val="000000"/>
+                          </a:solidFill>
+                          <a:effectLst/>
+                          <a:latin typeface="Calibri" panose="020F0502020204030204" pitchFamily="34" charset="0"/>
+                        </a:rPr>
+                        <a:t> </a:t>
+                      </a:r>
+                    </a:p>
+                  </a:txBody>
+                  <a:tcPr marL="7620" marR="7620" marT="7620" marB="0" anchor="b">
+                    <a:lnL w="12700" cap="flat" cmpd="sng" algn="ctr">
+                      <a:solidFill>
+                        <a:srgbClr val="000000"/>
+                      </a:solidFill>
+                      <a:prstDash val="solid"/>
+                      <a:round/>
+                      <a:headEnd type="none" w="med" len="med"/>
+                      <a:tailEnd type="none" w="med" len="med"/>
+                    </a:lnL>
+                    <a:lnR>
+                      <a:noFill/>
+                    </a:lnR>
+                    <a:lnT>
+                      <a:noFill/>
+                    </a:lnT>
+                    <a:lnB>
+                      <a:noFill/>
+                    </a:lnB>
+                    <a:solidFill>
+                      <a:srgbClr val="FFFFFF"/>
+                    </a:solidFill>
+                  </a:tcPr>
+                </a:tc>
+                <a:tc>
+                  <a:txBody>
+                    <a:bodyPr/>
+                    <a:lstStyle/>
+                    <a:p>
+                      <a:pPr algn="l" fontAlgn="b"/>
+                      <a:r>
+                        <a:rPr lang="it-IT" sz="1100" b="0" i="0" u="none" strike="noStrike" dirty="0">
+                          <a:solidFill>
+                            <a:srgbClr val="000000"/>
+                          </a:solidFill>
+                          <a:effectLst/>
+                          <a:latin typeface="Calibri" panose="020F0502020204030204" pitchFamily="34" charset="0"/>
+                        </a:rPr>
+                        <a:t> </a:t>
+                      </a:r>
+                    </a:p>
+                  </a:txBody>
+                  <a:tcPr marL="7620" marR="7620" marT="7620" marB="0" anchor="b">
+                    <a:lnL>
+                      <a:noFill/>
+                    </a:lnL>
+                    <a:lnR>
+                      <a:noFill/>
+                    </a:lnR>
+                    <a:lnT>
+                      <a:noFill/>
+                    </a:lnT>
+                    <a:lnB>
+                      <a:noFill/>
+                    </a:lnB>
+                    <a:solidFill>
+                      <a:srgbClr val="FFFFFF"/>
+                    </a:solidFill>
+                  </a:tcPr>
+                </a:tc>
+                <a:extLst>
+                  <a:ext uri="{0D108BD9-81ED-4DB2-BD59-A6C34878D82A}">
+                    <a16:rowId xmlns:a16="http://schemas.microsoft.com/office/drawing/2014/main" val="2526470553"/>
+                  </a:ext>
+                </a:extLst>
+              </a:tr>
+            </a:tbl>
+          </a:graphicData>
+        </a:graphic>
+      </p:graphicFrame>
+    </p:spTree>
+    <p:extLst>
+      <p:ext uri="{BB962C8B-B14F-4D97-AF65-F5344CB8AC3E}">
+        <p14:creationId xmlns:p14="http://schemas.microsoft.com/office/powerpoint/2010/main" val="2225915769"/>
+      </p:ext>
+    </p:extLst>
+  </p:cSld>
+  <p:clrMapOvr>
+    <a:masterClrMapping/>
+  </p:clrMapOvr>
+</p:sld>
+</file>
+
+<file path=ppt/slides/slide8.xml><?xml version="1.0" encoding="utf-8"?>
+<p:sld xmlns:a="http://schemas.openxmlformats.org/drawingml/2006/main" xmlns:r="http://schemas.openxmlformats.org/officeDocument/2006/relationships" xmlns:p="http://schemas.openxmlformats.org/presentationml/2006/main">
+  <p:cSld>
+    <p:spTree>
+      <p:nvGrpSpPr>
+        <p:cNvPr id="1" name=""/>
+        <p:cNvGrpSpPr/>
+        <p:nvPr/>
+      </p:nvGrpSpPr>
+      <p:grpSpPr>
+        <a:xfrm>
+          <a:off x="0" y="0"/>
+          <a:ext cx="0" cy="0"/>
+          <a:chOff x="0" y="0"/>
+          <a:chExt cx="0" cy="0"/>
+        </a:xfrm>
+      </p:grpSpPr>
+      <p:sp>
+        <p:nvSpPr>
+          <p:cNvPr id="2" name="Titolo 1">
+            <a:extLst>
+              <a:ext uri="{FF2B5EF4-FFF2-40B4-BE49-F238E27FC236}">
+                <a16:creationId xmlns:a16="http://schemas.microsoft.com/office/drawing/2014/main" id="{08E50049-ED38-4770-9A91-F536DC80DA2F}"/>
+              </a:ext>
+            </a:extLst>
+          </p:cNvPr>
+          <p:cNvSpPr>
+            <a:spLocks noGrp="1"/>
+          </p:cNvSpPr>
+          <p:nvPr>
+            <p:ph type="title"/>
+          </p:nvPr>
+        </p:nvSpPr>
+        <p:spPr>
+          <a:xfrm>
+            <a:off x="838200" y="365126"/>
+            <a:ext cx="10515600" cy="513764"/>
+          </a:xfrm>
+        </p:spPr>
+        <p:txBody>
+          <a:bodyPr>
+            <a:normAutofit/>
+          </a:bodyPr>
+          <a:lstStyle/>
+          <a:p>
+            <a:r>
+              <a:rPr lang="it-IT" sz="2800" b="1" dirty="0" err="1">
+                <a:latin typeface="Calibri   "/>
+              </a:rPr>
+              <a:t>Final</a:t>
+            </a:r>
+            <a:r>
+              <a:rPr lang="it-IT" sz="2800" b="1" dirty="0">
+                <a:latin typeface="Calibri   "/>
+              </a:rPr>
+              <a:t> </a:t>
+            </a:r>
+            <a:r>
+              <a:rPr lang="it-IT" sz="2800" b="1" dirty="0" err="1">
+                <a:latin typeface="Calibri   "/>
+              </a:rPr>
+              <a:t>results</a:t>
+            </a:r>
+            <a:r>
+              <a:rPr lang="it-IT" sz="2800" b="1" dirty="0">
+                <a:latin typeface="Calibri   "/>
+              </a:rPr>
+              <a:t> (</a:t>
+            </a:r>
+            <a:r>
+              <a:rPr lang="it-IT" sz="2800" b="1" dirty="0" err="1">
+                <a:latin typeface="Calibri   "/>
+              </a:rPr>
+              <a:t>analytical</a:t>
+            </a:r>
+            <a:r>
+              <a:rPr lang="it-IT" sz="2800" b="1" dirty="0">
+                <a:latin typeface="Calibri   "/>
+              </a:rPr>
+              <a:t> </a:t>
+            </a:r>
+            <a:r>
+              <a:rPr lang="it-IT" sz="2800" b="1" dirty="0" err="1">
+                <a:latin typeface="Calibri   "/>
+              </a:rPr>
+              <a:t>approach</a:t>
+            </a:r>
+            <a:r>
+              <a:rPr lang="it-IT" sz="2800" b="1" dirty="0">
+                <a:latin typeface="Calibri   "/>
+              </a:rPr>
+              <a:t>) </a:t>
+            </a:r>
+          </a:p>
+        </p:txBody>
+      </p:sp>
+      <p:pic>
+        <p:nvPicPr>
+          <p:cNvPr id="4" name="Segnaposto contenuto 3">
+            <a:extLst>
+              <a:ext uri="{FF2B5EF4-FFF2-40B4-BE49-F238E27FC236}">
+                <a16:creationId xmlns:a16="http://schemas.microsoft.com/office/drawing/2014/main" id="{5A660664-EBEC-4A95-AF10-6EAAC3684F1E}"/>
+              </a:ext>
+            </a:extLst>
+          </p:cNvPr>
+          <p:cNvPicPr>
+            <a:picLocks noGrp="1" noChangeAspect="1"/>
+          </p:cNvPicPr>
+          <p:nvPr>
+            <p:ph idx="1"/>
+          </p:nvPr>
+        </p:nvPicPr>
+        <p:blipFill>
+          <a:blip r:embed="rId2"/>
+          <a:stretch>
+            <a:fillRect/>
+          </a:stretch>
+        </p:blipFill>
+        <p:spPr>
+          <a:xfrm>
+            <a:off x="838200" y="1015014"/>
+            <a:ext cx="10714676" cy="4076700"/>
+          </a:xfrm>
+          <a:prstGeom prst="rect">
+            <a:avLst/>
+          </a:prstGeom>
+        </p:spPr>
+      </p:pic>
+      <p:sp>
+        <p:nvSpPr>
+          <p:cNvPr id="5" name="CasellaDiTesto 4">
+            <a:extLst>
+              <a:ext uri="{FF2B5EF4-FFF2-40B4-BE49-F238E27FC236}">
+                <a16:creationId xmlns:a16="http://schemas.microsoft.com/office/drawing/2014/main" id="{187CA0F4-AFF4-4570-AC24-84598EFB0887}"/>
+              </a:ext>
+            </a:extLst>
+          </p:cNvPr>
+          <p:cNvSpPr txBox="1"/>
+          <p:nvPr/>
+        </p:nvSpPr>
+        <p:spPr>
+          <a:xfrm>
+            <a:off x="914400" y="5388746"/>
+            <a:ext cx="10555550" cy="954107"/>
+          </a:xfrm>
+          <a:prstGeom prst="rect">
+            <a:avLst/>
+          </a:prstGeom>
+          <a:noFill/>
+        </p:spPr>
+        <p:txBody>
+          <a:bodyPr wrap="square" rtlCol="0">
+            <a:spAutoFit/>
+          </a:bodyPr>
+          <a:lstStyle/>
+          <a:p>
+            <a:r>
+              <a:rPr lang="it-IT" sz="2000" dirty="0" err="1"/>
+              <a:t>Approach</a:t>
+            </a:r>
+            <a:r>
+              <a:rPr lang="it-IT" sz="2000" dirty="0"/>
+              <a:t> n° 3 </a:t>
+            </a:r>
+            <a:r>
+              <a:rPr lang="it-IT" sz="2000" dirty="0" err="1"/>
+              <a:t>is</a:t>
+            </a:r>
+            <a:r>
+              <a:rPr lang="it-IT" sz="2000" dirty="0"/>
+              <a:t> the best </a:t>
+            </a:r>
+            <a:r>
+              <a:rPr lang="it-IT" sz="2000" dirty="0" err="1"/>
+              <a:t>suited</a:t>
+            </a:r>
+            <a:r>
+              <a:rPr lang="it-IT" sz="2000" dirty="0"/>
+              <a:t> for </a:t>
+            </a:r>
+            <a:r>
+              <a:rPr lang="it-IT" sz="2000" dirty="0" err="1"/>
+              <a:t>our</a:t>
+            </a:r>
+            <a:r>
+              <a:rPr lang="it-IT" sz="2000" dirty="0"/>
+              <a:t> </a:t>
+            </a:r>
+            <a:r>
+              <a:rPr lang="it-IT" sz="2000" dirty="0" err="1"/>
+              <a:t>purposes</a:t>
+            </a:r>
+            <a:r>
+              <a:rPr lang="it-IT" sz="2000" dirty="0"/>
+              <a:t>: </a:t>
+            </a:r>
+            <a:r>
+              <a:rPr lang="it-IT" sz="2000" dirty="0" err="1"/>
+              <a:t>it</a:t>
+            </a:r>
+            <a:r>
+              <a:rPr lang="it-IT" sz="2000" dirty="0"/>
+              <a:t> </a:t>
+            </a:r>
+            <a:r>
+              <a:rPr lang="it-IT" sz="2000" dirty="0" err="1"/>
+              <a:t>allows</a:t>
+            </a:r>
+            <a:r>
+              <a:rPr lang="it-IT" sz="2000" dirty="0"/>
+              <a:t> for an </a:t>
+            </a:r>
+            <a:r>
+              <a:rPr lang="it-IT" sz="2000" dirty="0" err="1"/>
+              <a:t>updated</a:t>
+            </a:r>
+            <a:r>
+              <a:rPr lang="it-IT" sz="2000" dirty="0"/>
+              <a:t> cost of </a:t>
+            </a:r>
+            <a:r>
+              <a:rPr lang="it-IT" sz="2000" dirty="0" err="1"/>
+              <a:t>debt</a:t>
+            </a:r>
+            <a:r>
+              <a:rPr lang="it-IT" sz="2000" dirty="0"/>
+              <a:t>.</a:t>
+            </a:r>
+            <a:r>
+              <a:rPr lang="it-IT" dirty="0"/>
+              <a:t> </a:t>
+            </a:r>
+          </a:p>
+          <a:p>
+            <a:r>
+              <a:rPr lang="it-IT" b="1" dirty="0" err="1"/>
+              <a:t>Notice</a:t>
+            </a:r>
+            <a:r>
+              <a:rPr lang="it-IT" b="1"/>
+              <a:t>: </a:t>
+            </a:r>
+            <a:r>
+              <a:rPr lang="it-IT" b="1" dirty="0"/>
+              <a:t>I</a:t>
+            </a:r>
+            <a:r>
+              <a:rPr lang="it-IT"/>
+              <a:t>n </a:t>
+            </a:r>
+            <a:r>
+              <a:rPr lang="it-IT" dirty="0" err="1"/>
+              <a:t>its</a:t>
+            </a:r>
+            <a:r>
+              <a:rPr lang="it-IT" dirty="0"/>
+              <a:t> </a:t>
+            </a:r>
+            <a:r>
+              <a:rPr lang="it-IT" dirty="0" err="1"/>
+              <a:t>debt</a:t>
+            </a:r>
+            <a:r>
+              <a:rPr lang="it-IT" dirty="0"/>
+              <a:t> report A2A </a:t>
+            </a:r>
+            <a:r>
+              <a:rPr lang="it-IT" dirty="0" err="1"/>
+              <a:t>declares</a:t>
+            </a:r>
+            <a:r>
+              <a:rPr lang="it-IT" dirty="0"/>
+              <a:t> an </a:t>
+            </a:r>
+            <a:r>
+              <a:rPr lang="it-IT" dirty="0" err="1"/>
+              <a:t>average</a:t>
+            </a:r>
+            <a:r>
+              <a:rPr lang="it-IT" dirty="0"/>
+              <a:t> cost of </a:t>
+            </a:r>
+            <a:r>
+              <a:rPr lang="it-IT" dirty="0" err="1"/>
+              <a:t>debt</a:t>
+            </a:r>
+            <a:r>
+              <a:rPr lang="it-IT" dirty="0"/>
+              <a:t> of 2.8%, </a:t>
+            </a:r>
+            <a:r>
+              <a:rPr lang="it-IT" dirty="0" err="1"/>
+              <a:t>this</a:t>
+            </a:r>
+            <a:r>
+              <a:rPr lang="it-IT" dirty="0"/>
+              <a:t> </a:t>
+            </a:r>
+            <a:r>
+              <a:rPr lang="it-IT" dirty="0" err="1"/>
+              <a:t>depends</a:t>
+            </a:r>
+            <a:r>
+              <a:rPr lang="it-IT" dirty="0"/>
+              <a:t> by some of </a:t>
+            </a:r>
+            <a:r>
+              <a:rPr lang="it-IT" dirty="0" err="1"/>
+              <a:t>its</a:t>
+            </a:r>
+            <a:r>
+              <a:rPr lang="it-IT" dirty="0"/>
+              <a:t> </a:t>
+            </a:r>
+            <a:r>
+              <a:rPr lang="it-IT" dirty="0" err="1"/>
+              <a:t>foreign</a:t>
+            </a:r>
+            <a:r>
+              <a:rPr lang="it-IT" dirty="0"/>
+              <a:t> </a:t>
+            </a:r>
+            <a:r>
+              <a:rPr lang="it-IT" dirty="0" err="1"/>
+              <a:t>issues</a:t>
+            </a:r>
+            <a:r>
+              <a:rPr lang="it-IT" dirty="0"/>
+              <a:t> </a:t>
+            </a:r>
+            <a:r>
+              <a:rPr lang="it-IT" dirty="0" err="1"/>
+              <a:t>which</a:t>
+            </a:r>
+            <a:r>
+              <a:rPr lang="it-IT" dirty="0"/>
+              <a:t> are </a:t>
+            </a:r>
+            <a:r>
+              <a:rPr lang="it-IT" dirty="0" err="1"/>
+              <a:t>not</a:t>
+            </a:r>
+            <a:r>
+              <a:rPr lang="it-IT" dirty="0"/>
+              <a:t> </a:t>
+            </a:r>
+            <a:r>
+              <a:rPr lang="it-IT" dirty="0" err="1"/>
+              <a:t>considered</a:t>
+            </a:r>
+            <a:r>
+              <a:rPr lang="it-IT" dirty="0"/>
+              <a:t> in </a:t>
+            </a:r>
+            <a:r>
+              <a:rPr lang="it-IT" dirty="0" err="1"/>
+              <a:t>our</a:t>
+            </a:r>
+            <a:r>
+              <a:rPr lang="it-IT" dirty="0"/>
+              <a:t> </a:t>
+            </a:r>
+            <a:r>
+              <a:rPr lang="it-IT" dirty="0" err="1"/>
+              <a:t>computation</a:t>
+            </a:r>
+            <a:r>
+              <a:rPr lang="it-IT" dirty="0"/>
+              <a:t> (a small </a:t>
+            </a:r>
+            <a:r>
+              <a:rPr lang="it-IT" dirty="0" err="1"/>
+              <a:t>slice</a:t>
+            </a:r>
+            <a:r>
+              <a:rPr lang="it-IT" dirty="0"/>
+              <a:t> of the «pie»).</a:t>
+            </a:r>
+          </a:p>
+        </p:txBody>
+      </p:sp>
+    </p:spTree>
+    <p:extLst>
+      <p:ext uri="{BB962C8B-B14F-4D97-AF65-F5344CB8AC3E}">
+        <p14:creationId xmlns:p14="http://schemas.microsoft.com/office/powerpoint/2010/main" val="3486704649"/>
       </p:ext>
     </p:extLst>
   </p:cSld>
